--- a/Introduction to Arduino.pptx
+++ b/Introduction to Arduino.pptx
@@ -2,7 +2,7 @@
 <file path=ppt/presentation.xml><?xml version="1.0" encoding="utf-8"?>
 <p:presentation xmlns:a="http://schemas.openxmlformats.org/drawingml/2006/main" xmlns:r="http://schemas.openxmlformats.org/officeDocument/2006/relationships" xmlns:p="http://schemas.openxmlformats.org/presentationml/2006/main" showSpecialPlsOnTitleSld="0" saveSubsetFonts="1">
   <p:sldMasterIdLst>
-    <p:sldMasterId id="2147483648" r:id="rId1"/>
+    <p:sldMasterId id="2147483660" r:id="rId1"/>
   </p:sldMasterIdLst>
   <p:notesMasterIdLst>
     <p:notesMasterId r:id="rId15"/>
@@ -13,12 +13,12 @@
     <p:sldId id="257" r:id="rId4"/>
     <p:sldId id="268" r:id="rId5"/>
     <p:sldId id="258" r:id="rId6"/>
-    <p:sldId id="261" r:id="rId7"/>
-    <p:sldId id="260" r:id="rId8"/>
-    <p:sldId id="262" r:id="rId9"/>
-    <p:sldId id="263" r:id="rId10"/>
-    <p:sldId id="264" r:id="rId11"/>
-    <p:sldId id="259" r:id="rId12"/>
+    <p:sldId id="260" r:id="rId7"/>
+    <p:sldId id="262" r:id="rId8"/>
+    <p:sldId id="263" r:id="rId9"/>
+    <p:sldId id="264" r:id="rId10"/>
+    <p:sldId id="259" r:id="rId11"/>
+    <p:sldId id="261" r:id="rId12"/>
     <p:sldId id="266" r:id="rId13"/>
     <p:sldId id="265" r:id="rId14"/>
   </p:sldIdLst>
@@ -28,7 +28,7 @@
     <a:defPPr>
       <a:defRPr lang="en-US"/>
     </a:defPPr>
-    <a:lvl1pPr marL="0" algn="l" defTabSz="914400" rtl="0" eaLnBrk="1" latinLnBrk="0" hangingPunct="1">
+    <a:lvl1pPr marL="0" algn="l" defTabSz="457200" rtl="0" eaLnBrk="1" latinLnBrk="0" hangingPunct="1">
       <a:defRPr sz="1800" kern="1200">
         <a:solidFill>
           <a:schemeClr val="tx1"/>
@@ -38,7 +38,7 @@
         <a:cs typeface="+mn-cs"/>
       </a:defRPr>
     </a:lvl1pPr>
-    <a:lvl2pPr marL="457200" algn="l" defTabSz="914400" rtl="0" eaLnBrk="1" latinLnBrk="0" hangingPunct="1">
+    <a:lvl2pPr marL="457200" algn="l" defTabSz="457200" rtl="0" eaLnBrk="1" latinLnBrk="0" hangingPunct="1">
       <a:defRPr sz="1800" kern="1200">
         <a:solidFill>
           <a:schemeClr val="tx1"/>
@@ -48,7 +48,7 @@
         <a:cs typeface="+mn-cs"/>
       </a:defRPr>
     </a:lvl2pPr>
-    <a:lvl3pPr marL="914400" algn="l" defTabSz="914400" rtl="0" eaLnBrk="1" latinLnBrk="0" hangingPunct="1">
+    <a:lvl3pPr marL="914400" algn="l" defTabSz="457200" rtl="0" eaLnBrk="1" latinLnBrk="0" hangingPunct="1">
       <a:defRPr sz="1800" kern="1200">
         <a:solidFill>
           <a:schemeClr val="tx1"/>
@@ -58,7 +58,7 @@
         <a:cs typeface="+mn-cs"/>
       </a:defRPr>
     </a:lvl3pPr>
-    <a:lvl4pPr marL="1371600" algn="l" defTabSz="914400" rtl="0" eaLnBrk="1" latinLnBrk="0" hangingPunct="1">
+    <a:lvl4pPr marL="1371600" algn="l" defTabSz="457200" rtl="0" eaLnBrk="1" latinLnBrk="0" hangingPunct="1">
       <a:defRPr sz="1800" kern="1200">
         <a:solidFill>
           <a:schemeClr val="tx1"/>
@@ -68,7 +68,7 @@
         <a:cs typeface="+mn-cs"/>
       </a:defRPr>
     </a:lvl4pPr>
-    <a:lvl5pPr marL="1828800" algn="l" defTabSz="914400" rtl="0" eaLnBrk="1" latinLnBrk="0" hangingPunct="1">
+    <a:lvl5pPr marL="1828800" algn="l" defTabSz="457200" rtl="0" eaLnBrk="1" latinLnBrk="0" hangingPunct="1">
       <a:defRPr sz="1800" kern="1200">
         <a:solidFill>
           <a:schemeClr val="tx1"/>
@@ -78,7 +78,7 @@
         <a:cs typeface="+mn-cs"/>
       </a:defRPr>
     </a:lvl5pPr>
-    <a:lvl6pPr marL="2286000" algn="l" defTabSz="914400" rtl="0" eaLnBrk="1" latinLnBrk="0" hangingPunct="1">
+    <a:lvl6pPr marL="2286000" algn="l" defTabSz="457200" rtl="0" eaLnBrk="1" latinLnBrk="0" hangingPunct="1">
       <a:defRPr sz="1800" kern="1200">
         <a:solidFill>
           <a:schemeClr val="tx1"/>
@@ -88,7 +88,7 @@
         <a:cs typeface="+mn-cs"/>
       </a:defRPr>
     </a:lvl6pPr>
-    <a:lvl7pPr marL="2743200" algn="l" defTabSz="914400" rtl="0" eaLnBrk="1" latinLnBrk="0" hangingPunct="1">
+    <a:lvl7pPr marL="2743200" algn="l" defTabSz="457200" rtl="0" eaLnBrk="1" latinLnBrk="0" hangingPunct="1">
       <a:defRPr sz="1800" kern="1200">
         <a:solidFill>
           <a:schemeClr val="tx1"/>
@@ -98,7 +98,7 @@
         <a:cs typeface="+mn-cs"/>
       </a:defRPr>
     </a:lvl7pPr>
-    <a:lvl8pPr marL="3200400" algn="l" defTabSz="914400" rtl="0" eaLnBrk="1" latinLnBrk="0" hangingPunct="1">
+    <a:lvl8pPr marL="3200400" algn="l" defTabSz="457200" rtl="0" eaLnBrk="1" latinLnBrk="0" hangingPunct="1">
       <a:defRPr sz="1800" kern="1200">
         <a:solidFill>
           <a:schemeClr val="tx1"/>
@@ -108,7 +108,7 @@
         <a:cs typeface="+mn-cs"/>
       </a:defRPr>
     </a:lvl8pPr>
-    <a:lvl9pPr marL="3657600" algn="l" defTabSz="914400" rtl="0" eaLnBrk="1" latinLnBrk="0" hangingPunct="1">
+    <a:lvl9pPr marL="3657600" algn="l" defTabSz="457200" rtl="0" eaLnBrk="1" latinLnBrk="0" hangingPunct="1">
       <a:defRPr sz="1800" kern="1200">
         <a:solidFill>
           <a:schemeClr val="tx1"/>
@@ -122,12 +122,12 @@
   <p:extLst>
     <p:ext uri="{EFAFB233-063F-42B5-8137-9DF3F51BA10A}">
       <p15:sldGuideLst xmlns:p15="http://schemas.microsoft.com/office/powerpoint/2012/main">
-        <p15:guide id="1" orient="horz" pos="2160" userDrawn="1">
+        <p15:guide id="1" orient="horz" pos="4152" userDrawn="1">
           <p15:clr>
             <a:srgbClr val="A4A3A4"/>
           </p15:clr>
         </p15:guide>
-        <p15:guide id="2" pos="3840" userDrawn="1">
+        <p15:guide id="2" pos="3360" userDrawn="1">
           <p15:clr>
             <a:srgbClr val="A4A3A4"/>
           </p15:clr>
@@ -155,7 +155,7 @@
 <file path=ppt/revisionInfo.xml><?xml version="1.0" encoding="utf-8"?>
 <p1510:revInfo xmlns:a="http://schemas.openxmlformats.org/drawingml/2006/main" xmlns:r="http://schemas.openxmlformats.org/officeDocument/2006/relationships" xmlns:p1510="http://schemas.microsoft.com/office/powerpoint/2015/10/main">
   <p1510:revLst>
-    <p1510:client id="{F375E5D2-BA78-4BE3-9AB3-968CB6A7DB95}" v="10" dt="2019-04-04T18:28:29.111"/>
+    <p1510:client id="{13B766C0-1F7D-4475-8416-0F7B052A0EE2}" v="15" dt="2019-12-08T20:28:44.697"/>
   </p1510:revLst>
 </p1510:revInfo>
 </file>
@@ -265,6 +265,370 @@
       </pc:sldChg>
     </pc:docChg>
   </pc:docChgLst>
+  <pc:docChgLst>
+    <pc:chgData name="Daniel McCue" userId="2adacd62fe8472ca" providerId="LiveId" clId="{13B766C0-1F7D-4475-8416-0F7B052A0EE2}"/>
+    <pc:docChg chg="undo custSel modSld sldOrd">
+      <pc:chgData name="Daniel McCue" userId="2adacd62fe8472ca" providerId="LiveId" clId="{13B766C0-1F7D-4475-8416-0F7B052A0EE2}" dt="2019-12-08T20:28:44.697" v="213"/>
+      <pc:docMkLst>
+        <pc:docMk/>
+      </pc:docMkLst>
+      <pc:sldChg chg="modSp">
+        <pc:chgData name="Daniel McCue" userId="2adacd62fe8472ca" providerId="LiveId" clId="{13B766C0-1F7D-4475-8416-0F7B052A0EE2}" dt="2019-12-08T20:24:49.995" v="152" actId="20577"/>
+        <pc:sldMkLst>
+          <pc:docMk/>
+          <pc:sldMk cId="1817435466" sldId="256"/>
+        </pc:sldMkLst>
+        <pc:spChg chg="mod">
+          <ac:chgData name="Daniel McCue" userId="2adacd62fe8472ca" providerId="LiveId" clId="{13B766C0-1F7D-4475-8416-0F7B052A0EE2}" dt="2019-12-08T20:24:49.995" v="152" actId="20577"/>
+          <ac:spMkLst>
+            <pc:docMk/>
+            <pc:sldMk cId="1817435466" sldId="256"/>
+            <ac:spMk id="3" creationId="{00000000-0000-0000-0000-000000000000}"/>
+          </ac:spMkLst>
+        </pc:spChg>
+      </pc:sldChg>
+      <pc:sldChg chg="modSp">
+        <pc:chgData name="Daniel McCue" userId="2adacd62fe8472ca" providerId="LiveId" clId="{13B766C0-1F7D-4475-8416-0F7B052A0EE2}" dt="2019-12-08T20:25:11.767" v="162" actId="20577"/>
+        <pc:sldMkLst>
+          <pc:docMk/>
+          <pc:sldMk cId="1669430859" sldId="257"/>
+        </pc:sldMkLst>
+        <pc:spChg chg="mod">
+          <ac:chgData name="Daniel McCue" userId="2adacd62fe8472ca" providerId="LiveId" clId="{13B766C0-1F7D-4475-8416-0F7B052A0EE2}" dt="2019-12-08T20:09:37.896" v="11" actId="27636"/>
+          <ac:spMkLst>
+            <pc:docMk/>
+            <pc:sldMk cId="1669430859" sldId="257"/>
+            <ac:spMk id="3" creationId="{00000000-0000-0000-0000-000000000000}"/>
+          </ac:spMkLst>
+        </pc:spChg>
+        <pc:spChg chg="mod">
+          <ac:chgData name="Daniel McCue" userId="2adacd62fe8472ca" providerId="LiveId" clId="{13B766C0-1F7D-4475-8416-0F7B052A0EE2}" dt="2019-12-08T20:25:11.767" v="162" actId="20577"/>
+          <ac:spMkLst>
+            <pc:docMk/>
+            <pc:sldMk cId="1669430859" sldId="257"/>
+            <ac:spMk id="4" creationId="{ED1E0ABD-C52B-43F1-B461-4C7F7639E2D9}"/>
+          </ac:spMkLst>
+        </pc:spChg>
+      </pc:sldChg>
+      <pc:sldChg chg="addSp delSp modSp">
+        <pc:chgData name="Daniel McCue" userId="2adacd62fe8472ca" providerId="LiveId" clId="{13B766C0-1F7D-4475-8416-0F7B052A0EE2}" dt="2019-12-08T20:28:44.697" v="213"/>
+        <pc:sldMkLst>
+          <pc:docMk/>
+          <pc:sldMk cId="3944537188" sldId="258"/>
+        </pc:sldMkLst>
+        <pc:spChg chg="mod">
+          <ac:chgData name="Daniel McCue" userId="2adacd62fe8472ca" providerId="LiveId" clId="{13B766C0-1F7D-4475-8416-0F7B052A0EE2}" dt="2019-12-08T20:10:31.318" v="17" actId="404"/>
+          <ac:spMkLst>
+            <pc:docMk/>
+            <pc:sldMk cId="3944537188" sldId="258"/>
+            <ac:spMk id="2" creationId="{00000000-0000-0000-0000-000000000000}"/>
+          </ac:spMkLst>
+        </pc:spChg>
+        <pc:spChg chg="del mod">
+          <ac:chgData name="Daniel McCue" userId="2adacd62fe8472ca" providerId="LiveId" clId="{13B766C0-1F7D-4475-8416-0F7B052A0EE2}" dt="2019-12-08T20:28:43.583" v="212" actId="478"/>
+          <ac:spMkLst>
+            <pc:docMk/>
+            <pc:sldMk cId="3944537188" sldId="258"/>
+            <ac:spMk id="3" creationId="{659DE921-EAE2-4A61-BF51-C18199804D2F}"/>
+          </ac:spMkLst>
+        </pc:spChg>
+        <pc:spChg chg="mod">
+          <ac:chgData name="Daniel McCue" userId="2adacd62fe8472ca" providerId="LiveId" clId="{13B766C0-1F7D-4475-8416-0F7B052A0EE2}" dt="2019-12-08T20:10:31.318" v="17" actId="404"/>
+          <ac:spMkLst>
+            <pc:docMk/>
+            <pc:sldMk cId="3944537188" sldId="258"/>
+            <ac:spMk id="7" creationId="{00000000-0000-0000-0000-000000000000}"/>
+          </ac:spMkLst>
+        </pc:spChg>
+        <pc:spChg chg="add">
+          <ac:chgData name="Daniel McCue" userId="2adacd62fe8472ca" providerId="LiveId" clId="{13B766C0-1F7D-4475-8416-0F7B052A0EE2}" dt="2019-12-08T20:28:44.697" v="213"/>
+          <ac:spMkLst>
+            <pc:docMk/>
+            <pc:sldMk cId="3944537188" sldId="258"/>
+            <ac:spMk id="9" creationId="{19DE2255-227A-465B-BD11-A9B273904678}"/>
+          </ac:spMkLst>
+        </pc:spChg>
+      </pc:sldChg>
+      <pc:sldChg chg="addSp delSp modSp">
+        <pc:chgData name="Daniel McCue" userId="2adacd62fe8472ca" providerId="LiveId" clId="{13B766C0-1F7D-4475-8416-0F7B052A0EE2}" dt="2019-12-08T20:26:45.072" v="204" actId="1076"/>
+        <pc:sldMkLst>
+          <pc:docMk/>
+          <pc:sldMk cId="1036825955" sldId="259"/>
+        </pc:sldMkLst>
+        <pc:spChg chg="mod">
+          <ac:chgData name="Daniel McCue" userId="2adacd62fe8472ca" providerId="LiveId" clId="{13B766C0-1F7D-4475-8416-0F7B052A0EE2}" dt="2019-12-08T20:25:58.495" v="190" actId="20577"/>
+          <ac:spMkLst>
+            <pc:docMk/>
+            <pc:sldMk cId="1036825955" sldId="259"/>
+            <ac:spMk id="2" creationId="{4522D509-7CC3-45B7-949D-A0BC60BBAD3A}"/>
+          </ac:spMkLst>
+        </pc:spChg>
+        <pc:spChg chg="add mod ord">
+          <ac:chgData name="Daniel McCue" userId="2adacd62fe8472ca" providerId="LiveId" clId="{13B766C0-1F7D-4475-8416-0F7B052A0EE2}" dt="2019-12-08T20:21:08.838" v="125" actId="115"/>
+          <ac:spMkLst>
+            <pc:docMk/>
+            <pc:sldMk cId="1036825955" sldId="259"/>
+            <ac:spMk id="4" creationId="{2EF3372A-B881-4447-9764-31412F0A772B}"/>
+          </ac:spMkLst>
+        </pc:spChg>
+        <pc:spChg chg="add del mod">
+          <ac:chgData name="Daniel McCue" userId="2adacd62fe8472ca" providerId="LiveId" clId="{13B766C0-1F7D-4475-8416-0F7B052A0EE2}" dt="2019-12-08T20:18:52.921" v="119" actId="478"/>
+          <ac:spMkLst>
+            <pc:docMk/>
+            <pc:sldMk cId="1036825955" sldId="259"/>
+            <ac:spMk id="5" creationId="{1B80F645-D246-4515-A627-975333B8242F}"/>
+          </ac:spMkLst>
+        </pc:spChg>
+        <pc:spChg chg="add mod">
+          <ac:chgData name="Daniel McCue" userId="2adacd62fe8472ca" providerId="LiveId" clId="{13B766C0-1F7D-4475-8416-0F7B052A0EE2}" dt="2019-12-08T20:22:26.848" v="133" actId="14100"/>
+          <ac:spMkLst>
+            <pc:docMk/>
+            <pc:sldMk cId="1036825955" sldId="259"/>
+            <ac:spMk id="6" creationId="{19E116C7-23AB-4D67-B135-2DCFE7A54A46}"/>
+          </ac:spMkLst>
+        </pc:spChg>
+        <pc:spChg chg="add del mod">
+          <ac:chgData name="Daniel McCue" userId="2adacd62fe8472ca" providerId="LiveId" clId="{13B766C0-1F7D-4475-8416-0F7B052A0EE2}" dt="2019-12-08T20:22:41.311" v="137" actId="1076"/>
+          <ac:spMkLst>
+            <pc:docMk/>
+            <pc:sldMk cId="1036825955" sldId="259"/>
+            <ac:spMk id="8" creationId="{D3A675B1-3EB5-45C9-BC54-EE2AE513D3EF}"/>
+          </ac:spMkLst>
+        </pc:spChg>
+        <pc:picChg chg="mod ord modCrop">
+          <ac:chgData name="Daniel McCue" userId="2adacd62fe8472ca" providerId="LiveId" clId="{13B766C0-1F7D-4475-8416-0F7B052A0EE2}" dt="2019-12-08T20:26:45.072" v="204" actId="1076"/>
+          <ac:picMkLst>
+            <pc:docMk/>
+            <pc:sldMk cId="1036825955" sldId="259"/>
+            <ac:picMk id="7" creationId="{00000000-0000-0000-0000-000000000000}"/>
+          </ac:picMkLst>
+        </pc:picChg>
+      </pc:sldChg>
+      <pc:sldChg chg="addSp delSp modSp ord">
+        <pc:chgData name="Daniel McCue" userId="2adacd62fe8472ca" providerId="LiveId" clId="{13B766C0-1F7D-4475-8416-0F7B052A0EE2}" dt="2019-12-08T20:28:39.404" v="211"/>
+        <pc:sldMkLst>
+          <pc:docMk/>
+          <pc:sldMk cId="3454580765" sldId="260"/>
+        </pc:sldMkLst>
+        <pc:spChg chg="del mod">
+          <ac:chgData name="Daniel McCue" userId="2adacd62fe8472ca" providerId="LiveId" clId="{13B766C0-1F7D-4475-8416-0F7B052A0EE2}" dt="2019-12-08T20:28:38.179" v="210" actId="478"/>
+          <ac:spMkLst>
+            <pc:docMk/>
+            <pc:sldMk cId="3454580765" sldId="260"/>
+            <ac:spMk id="2" creationId="{AE770DFF-7C45-4454-96F0-5FFAF97B53CA}"/>
+          </ac:spMkLst>
+        </pc:spChg>
+        <pc:spChg chg="add">
+          <ac:chgData name="Daniel McCue" userId="2adacd62fe8472ca" providerId="LiveId" clId="{13B766C0-1F7D-4475-8416-0F7B052A0EE2}" dt="2019-12-08T20:28:39.404" v="211"/>
+          <ac:spMkLst>
+            <pc:docMk/>
+            <pc:sldMk cId="3454580765" sldId="260"/>
+            <ac:spMk id="8" creationId="{2D8858FB-F3E6-4368-A3E2-20B6B1C387B3}"/>
+          </ac:spMkLst>
+        </pc:spChg>
+      </pc:sldChg>
+      <pc:sldChg chg="modSp ord">
+        <pc:chgData name="Daniel McCue" userId="2adacd62fe8472ca" providerId="LiveId" clId="{13B766C0-1F7D-4475-8416-0F7B052A0EE2}" dt="2019-12-08T20:28:01.012" v="207" actId="1076"/>
+        <pc:sldMkLst>
+          <pc:docMk/>
+          <pc:sldMk cId="1105792951" sldId="261"/>
+        </pc:sldMkLst>
+        <pc:spChg chg="mod">
+          <ac:chgData name="Daniel McCue" userId="2adacd62fe8472ca" providerId="LiveId" clId="{13B766C0-1F7D-4475-8416-0F7B052A0EE2}" dt="2019-12-08T20:23:20.569" v="142" actId="14100"/>
+          <ac:spMkLst>
+            <pc:docMk/>
+            <pc:sldMk cId="1105792951" sldId="261"/>
+            <ac:spMk id="2" creationId="{00000000-0000-0000-0000-000000000000}"/>
+          </ac:spMkLst>
+        </pc:spChg>
+        <pc:spChg chg="mod">
+          <ac:chgData name="Daniel McCue" userId="2adacd62fe8472ca" providerId="LiveId" clId="{13B766C0-1F7D-4475-8416-0F7B052A0EE2}" dt="2019-12-08T20:28:01.012" v="207" actId="1076"/>
+          <ac:spMkLst>
+            <pc:docMk/>
+            <pc:sldMk cId="1105792951" sldId="261"/>
+            <ac:spMk id="3" creationId="{95F1DFC8-6304-4C78-908A-2A63585769F2}"/>
+          </ac:spMkLst>
+        </pc:spChg>
+        <pc:spChg chg="mod">
+          <ac:chgData name="Daniel McCue" userId="2adacd62fe8472ca" providerId="LiveId" clId="{13B766C0-1F7D-4475-8416-0F7B052A0EE2}" dt="2019-12-08T20:23:15.406" v="141" actId="14100"/>
+          <ac:spMkLst>
+            <pc:docMk/>
+            <pc:sldMk cId="1105792951" sldId="261"/>
+            <ac:spMk id="4" creationId="{00000000-0000-0000-0000-000000000000}"/>
+          </ac:spMkLst>
+        </pc:spChg>
+        <pc:picChg chg="mod">
+          <ac:chgData name="Daniel McCue" userId="2adacd62fe8472ca" providerId="LiveId" clId="{13B766C0-1F7D-4475-8416-0F7B052A0EE2}" dt="2019-12-08T20:23:48.734" v="144" actId="14100"/>
+          <ac:picMkLst>
+            <pc:docMk/>
+            <pc:sldMk cId="1105792951" sldId="261"/>
+            <ac:picMk id="5" creationId="{00000000-0000-0000-0000-000000000000}"/>
+          </ac:picMkLst>
+        </pc:picChg>
+      </pc:sldChg>
+      <pc:sldChg chg="addSp delSp modSp ord">
+        <pc:chgData name="Daniel McCue" userId="2adacd62fe8472ca" providerId="LiveId" clId="{13B766C0-1F7D-4475-8416-0F7B052A0EE2}" dt="2019-12-08T20:28:32.106" v="209"/>
+        <pc:sldMkLst>
+          <pc:docMk/>
+          <pc:sldMk cId="2971879341" sldId="262"/>
+        </pc:sldMkLst>
+        <pc:spChg chg="del mod">
+          <ac:chgData name="Daniel McCue" userId="2adacd62fe8472ca" providerId="LiveId" clId="{13B766C0-1F7D-4475-8416-0F7B052A0EE2}" dt="2019-12-08T20:28:19.191" v="208" actId="478"/>
+          <ac:spMkLst>
+            <pc:docMk/>
+            <pc:sldMk cId="2971879341" sldId="262"/>
+            <ac:spMk id="3" creationId="{D83B17AF-692E-40D9-8F5A-915641F09076}"/>
+          </ac:spMkLst>
+        </pc:spChg>
+        <pc:spChg chg="mod">
+          <ac:chgData name="Daniel McCue" userId="2adacd62fe8472ca" providerId="LiveId" clId="{13B766C0-1F7D-4475-8416-0F7B052A0EE2}" dt="2019-12-08T20:12:02.973" v="62" actId="20577"/>
+          <ac:spMkLst>
+            <pc:docMk/>
+            <pc:sldMk cId="2971879341" sldId="262"/>
+            <ac:spMk id="4" creationId="{00000000-0000-0000-0000-000000000000}"/>
+          </ac:spMkLst>
+        </pc:spChg>
+        <pc:spChg chg="add">
+          <ac:chgData name="Daniel McCue" userId="2adacd62fe8472ca" providerId="LiveId" clId="{13B766C0-1F7D-4475-8416-0F7B052A0EE2}" dt="2019-12-08T20:28:32.106" v="209"/>
+          <ac:spMkLst>
+            <pc:docMk/>
+            <pc:sldMk cId="2971879341" sldId="262"/>
+            <ac:spMk id="7" creationId="{9DD7AE80-FC64-4E6B-90D8-B501BAF76339}"/>
+          </ac:spMkLst>
+        </pc:spChg>
+      </pc:sldChg>
+      <pc:sldChg chg="modSp">
+        <pc:chgData name="Daniel McCue" userId="2adacd62fe8472ca" providerId="LiveId" clId="{13B766C0-1F7D-4475-8416-0F7B052A0EE2}" dt="2019-12-08T20:25:44.967" v="182" actId="20577"/>
+        <pc:sldMkLst>
+          <pc:docMk/>
+          <pc:sldMk cId="2826264457" sldId="263"/>
+        </pc:sldMkLst>
+        <pc:spChg chg="mod">
+          <ac:chgData name="Daniel McCue" userId="2adacd62fe8472ca" providerId="LiveId" clId="{13B766C0-1F7D-4475-8416-0F7B052A0EE2}" dt="2019-12-08T20:25:44.967" v="182" actId="20577"/>
+          <ac:spMkLst>
+            <pc:docMk/>
+            <pc:sldMk cId="2826264457" sldId="263"/>
+            <ac:spMk id="2" creationId="{D4B7E5A5-76BD-4285-96A4-A5DB195F83D6}"/>
+          </ac:spMkLst>
+        </pc:spChg>
+      </pc:sldChg>
+      <pc:sldChg chg="modSp">
+        <pc:chgData name="Daniel McCue" userId="2adacd62fe8472ca" providerId="LiveId" clId="{13B766C0-1F7D-4475-8416-0F7B052A0EE2}" dt="2019-12-08T20:25:50.655" v="186" actId="20577"/>
+        <pc:sldMkLst>
+          <pc:docMk/>
+          <pc:sldMk cId="887560721" sldId="264"/>
+        </pc:sldMkLst>
+        <pc:spChg chg="mod">
+          <ac:chgData name="Daniel McCue" userId="2adacd62fe8472ca" providerId="LiveId" clId="{13B766C0-1F7D-4475-8416-0F7B052A0EE2}" dt="2019-12-08T20:25:50.655" v="186" actId="20577"/>
+          <ac:spMkLst>
+            <pc:docMk/>
+            <pc:sldMk cId="887560721" sldId="264"/>
+            <ac:spMk id="3" creationId="{48C4A1CF-FF80-4DE4-8EB5-86ED3EE2F475}"/>
+          </ac:spMkLst>
+        </pc:spChg>
+        <pc:spChg chg="mod">
+          <ac:chgData name="Daniel McCue" userId="2adacd62fe8472ca" providerId="LiveId" clId="{13B766C0-1F7D-4475-8416-0F7B052A0EE2}" dt="2019-12-08T20:09:37.922" v="13" actId="27636"/>
+          <ac:spMkLst>
+            <pc:docMk/>
+            <pc:sldMk cId="887560721" sldId="264"/>
+            <ac:spMk id="4" creationId="{00000000-0000-0000-0000-000000000000}"/>
+          </ac:spMkLst>
+        </pc:spChg>
+      </pc:sldChg>
+      <pc:sldChg chg="modSp">
+        <pc:chgData name="Daniel McCue" userId="2adacd62fe8472ca" providerId="LiveId" clId="{13B766C0-1F7D-4475-8416-0F7B052A0EE2}" dt="2019-12-08T20:26:18.855" v="202" actId="20577"/>
+        <pc:sldMkLst>
+          <pc:docMk/>
+          <pc:sldMk cId="3039060087" sldId="265"/>
+        </pc:sldMkLst>
+        <pc:spChg chg="mod">
+          <ac:chgData name="Daniel McCue" userId="2adacd62fe8472ca" providerId="LiveId" clId="{13B766C0-1F7D-4475-8416-0F7B052A0EE2}" dt="2019-12-08T20:08:18.463" v="8" actId="404"/>
+          <ac:spMkLst>
+            <pc:docMk/>
+            <pc:sldMk cId="3039060087" sldId="265"/>
+            <ac:spMk id="3" creationId="{00000000-0000-0000-0000-000000000000}"/>
+          </ac:spMkLst>
+        </pc:spChg>
+        <pc:spChg chg="mod">
+          <ac:chgData name="Daniel McCue" userId="2adacd62fe8472ca" providerId="LiveId" clId="{13B766C0-1F7D-4475-8416-0F7B052A0EE2}" dt="2019-12-08T20:26:18.855" v="202" actId="20577"/>
+          <ac:spMkLst>
+            <pc:docMk/>
+            <pc:sldMk cId="3039060087" sldId="265"/>
+            <ac:spMk id="4" creationId="{45085D77-B385-4DA1-AAB9-DEDEBAA95851}"/>
+          </ac:spMkLst>
+        </pc:spChg>
+      </pc:sldChg>
+      <pc:sldChg chg="modSp">
+        <pc:chgData name="Daniel McCue" userId="2adacd62fe8472ca" providerId="LiveId" clId="{13B766C0-1F7D-4475-8416-0F7B052A0EE2}" dt="2019-12-08T20:26:11.679" v="198" actId="20577"/>
+        <pc:sldMkLst>
+          <pc:docMk/>
+          <pc:sldMk cId="3863090859" sldId="266"/>
+        </pc:sldMkLst>
+        <pc:spChg chg="mod">
+          <ac:chgData name="Daniel McCue" userId="2adacd62fe8472ca" providerId="LiveId" clId="{13B766C0-1F7D-4475-8416-0F7B052A0EE2}" dt="2019-12-08T20:09:37.936" v="14" actId="27636"/>
+          <ac:spMkLst>
+            <pc:docMk/>
+            <pc:sldMk cId="3863090859" sldId="266"/>
+            <ac:spMk id="3" creationId="{00000000-0000-0000-0000-000000000000}"/>
+          </ac:spMkLst>
+        </pc:spChg>
+        <pc:spChg chg="mod">
+          <ac:chgData name="Daniel McCue" userId="2adacd62fe8472ca" providerId="LiveId" clId="{13B766C0-1F7D-4475-8416-0F7B052A0EE2}" dt="2019-12-08T20:26:11.679" v="198" actId="20577"/>
+          <ac:spMkLst>
+            <pc:docMk/>
+            <pc:sldMk cId="3863090859" sldId="266"/>
+            <ac:spMk id="4" creationId="{4FCB6260-4EB3-4A30-815F-5BC5D7FF33A0}"/>
+          </ac:spMkLst>
+        </pc:spChg>
+      </pc:sldChg>
+      <pc:sldChg chg="modSp">
+        <pc:chgData name="Daniel McCue" userId="2adacd62fe8472ca" providerId="LiveId" clId="{13B766C0-1F7D-4475-8416-0F7B052A0EE2}" dt="2019-12-08T20:25:00.439" v="156" actId="20577"/>
+        <pc:sldMkLst>
+          <pc:docMk/>
+          <pc:sldMk cId="3524642869" sldId="267"/>
+        </pc:sldMkLst>
+        <pc:spChg chg="mod">
+          <ac:chgData name="Daniel McCue" userId="2adacd62fe8472ca" providerId="LiveId" clId="{13B766C0-1F7D-4475-8416-0F7B052A0EE2}" dt="2019-12-08T20:25:00.439" v="156" actId="20577"/>
+          <ac:spMkLst>
+            <pc:docMk/>
+            <pc:sldMk cId="3524642869" sldId="267"/>
+            <ac:spMk id="4" creationId="{3B8AE874-E26C-4127-8064-81B41BF731D9}"/>
+          </ac:spMkLst>
+        </pc:spChg>
+      </pc:sldChg>
+      <pc:sldChg chg="modSp">
+        <pc:chgData name="Daniel McCue" userId="2adacd62fe8472ca" providerId="LiveId" clId="{13B766C0-1F7D-4475-8416-0F7B052A0EE2}" dt="2019-12-08T20:25:18.639" v="166" actId="20577"/>
+        <pc:sldMkLst>
+          <pc:docMk/>
+          <pc:sldMk cId="1710515978" sldId="268"/>
+        </pc:sldMkLst>
+        <pc:spChg chg="mod">
+          <ac:chgData name="Daniel McCue" userId="2adacd62fe8472ca" providerId="LiveId" clId="{13B766C0-1F7D-4475-8416-0F7B052A0EE2}" dt="2019-12-08T20:25:18.639" v="166" actId="20577"/>
+          <ac:spMkLst>
+            <pc:docMk/>
+            <pc:sldMk cId="1710515978" sldId="268"/>
+            <ac:spMk id="3" creationId="{A66128E9-CD50-455C-8090-AAEE7D7CB497}"/>
+          </ac:spMkLst>
+        </pc:spChg>
+        <pc:spChg chg="mod">
+          <ac:chgData name="Daniel McCue" userId="2adacd62fe8472ca" providerId="LiveId" clId="{13B766C0-1F7D-4475-8416-0F7B052A0EE2}" dt="2019-12-08T20:24:28.821" v="147" actId="1076"/>
+          <ac:spMkLst>
+            <pc:docMk/>
+            <pc:sldMk cId="1710515978" sldId="268"/>
+            <ac:spMk id="12" creationId="{8AD417D9-2A6F-4F1D-B30D-4A7CB5EC4265}"/>
+          </ac:spMkLst>
+        </pc:spChg>
+        <pc:picChg chg="mod">
+          <ac:chgData name="Daniel McCue" userId="2adacd62fe8472ca" providerId="LiveId" clId="{13B766C0-1F7D-4475-8416-0F7B052A0EE2}" dt="2019-12-08T20:24:36.781" v="148" actId="1076"/>
+          <ac:picMkLst>
+            <pc:docMk/>
+            <pc:sldMk cId="1710515978" sldId="268"/>
+            <ac:picMk id="10" creationId="{5F0A76CF-6456-4E16-8F67-96172814C542}"/>
+          </ac:picMkLst>
+        </pc:picChg>
+      </pc:sldChg>
+    </pc:docChg>
+  </pc:docChgLst>
 </pc:chgInfo>
 </file>
 
@@ -350,7 +714,7 @@
           <a:p>
             <a:fld id="{4A861C55-573A-4575-87D0-721189A62B1A}" type="datetimeFigureOut">
               <a:rPr lang="en-US" smtClean="0"/>
-              <a:t>9/12/2019</a:t>
+              <a:t>12/8/2019</a:t>
             </a:fld>
             <a:endParaRPr lang="en-US"/>
           </a:p>
@@ -1030,7 +1394,7 @@
           <a:p>
             <a:fld id="{F75B3346-D7F0-4D8C-A364-9CE3883CE6B6}" type="slidenum">
               <a:rPr lang="en-US" smtClean="0"/>
-              <a:t>6</a:t>
+              <a:t>11</a:t>
             </a:fld>
             <a:endParaRPr lang="en-US"/>
           </a:p>
@@ -1050,7 +1414,7 @@
 </file>
 
 <file path=ppt/slideLayouts/slideLayout1.xml><?xml version="1.0" encoding="utf-8"?>
-<p:sldLayout xmlns:a="http://schemas.openxmlformats.org/drawingml/2006/main" xmlns:r="http://schemas.openxmlformats.org/officeDocument/2006/relationships" xmlns:p="http://schemas.openxmlformats.org/presentationml/2006/main" type="title" preserve="1">
+<p:sldLayout xmlns:a="http://schemas.openxmlformats.org/drawingml/2006/main" xmlns:r="http://schemas.openxmlformats.org/officeDocument/2006/relationships" xmlns:p="http://schemas.openxmlformats.org/presentationml/2006/main" showMasterSp="0" type="title" preserve="1">
   <p:cSld name="Title Slide">
     <p:spTree>
       <p:nvGrpSpPr>
@@ -1068,25 +1432,113 @@
       </p:grpSpPr>
       <p:sp>
         <p:nvSpPr>
-          <p:cNvPr id="2" name="Title 1"/>
-          <p:cNvSpPr>
-            <a:spLocks noGrp="1"/>
-          </p:cNvSpPr>
-          <p:nvPr>
-            <p:ph type="ctrTitle"/>
-          </p:nvPr>
+          <p:cNvPr id="7" name="Rectangle 6"/>
+          <p:cNvSpPr/>
+          <p:nvPr/>
         </p:nvSpPr>
         <p:spPr>
           <a:xfrm>
-            <a:off x="1524000" y="1122363"/>
-            <a:ext cx="9144000" cy="2387600"/>
+            <a:off x="3175" y="6400800"/>
+            <a:ext cx="12188825" cy="457200"/>
+          </a:xfrm>
+          <a:prstGeom prst="rect">
+            <a:avLst/>
+          </a:prstGeom>
+          <a:solidFill>
+            <a:schemeClr val="accent2"/>
+          </a:solidFill>
+          <a:ln>
+            <a:noFill/>
+          </a:ln>
+        </p:spPr>
+        <p:style>
+          <a:lnRef idx="2">
+            <a:schemeClr val="accent1">
+              <a:shade val="50000"/>
+            </a:schemeClr>
+          </a:lnRef>
+          <a:fillRef idx="1">
+            <a:schemeClr val="accent1"/>
+          </a:fillRef>
+          <a:effectRef idx="0">
+            <a:schemeClr val="accent1"/>
+          </a:effectRef>
+          <a:fontRef idx="minor">
+            <a:schemeClr val="lt1"/>
+          </a:fontRef>
+        </p:style>
+      </p:sp>
+      <p:sp>
+        <p:nvSpPr>
+          <p:cNvPr id="8" name="Rectangle 7"/>
+          <p:cNvSpPr/>
+          <p:nvPr/>
+        </p:nvSpPr>
+        <p:spPr>
+          <a:xfrm>
+            <a:off x="15" y="6334316"/>
+            <a:ext cx="12188825" cy="64008"/>
+          </a:xfrm>
+          <a:prstGeom prst="rect">
+            <a:avLst/>
+          </a:prstGeom>
+          <a:solidFill>
+            <a:schemeClr val="accent1"/>
+          </a:solidFill>
+          <a:ln>
+            <a:noFill/>
+          </a:ln>
+        </p:spPr>
+        <p:style>
+          <a:lnRef idx="2">
+            <a:schemeClr val="accent1">
+              <a:shade val="50000"/>
+            </a:schemeClr>
+          </a:lnRef>
+          <a:fillRef idx="1">
+            <a:schemeClr val="accent1"/>
+          </a:fillRef>
+          <a:effectRef idx="0">
+            <a:schemeClr val="accent1"/>
+          </a:effectRef>
+          <a:fontRef idx="minor">
+            <a:schemeClr val="lt1"/>
+          </a:fontRef>
+        </p:style>
+      </p:sp>
+      <p:sp>
+        <p:nvSpPr>
+          <p:cNvPr id="2" name="Title 1"/>
+          <p:cNvSpPr>
+            <a:spLocks noGrp="1"/>
+          </p:cNvSpPr>
+          <p:nvPr>
+            <p:ph type="ctrTitle"/>
+          </p:nvPr>
+        </p:nvSpPr>
+        <p:spPr>
+          <a:xfrm>
+            <a:off x="1097280" y="758952"/>
+            <a:ext cx="10058400" cy="3566160"/>
           </a:xfrm>
         </p:spPr>
         <p:txBody>
-          <a:bodyPr anchor="b"/>
+          <a:bodyPr anchor="b">
+            <a:normAutofit/>
+          </a:bodyPr>
           <a:lstStyle>
-            <a:lvl1pPr algn="ctr">
-              <a:defRPr sz="6000"/>
+            <a:lvl1pPr algn="l">
+              <a:lnSpc>
+                <a:spcPct val="85000"/>
+              </a:lnSpc>
+              <a:defRPr sz="8000" spc="-50" baseline="0">
+                <a:solidFill>
+                  <a:schemeClr val="tx1">
+                    <a:lumMod val="85000"/>
+                    <a:lumOff val="15000"/>
+                  </a:schemeClr>
+                </a:solidFill>
+              </a:defRPr>
             </a:lvl1pPr>
           </a:lstStyle>
           <a:p>
@@ -1094,6 +1546,7 @@
               <a:rPr lang="en-US"/>
               <a:t>Click to edit Master title style</a:t>
             </a:r>
+            <a:endParaRPr lang="en-US" dirty="0"/>
           </a:p>
         </p:txBody>
       </p:sp>
@@ -1109,48 +1562,55 @@
         </p:nvSpPr>
         <p:spPr>
           <a:xfrm>
-            <a:off x="1524000" y="3602038"/>
-            <a:ext cx="9144000" cy="1655762"/>
+            <a:off x="1100051" y="4455620"/>
+            <a:ext cx="10058400" cy="1143000"/>
           </a:xfrm>
         </p:spPr>
         <p:txBody>
-          <a:bodyPr/>
+          <a:bodyPr lIns="91440" rIns="91440">
+            <a:normAutofit/>
+          </a:bodyPr>
           <a:lstStyle>
-            <a:lvl1pPr marL="0" indent="0" algn="ctr">
+            <a:lvl1pPr marL="0" indent="0" algn="l">
               <a:buNone/>
-              <a:defRPr sz="2400"/>
+              <a:defRPr sz="2400" cap="all" spc="200" baseline="0">
+                <a:solidFill>
+                  <a:schemeClr val="tx2"/>
+                </a:solidFill>
+                <a:latin typeface="+mj-lt"/>
+              </a:defRPr>
             </a:lvl1pPr>
             <a:lvl2pPr marL="457200" indent="0" algn="ctr">
               <a:buNone/>
-              <a:defRPr sz="2000"/>
+              <a:defRPr sz="2400"/>
             </a:lvl2pPr>
             <a:lvl3pPr marL="914400" indent="0" algn="ctr">
               <a:buNone/>
-              <a:defRPr sz="1800"/>
+              <a:defRPr sz="2400"/>
             </a:lvl3pPr>
             <a:lvl4pPr marL="1371600" indent="0" algn="ctr">
               <a:buNone/>
-              <a:defRPr sz="1600"/>
+              <a:defRPr sz="2000"/>
             </a:lvl4pPr>
             <a:lvl5pPr marL="1828800" indent="0" algn="ctr">
               <a:buNone/>
-              <a:defRPr sz="1600"/>
+              <a:defRPr sz="2000"/>
             </a:lvl5pPr>
             <a:lvl6pPr marL="2286000" indent="0" algn="ctr">
               <a:buNone/>
-              <a:defRPr sz="1600"/>
+              <a:defRPr sz="2000"/>
             </a:lvl6pPr>
             <a:lvl7pPr marL="2743200" indent="0" algn="ctr">
               <a:buNone/>
-              <a:defRPr sz="1600"/>
+              <a:defRPr sz="2000"/>
             </a:lvl7pPr>
             <a:lvl8pPr marL="3200400" indent="0" algn="ctr">
               <a:buNone/>
-              <a:defRPr sz="1600"/>
+              <a:defRPr sz="2000"/>
             </a:lvl8pPr>
             <a:lvl9pPr marL="3657600" indent="0" algn="ctr">
               <a:buNone/>
-              <a:defRPr sz="1600"/>
+              <a:defRPr sz="2000"/>
             </a:lvl9pPr>
           </a:lstStyle>
           <a:p>
@@ -1158,6 +1618,7 @@
               <a:rPr lang="en-US"/>
               <a:t>Click to edit Master subtitle style</a:t>
             </a:r>
+            <a:endParaRPr lang="en-US" dirty="0"/>
           </a:p>
         </p:txBody>
       </p:sp>
@@ -1178,7 +1639,7 @@
           <a:p>
             <a:fld id="{535A6ECC-B47E-4333-AF56-7D6B53A728C1}" type="datetime1">
               <a:rPr lang="en-US" smtClean="0"/>
-              <a:t>9/12/2019</a:t>
+              <a:t>12/8/2019</a:t>
             </a:fld>
             <a:endParaRPr lang="en-US"/>
           </a:p>
@@ -1229,10 +1690,48 @@
           </a:p>
         </p:txBody>
       </p:sp>
+      <p:cxnSp>
+        <p:nvCxnSpPr>
+          <p:cNvPr id="9" name="Straight Connector 8"/>
+          <p:cNvCxnSpPr/>
+          <p:nvPr/>
+        </p:nvCxnSpPr>
+        <p:spPr>
+          <a:xfrm>
+            <a:off x="1207658" y="4343400"/>
+            <a:ext cx="9875520" cy="0"/>
+          </a:xfrm>
+          <a:prstGeom prst="line">
+            <a:avLst/>
+          </a:prstGeom>
+          <a:ln w="6350">
+            <a:solidFill>
+              <a:schemeClr val="tx1">
+                <a:lumMod val="50000"/>
+                <a:lumOff val="50000"/>
+              </a:schemeClr>
+            </a:solidFill>
+          </a:ln>
+        </p:spPr>
+        <p:style>
+          <a:lnRef idx="1">
+            <a:schemeClr val="accent1"/>
+          </a:lnRef>
+          <a:fillRef idx="0">
+            <a:schemeClr val="accent1"/>
+          </a:fillRef>
+          <a:effectRef idx="0">
+            <a:schemeClr val="accent1"/>
+          </a:effectRef>
+          <a:fontRef idx="minor">
+            <a:schemeClr val="tx1"/>
+          </a:fontRef>
+        </p:style>
+      </p:cxnSp>
     </p:spTree>
     <p:extLst>
       <p:ext uri="{BB962C8B-B14F-4D97-AF65-F5344CB8AC3E}">
-        <p14:creationId xmlns:p14="http://schemas.microsoft.com/office/powerpoint/2010/main" val="345963283"/>
+        <p14:creationId xmlns:p14="http://schemas.microsoft.com/office/powerpoint/2010/main" val="248573248"/>
       </p:ext>
     </p:extLst>
   </p:cSld>
@@ -1278,6 +1777,7 @@
               <a:rPr lang="en-US"/>
               <a:t>Click to edit Master title style</a:t>
             </a:r>
+            <a:endParaRPr lang="en-US" dirty="0"/>
           </a:p>
         </p:txBody>
       </p:sp>
@@ -1293,7 +1793,7 @@
         </p:nvSpPr>
         <p:spPr/>
         <p:txBody>
-          <a:bodyPr vert="eaVert"/>
+          <a:bodyPr vert="eaVert" lIns="45720" tIns="0" rIns="45720" bIns="0"/>
           <a:lstStyle/>
           <a:p>
             <a:pPr lvl="0"/>
@@ -1329,6 +1829,7 @@
               <a:rPr lang="en-US"/>
               <a:t>Fifth level</a:t>
             </a:r>
+            <a:endParaRPr lang="en-US" dirty="0"/>
           </a:p>
         </p:txBody>
       </p:sp>
@@ -1349,7 +1850,7 @@
           <a:p>
             <a:fld id="{3AC83308-0B1A-4095-AE48-6FD04CA62E2F}" type="datetime1">
               <a:rPr lang="en-US" smtClean="0"/>
-              <a:t>9/12/2019</a:t>
+              <a:t>12/8/2019</a:t>
             </a:fld>
             <a:endParaRPr lang="en-US"/>
           </a:p>
@@ -1403,7 +1904,7 @@
     </p:spTree>
     <p:extLst>
       <p:ext uri="{BB962C8B-B14F-4D97-AF65-F5344CB8AC3E}">
-        <p14:creationId xmlns:p14="http://schemas.microsoft.com/office/powerpoint/2010/main" val="57681966"/>
+        <p14:creationId xmlns:p14="http://schemas.microsoft.com/office/powerpoint/2010/main" val="2929417497"/>
       </p:ext>
     </p:extLst>
   </p:cSld>
@@ -1414,7 +1915,7 @@
 </file>
 
 <file path=ppt/slideLayouts/slideLayout11.xml><?xml version="1.0" encoding="utf-8"?>
-<p:sldLayout xmlns:a="http://schemas.openxmlformats.org/drawingml/2006/main" xmlns:r="http://schemas.openxmlformats.org/officeDocument/2006/relationships" xmlns:p="http://schemas.openxmlformats.org/presentationml/2006/main" type="vertTitleAndTx" preserve="1">
+<p:sldLayout xmlns:a="http://schemas.openxmlformats.org/drawingml/2006/main" xmlns:r="http://schemas.openxmlformats.org/officeDocument/2006/relationships" xmlns:p="http://schemas.openxmlformats.org/presentationml/2006/main" showMasterSp="0" type="vertTitleAndTx" preserve="1">
   <p:cSld name="Vertical Title and Text">
     <p:spTree>
       <p:nvGrpSpPr>
@@ -1432,18 +1933,94 @@
       </p:grpSpPr>
       <p:sp>
         <p:nvSpPr>
-          <p:cNvPr id="2" name="Vertical Title 1"/>
-          <p:cNvSpPr>
-            <a:spLocks noGrp="1"/>
-          </p:cNvSpPr>
-          <p:nvPr>
-            <p:ph type="title" orient="vert"/>
-          </p:nvPr>
+          <p:cNvPr id="7" name="Rectangle 6"/>
+          <p:cNvSpPr/>
+          <p:nvPr/>
         </p:nvSpPr>
         <p:spPr>
           <a:xfrm>
-            <a:off x="8724900" y="365125"/>
-            <a:ext cx="2628900" cy="5811838"/>
+            <a:off x="3175" y="6400800"/>
+            <a:ext cx="12188825" cy="457200"/>
+          </a:xfrm>
+          <a:prstGeom prst="rect">
+            <a:avLst/>
+          </a:prstGeom>
+          <a:solidFill>
+            <a:schemeClr val="accent2"/>
+          </a:solidFill>
+          <a:ln>
+            <a:noFill/>
+          </a:ln>
+        </p:spPr>
+        <p:style>
+          <a:lnRef idx="2">
+            <a:schemeClr val="accent1">
+              <a:shade val="50000"/>
+            </a:schemeClr>
+          </a:lnRef>
+          <a:fillRef idx="1">
+            <a:schemeClr val="accent1"/>
+          </a:fillRef>
+          <a:effectRef idx="0">
+            <a:schemeClr val="accent1"/>
+          </a:effectRef>
+          <a:fontRef idx="minor">
+            <a:schemeClr val="lt1"/>
+          </a:fontRef>
+        </p:style>
+      </p:sp>
+      <p:sp>
+        <p:nvSpPr>
+          <p:cNvPr id="8" name="Rectangle 7"/>
+          <p:cNvSpPr/>
+          <p:nvPr/>
+        </p:nvSpPr>
+        <p:spPr>
+          <a:xfrm>
+            <a:off x="15" y="6334316"/>
+            <a:ext cx="12188825" cy="64008"/>
+          </a:xfrm>
+          <a:prstGeom prst="rect">
+            <a:avLst/>
+          </a:prstGeom>
+          <a:solidFill>
+            <a:schemeClr val="accent1"/>
+          </a:solidFill>
+          <a:ln>
+            <a:noFill/>
+          </a:ln>
+        </p:spPr>
+        <p:style>
+          <a:lnRef idx="2">
+            <a:schemeClr val="accent1">
+              <a:shade val="50000"/>
+            </a:schemeClr>
+          </a:lnRef>
+          <a:fillRef idx="1">
+            <a:schemeClr val="accent1"/>
+          </a:fillRef>
+          <a:effectRef idx="0">
+            <a:schemeClr val="accent1"/>
+          </a:effectRef>
+          <a:fontRef idx="minor">
+            <a:schemeClr val="lt1"/>
+          </a:fontRef>
+        </p:style>
+      </p:sp>
+      <p:sp>
+        <p:nvSpPr>
+          <p:cNvPr id="2" name="Vertical Title 1"/>
+          <p:cNvSpPr>
+            <a:spLocks noGrp="1"/>
+          </p:cNvSpPr>
+          <p:nvPr>
+            <p:ph type="title" orient="vert"/>
+          </p:nvPr>
+        </p:nvSpPr>
+        <p:spPr>
+          <a:xfrm>
+            <a:off x="8724900" y="414778"/>
+            <a:ext cx="2628900" cy="5757421"/>
           </a:xfrm>
         </p:spPr>
         <p:txBody>
@@ -1454,6 +2031,7 @@
               <a:rPr lang="en-US"/>
               <a:t>Click to edit Master title style</a:t>
             </a:r>
+            <a:endParaRPr lang="en-US" dirty="0"/>
           </a:p>
         </p:txBody>
       </p:sp>
@@ -1469,12 +2047,12 @@
         </p:nvSpPr>
         <p:spPr>
           <a:xfrm>
-            <a:off x="838200" y="365125"/>
-            <a:ext cx="7734300" cy="5811838"/>
+            <a:off x="838200" y="414778"/>
+            <a:ext cx="7734300" cy="5757422"/>
           </a:xfrm>
         </p:spPr>
         <p:txBody>
-          <a:bodyPr vert="eaVert"/>
+          <a:bodyPr vert="eaVert" lIns="45720" tIns="0" rIns="45720" bIns="0"/>
           <a:lstStyle/>
           <a:p>
             <a:pPr lvl="0"/>
@@ -1510,6 +2088,7 @@
               <a:rPr lang="en-US"/>
               <a:t>Fifth level</a:t>
             </a:r>
+            <a:endParaRPr lang="en-US" dirty="0"/>
           </a:p>
         </p:txBody>
       </p:sp>
@@ -1530,7 +2109,7 @@
           <a:p>
             <a:fld id="{28B83625-5325-4108-BA4A-8AEA791FA3D9}" type="datetime1">
               <a:rPr lang="en-US" smtClean="0"/>
-              <a:t>9/12/2019</a:t>
+              <a:t>12/8/2019</a:t>
             </a:fld>
             <a:endParaRPr lang="en-US"/>
           </a:p>
@@ -1584,7 +2163,7 @@
     </p:spTree>
     <p:extLst>
       <p:ext uri="{BB962C8B-B14F-4D97-AF65-F5344CB8AC3E}">
-        <p14:creationId xmlns:p14="http://schemas.microsoft.com/office/powerpoint/2010/main" val="2452260323"/>
+        <p14:creationId xmlns:p14="http://schemas.microsoft.com/office/powerpoint/2010/main" val="4003539998"/>
       </p:ext>
     </p:extLst>
   </p:cSld>
@@ -1624,12 +2203,17 @@
         <p:spPr/>
         <p:txBody>
           <a:bodyPr/>
-          <a:lstStyle/>
+          <a:lstStyle>
+            <a:lvl1pPr marL="0">
+              <a:defRPr/>
+            </a:lvl1pPr>
+          </a:lstStyle>
           <a:p>
             <a:r>
               <a:rPr lang="en-US"/>
               <a:t>Click to edit Master title style</a:t>
             </a:r>
+            <a:endParaRPr lang="en-US" dirty="0"/>
           </a:p>
         </p:txBody>
       </p:sp>
@@ -1681,6 +2265,7 @@
               <a:rPr lang="en-US"/>
               <a:t>Fifth level</a:t>
             </a:r>
+            <a:endParaRPr lang="en-US" dirty="0"/>
           </a:p>
         </p:txBody>
       </p:sp>
@@ -1701,7 +2286,7 @@
           <a:p>
             <a:fld id="{DFE20814-A8AC-4A12-AC2A-0C83C165F5B0}" type="datetime1">
               <a:rPr lang="en-US" smtClean="0"/>
-              <a:t>9/12/2019</a:t>
+              <a:t>12/8/2019</a:t>
             </a:fld>
             <a:endParaRPr lang="en-US"/>
           </a:p>
@@ -1755,7 +2340,7 @@
     </p:spTree>
     <p:extLst>
       <p:ext uri="{BB962C8B-B14F-4D97-AF65-F5344CB8AC3E}">
-        <p14:creationId xmlns:p14="http://schemas.microsoft.com/office/powerpoint/2010/main" val="2989849311"/>
+        <p14:creationId xmlns:p14="http://schemas.microsoft.com/office/powerpoint/2010/main" val="387533009"/>
       </p:ext>
     </p:extLst>
   </p:cSld>
@@ -1766,8 +2351,16 @@
 </file>
 
 <file path=ppt/slideLayouts/slideLayout3.xml><?xml version="1.0" encoding="utf-8"?>
-<p:sldLayout xmlns:a="http://schemas.openxmlformats.org/drawingml/2006/main" xmlns:r="http://schemas.openxmlformats.org/officeDocument/2006/relationships" xmlns:p="http://schemas.openxmlformats.org/presentationml/2006/main" type="secHead" preserve="1">
+<p:sldLayout xmlns:a="http://schemas.openxmlformats.org/drawingml/2006/main" xmlns:r="http://schemas.openxmlformats.org/officeDocument/2006/relationships" xmlns:p="http://schemas.openxmlformats.org/presentationml/2006/main" showMasterSp="0" type="secHead" preserve="1">
   <p:cSld name="Section Header">
+    <p:bg>
+      <p:bgPr>
+        <a:solidFill>
+          <a:schemeClr val="bg1"/>
+        </a:solidFill>
+        <a:effectLst/>
+      </p:bgPr>
+    </p:bg>
     <p:spTree>
       <p:nvGrpSpPr>
         <p:cNvPr id="1" name=""/>
@@ -1784,67 +2377,157 @@
       </p:grpSpPr>
       <p:sp>
         <p:nvSpPr>
-          <p:cNvPr id="2" name="Title 1"/>
-          <p:cNvSpPr>
-            <a:spLocks noGrp="1"/>
-          </p:cNvSpPr>
-          <p:nvPr>
-            <p:ph type="title"/>
-          </p:nvPr>
+          <p:cNvPr id="7" name="Rectangle 6"/>
+          <p:cNvSpPr/>
+          <p:nvPr/>
         </p:nvSpPr>
         <p:spPr>
           <a:xfrm>
-            <a:off x="831850" y="1709738"/>
-            <a:ext cx="10515600" cy="2852737"/>
+            <a:off x="3175" y="6400800"/>
+            <a:ext cx="12188825" cy="457200"/>
+          </a:xfrm>
+          <a:prstGeom prst="rect">
+            <a:avLst/>
+          </a:prstGeom>
+          <a:solidFill>
+            <a:schemeClr val="accent2"/>
+          </a:solidFill>
+          <a:ln>
+            <a:noFill/>
+          </a:ln>
+        </p:spPr>
+        <p:style>
+          <a:lnRef idx="2">
+            <a:schemeClr val="accent1">
+              <a:shade val="50000"/>
+            </a:schemeClr>
+          </a:lnRef>
+          <a:fillRef idx="1">
+            <a:schemeClr val="accent1"/>
+          </a:fillRef>
+          <a:effectRef idx="0">
+            <a:schemeClr val="accent1"/>
+          </a:effectRef>
+          <a:fontRef idx="minor">
+            <a:schemeClr val="lt1"/>
+          </a:fontRef>
+        </p:style>
+      </p:sp>
+      <p:sp>
+        <p:nvSpPr>
+          <p:cNvPr id="8" name="Rectangle 7"/>
+          <p:cNvSpPr/>
+          <p:nvPr/>
+        </p:nvSpPr>
+        <p:spPr>
+          <a:xfrm>
+            <a:off x="15" y="6334316"/>
+            <a:ext cx="12188825" cy="64008"/>
+          </a:xfrm>
+          <a:prstGeom prst="rect">
+            <a:avLst/>
+          </a:prstGeom>
+          <a:solidFill>
+            <a:schemeClr val="accent1"/>
+          </a:solidFill>
+          <a:ln>
+            <a:noFill/>
+          </a:ln>
+        </p:spPr>
+        <p:style>
+          <a:lnRef idx="2">
+            <a:schemeClr val="accent1">
+              <a:shade val="50000"/>
+            </a:schemeClr>
+          </a:lnRef>
+          <a:fillRef idx="1">
+            <a:schemeClr val="accent1"/>
+          </a:fillRef>
+          <a:effectRef idx="0">
+            <a:schemeClr val="accent1"/>
+          </a:effectRef>
+          <a:fontRef idx="minor">
+            <a:schemeClr val="lt1"/>
+          </a:fontRef>
+        </p:style>
+      </p:sp>
+      <p:sp>
+        <p:nvSpPr>
+          <p:cNvPr id="2" name="Title 1"/>
+          <p:cNvSpPr>
+            <a:spLocks noGrp="1"/>
+          </p:cNvSpPr>
+          <p:nvPr>
+            <p:ph type="title"/>
+          </p:nvPr>
+        </p:nvSpPr>
+        <p:spPr>
+          <a:xfrm>
+            <a:off x="1097280" y="758952"/>
+            <a:ext cx="10058400" cy="3566160"/>
           </a:xfrm>
         </p:spPr>
         <p:txBody>
-          <a:bodyPr anchor="b"/>
+          <a:bodyPr anchor="b" anchorCtr="0">
+            <a:normAutofit/>
+          </a:bodyPr>
           <a:lstStyle>
             <a:lvl1pPr>
-              <a:defRPr sz="6000"/>
-            </a:lvl1pPr>
-          </a:lstStyle>
-          <a:p>
-            <a:r>
-              <a:rPr lang="en-US"/>
-              <a:t>Click to edit Master title style</a:t>
-            </a:r>
-          </a:p>
-        </p:txBody>
-      </p:sp>
-      <p:sp>
-        <p:nvSpPr>
-          <p:cNvPr id="3" name="Text Placeholder 2"/>
-          <p:cNvSpPr>
-            <a:spLocks noGrp="1"/>
-          </p:cNvSpPr>
-          <p:nvPr>
-            <p:ph type="body" idx="1"/>
-          </p:nvPr>
-        </p:nvSpPr>
-        <p:spPr>
-          <a:xfrm>
-            <a:off x="831850" y="4589463"/>
-            <a:ext cx="10515600" cy="1500187"/>
-          </a:xfrm>
-        </p:spPr>
-        <p:txBody>
-          <a:bodyPr/>
-          <a:lstStyle>
-            <a:lvl1pPr marL="0" indent="0">
-              <a:buNone/>
-              <a:defRPr sz="2400">
+              <a:lnSpc>
+                <a:spcPct val="85000"/>
+              </a:lnSpc>
+              <a:defRPr sz="8000" b="0">
                 <a:solidFill>
                   <a:schemeClr val="tx1">
-                    <a:tint val="75000"/>
+                    <a:lumMod val="85000"/>
+                    <a:lumOff val="15000"/>
                   </a:schemeClr>
                 </a:solidFill>
               </a:defRPr>
             </a:lvl1pPr>
+          </a:lstStyle>
+          <a:p>
+            <a:r>
+              <a:rPr lang="en-US"/>
+              <a:t>Click to edit Master title style</a:t>
+            </a:r>
+            <a:endParaRPr lang="en-US" dirty="0"/>
+          </a:p>
+        </p:txBody>
+      </p:sp>
+      <p:sp>
+        <p:nvSpPr>
+          <p:cNvPr id="3" name="Text Placeholder 2"/>
+          <p:cNvSpPr>
+            <a:spLocks noGrp="1"/>
+          </p:cNvSpPr>
+          <p:nvPr>
+            <p:ph type="body" idx="1"/>
+          </p:nvPr>
+        </p:nvSpPr>
+        <p:spPr>
+          <a:xfrm>
+            <a:off x="1097280" y="4453128"/>
+            <a:ext cx="10058400" cy="1143000"/>
+          </a:xfrm>
+        </p:spPr>
+        <p:txBody>
+          <a:bodyPr lIns="91440" rIns="91440" anchor="t" anchorCtr="0">
+            <a:normAutofit/>
+          </a:bodyPr>
+          <a:lstStyle>
+            <a:lvl1pPr marL="0" indent="0">
+              <a:buNone/>
+              <a:defRPr sz="2400" cap="all" spc="200" baseline="0">
+                <a:solidFill>
+                  <a:schemeClr val="tx2"/>
+                </a:solidFill>
+                <a:latin typeface="+mj-lt"/>
+              </a:defRPr>
+            </a:lvl1pPr>
             <a:lvl2pPr marL="457200" indent="0">
               <a:buNone/>
-              <a:defRPr sz="2000">
+              <a:defRPr sz="1800">
                 <a:solidFill>
                   <a:schemeClr val="tx1">
                     <a:tint val="75000"/>
@@ -1854,7 +2537,7 @@
             </a:lvl2pPr>
             <a:lvl3pPr marL="914400" indent="0">
               <a:buNone/>
-              <a:defRPr sz="1800">
+              <a:defRPr sz="1600">
                 <a:solidFill>
                   <a:schemeClr val="tx1">
                     <a:tint val="75000"/>
@@ -1864,7 +2547,7 @@
             </a:lvl3pPr>
             <a:lvl4pPr marL="1371600" indent="0">
               <a:buNone/>
-              <a:defRPr sz="1600">
+              <a:defRPr sz="1400">
                 <a:solidFill>
                   <a:schemeClr val="tx1">
                     <a:tint val="75000"/>
@@ -1874,7 +2557,7 @@
             </a:lvl4pPr>
             <a:lvl5pPr marL="1828800" indent="0">
               <a:buNone/>
-              <a:defRPr sz="1600">
+              <a:defRPr sz="1400">
                 <a:solidFill>
                   <a:schemeClr val="tx1">
                     <a:tint val="75000"/>
@@ -1884,7 +2567,7 @@
             </a:lvl5pPr>
             <a:lvl6pPr marL="2286000" indent="0">
               <a:buNone/>
-              <a:defRPr sz="1600">
+              <a:defRPr sz="1400">
                 <a:solidFill>
                   <a:schemeClr val="tx1">
                     <a:tint val="75000"/>
@@ -1894,7 +2577,7 @@
             </a:lvl6pPr>
             <a:lvl7pPr marL="2743200" indent="0">
               <a:buNone/>
-              <a:defRPr sz="1600">
+              <a:defRPr sz="1400">
                 <a:solidFill>
                   <a:schemeClr val="tx1">
                     <a:tint val="75000"/>
@@ -1904,7 +2587,7 @@
             </a:lvl7pPr>
             <a:lvl8pPr marL="3200400" indent="0">
               <a:buNone/>
-              <a:defRPr sz="1600">
+              <a:defRPr sz="1400">
                 <a:solidFill>
                   <a:schemeClr val="tx1">
                     <a:tint val="75000"/>
@@ -1914,7 +2597,7 @@
             </a:lvl8pPr>
             <a:lvl9pPr marL="3657600" indent="0">
               <a:buNone/>
-              <a:defRPr sz="1600">
+              <a:defRPr sz="1400">
                 <a:solidFill>
                   <a:schemeClr val="tx1">
                     <a:tint val="75000"/>
@@ -1949,7 +2632,7 @@
           <a:p>
             <a:fld id="{8FFEFE8B-BC27-47B1-A2BC-08723A697AC2}" type="datetime1">
               <a:rPr lang="en-US" smtClean="0"/>
-              <a:t>9/12/2019</a:t>
+              <a:t>12/8/2019</a:t>
             </a:fld>
             <a:endParaRPr lang="en-US"/>
           </a:p>
@@ -2000,10 +2683,48 @@
           </a:p>
         </p:txBody>
       </p:sp>
+      <p:cxnSp>
+        <p:nvCxnSpPr>
+          <p:cNvPr id="9" name="Straight Connector 8"/>
+          <p:cNvCxnSpPr/>
+          <p:nvPr/>
+        </p:nvCxnSpPr>
+        <p:spPr>
+          <a:xfrm>
+            <a:off x="1207658" y="4343400"/>
+            <a:ext cx="9875520" cy="0"/>
+          </a:xfrm>
+          <a:prstGeom prst="line">
+            <a:avLst/>
+          </a:prstGeom>
+          <a:ln w="6350">
+            <a:solidFill>
+              <a:schemeClr val="tx1">
+                <a:lumMod val="50000"/>
+                <a:lumOff val="50000"/>
+              </a:schemeClr>
+            </a:solidFill>
+          </a:ln>
+        </p:spPr>
+        <p:style>
+          <a:lnRef idx="1">
+            <a:schemeClr val="accent1"/>
+          </a:lnRef>
+          <a:fillRef idx="0">
+            <a:schemeClr val="accent1"/>
+          </a:fillRef>
+          <a:effectRef idx="0">
+            <a:schemeClr val="accent1"/>
+          </a:effectRef>
+          <a:fontRef idx="minor">
+            <a:schemeClr val="tx1"/>
+          </a:fontRef>
+        </p:style>
+      </p:cxnSp>
     </p:spTree>
     <p:extLst>
       <p:ext uri="{BB962C8B-B14F-4D97-AF65-F5344CB8AC3E}">
-        <p14:creationId xmlns:p14="http://schemas.microsoft.com/office/powerpoint/2010/main" val="353350529"/>
+        <p14:creationId xmlns:p14="http://schemas.microsoft.com/office/powerpoint/2010/main" val="2941160636"/>
       </p:ext>
     </p:extLst>
   </p:cSld>
@@ -2032,7 +2753,7 @@
       </p:grpSpPr>
       <p:sp>
         <p:nvSpPr>
-          <p:cNvPr id="2" name="Title 1"/>
+          <p:cNvPr id="8" name="Title 7"/>
           <p:cNvSpPr>
             <a:spLocks noGrp="1"/>
           </p:cNvSpPr>
@@ -2040,7 +2761,12 @@
             <p:ph type="title"/>
           </p:nvPr>
         </p:nvSpPr>
-        <p:spPr/>
+        <p:spPr>
+          <a:xfrm>
+            <a:off x="1097280" y="286603"/>
+            <a:ext cx="10058400" cy="1450757"/>
+          </a:xfrm>
+        </p:spPr>
         <p:txBody>
           <a:bodyPr/>
           <a:lstStyle/>
@@ -2049,6 +2775,7 @@
               <a:rPr lang="en-US"/>
               <a:t>Click to edit Master title style</a:t>
             </a:r>
+            <a:endParaRPr lang="en-US" dirty="0"/>
           </a:p>
         </p:txBody>
       </p:sp>
@@ -2064,8 +2791,8 @@
         </p:nvSpPr>
         <p:spPr>
           <a:xfrm>
-            <a:off x="838200" y="1825625"/>
-            <a:ext cx="5181600" cy="4351338"/>
+            <a:off x="1097279" y="1845734"/>
+            <a:ext cx="4937760" cy="4023360"/>
           </a:xfrm>
         </p:spPr>
         <p:txBody>
@@ -2105,6 +2832,7 @@
               <a:rPr lang="en-US"/>
               <a:t>Fifth level</a:t>
             </a:r>
+            <a:endParaRPr lang="en-US" dirty="0"/>
           </a:p>
         </p:txBody>
       </p:sp>
@@ -2120,8 +2848,8 @@
         </p:nvSpPr>
         <p:spPr>
           <a:xfrm>
-            <a:off x="6172200" y="1825625"/>
-            <a:ext cx="5181600" cy="4351338"/>
+            <a:off x="6217920" y="1845735"/>
+            <a:ext cx="4937760" cy="4023360"/>
           </a:xfrm>
         </p:spPr>
         <p:txBody>
@@ -2161,6 +2889,7 @@
               <a:rPr lang="en-US"/>
               <a:t>Fifth level</a:t>
             </a:r>
+            <a:endParaRPr lang="en-US" dirty="0"/>
           </a:p>
         </p:txBody>
       </p:sp>
@@ -2181,7 +2910,7 @@
           <a:p>
             <a:fld id="{1552D9A3-B737-42EF-8E68-5E109E88E2B3}" type="datetime1">
               <a:rPr lang="en-US" smtClean="0"/>
-              <a:t>9/12/2019</a:t>
+              <a:t>12/8/2019</a:t>
             </a:fld>
             <a:endParaRPr lang="en-US"/>
           </a:p>
@@ -2235,7 +2964,7 @@
     </p:spTree>
     <p:extLst>
       <p:ext uri="{BB962C8B-B14F-4D97-AF65-F5344CB8AC3E}">
-        <p14:creationId xmlns:p14="http://schemas.microsoft.com/office/powerpoint/2010/main" val="2057337612"/>
+        <p14:creationId xmlns:p14="http://schemas.microsoft.com/office/powerpoint/2010/main" val="1145266933"/>
       </p:ext>
     </p:extLst>
   </p:cSld>
@@ -2264,7 +2993,7 @@
       </p:grpSpPr>
       <p:sp>
         <p:nvSpPr>
-          <p:cNvPr id="2" name="Title 1"/>
+          <p:cNvPr id="10" name="Title 9"/>
           <p:cNvSpPr>
             <a:spLocks noGrp="1"/>
           </p:cNvSpPr>
@@ -2274,8 +3003,8 @@
         </p:nvSpPr>
         <p:spPr>
           <a:xfrm>
-            <a:off x="839788" y="365125"/>
-            <a:ext cx="10515600" cy="1325563"/>
+            <a:off x="1097280" y="286603"/>
+            <a:ext cx="10058400" cy="1450757"/>
           </a:xfrm>
         </p:spPr>
         <p:txBody>
@@ -2286,6 +3015,7 @@
               <a:rPr lang="en-US"/>
               <a:t>Click to edit Master title style</a:t>
             </a:r>
+            <a:endParaRPr lang="en-US" dirty="0"/>
           </a:p>
         </p:txBody>
       </p:sp>
@@ -2301,16 +3031,22 @@
         </p:nvSpPr>
         <p:spPr>
           <a:xfrm>
-            <a:off x="839788" y="1681163"/>
-            <a:ext cx="5157787" cy="823912"/>
+            <a:off x="1097280" y="1846052"/>
+            <a:ext cx="4937760" cy="736282"/>
           </a:xfrm>
         </p:spPr>
         <p:txBody>
-          <a:bodyPr anchor="b"/>
+          <a:bodyPr lIns="91440" rIns="91440" anchor="ctr">
+            <a:normAutofit/>
+          </a:bodyPr>
           <a:lstStyle>
             <a:lvl1pPr marL="0" indent="0">
               <a:buNone/>
-              <a:defRPr sz="2400" b="1"/>
+              <a:defRPr sz="2000" b="0" cap="all" baseline="0">
+                <a:solidFill>
+                  <a:schemeClr val="tx2"/>
+                </a:solidFill>
+              </a:defRPr>
             </a:lvl1pPr>
             <a:lvl2pPr marL="457200" indent="0">
               <a:buNone/>
@@ -2366,8 +3102,8 @@
         </p:nvSpPr>
         <p:spPr>
           <a:xfrm>
-            <a:off x="839788" y="2505075"/>
-            <a:ext cx="5157787" cy="3684588"/>
+            <a:off x="1097280" y="2582334"/>
+            <a:ext cx="4937760" cy="3378200"/>
           </a:xfrm>
         </p:spPr>
         <p:txBody>
@@ -2407,6 +3143,7 @@
               <a:rPr lang="en-US"/>
               <a:t>Fifth level</a:t>
             </a:r>
+            <a:endParaRPr lang="en-US" dirty="0"/>
           </a:p>
         </p:txBody>
       </p:sp>
@@ -2422,16 +3159,22 @@
         </p:nvSpPr>
         <p:spPr>
           <a:xfrm>
-            <a:off x="6172200" y="1681163"/>
-            <a:ext cx="5183188" cy="823912"/>
+            <a:off x="6217920" y="1846052"/>
+            <a:ext cx="4937760" cy="736282"/>
           </a:xfrm>
         </p:spPr>
         <p:txBody>
-          <a:bodyPr anchor="b"/>
+          <a:bodyPr lIns="91440" rIns="91440" anchor="ctr">
+            <a:normAutofit/>
+          </a:bodyPr>
           <a:lstStyle>
             <a:lvl1pPr marL="0" indent="0">
               <a:buNone/>
-              <a:defRPr sz="2400" b="1"/>
+              <a:defRPr sz="2000" b="0" cap="all" baseline="0">
+                <a:solidFill>
+                  <a:schemeClr val="tx2"/>
+                </a:solidFill>
+              </a:defRPr>
             </a:lvl1pPr>
             <a:lvl2pPr marL="457200" indent="0">
               <a:buNone/>
@@ -2487,8 +3230,8 @@
         </p:nvSpPr>
         <p:spPr>
           <a:xfrm>
-            <a:off x="6172200" y="2505075"/>
-            <a:ext cx="5183188" cy="3684588"/>
+            <a:off x="6217920" y="2582334"/>
+            <a:ext cx="4937760" cy="3378200"/>
           </a:xfrm>
         </p:spPr>
         <p:txBody>
@@ -2528,6 +3271,7 @@
               <a:rPr lang="en-US"/>
               <a:t>Fifth level</a:t>
             </a:r>
+            <a:endParaRPr lang="en-US" dirty="0"/>
           </a:p>
         </p:txBody>
       </p:sp>
@@ -2548,7 +3292,7 @@
           <a:p>
             <a:fld id="{8A10665B-4C1B-49BA-8463-A1FAD4616F0A}" type="datetime1">
               <a:rPr lang="en-US" smtClean="0"/>
-              <a:t>9/12/2019</a:t>
+              <a:t>12/8/2019</a:t>
             </a:fld>
             <a:endParaRPr lang="en-US"/>
           </a:p>
@@ -2602,7 +3346,7 @@
     </p:spTree>
     <p:extLst>
       <p:ext uri="{BB962C8B-B14F-4D97-AF65-F5344CB8AC3E}">
-        <p14:creationId xmlns:p14="http://schemas.microsoft.com/office/powerpoint/2010/main" val="297666986"/>
+        <p14:creationId xmlns:p14="http://schemas.microsoft.com/office/powerpoint/2010/main" val="3102134934"/>
       </p:ext>
     </p:extLst>
   </p:cSld>
@@ -2648,6 +3392,7 @@
               <a:rPr lang="en-US"/>
               <a:t>Click to edit Master title style</a:t>
             </a:r>
+            <a:endParaRPr lang="en-US" dirty="0"/>
           </a:p>
         </p:txBody>
       </p:sp>
@@ -2668,7 +3413,7 @@
           <a:p>
             <a:fld id="{ED7C0A16-7385-4340-A364-F0ABD84FB76E}" type="datetime1">
               <a:rPr lang="en-US" smtClean="0"/>
-              <a:t>9/12/2019</a:t>
+              <a:t>12/8/2019</a:t>
             </a:fld>
             <a:endParaRPr lang="en-US"/>
           </a:p>
@@ -2722,7 +3467,7 @@
     </p:spTree>
     <p:extLst>
       <p:ext uri="{BB962C8B-B14F-4D97-AF65-F5344CB8AC3E}">
-        <p14:creationId xmlns:p14="http://schemas.microsoft.com/office/powerpoint/2010/main" val="2371716212"/>
+        <p14:creationId xmlns:p14="http://schemas.microsoft.com/office/powerpoint/2010/main" val="3138717278"/>
       </p:ext>
     </p:extLst>
   </p:cSld>
@@ -2733,7 +3478,7 @@
 </file>
 
 <file path=ppt/slideLayouts/slideLayout7.xml><?xml version="1.0" encoding="utf-8"?>
-<p:sldLayout xmlns:a="http://schemas.openxmlformats.org/drawingml/2006/main" xmlns:r="http://schemas.openxmlformats.org/officeDocument/2006/relationships" xmlns:p="http://schemas.openxmlformats.org/presentationml/2006/main" type="blank" preserve="1">
+<p:sldLayout xmlns:a="http://schemas.openxmlformats.org/drawingml/2006/main" xmlns:r="http://schemas.openxmlformats.org/officeDocument/2006/relationships" xmlns:p="http://schemas.openxmlformats.org/presentationml/2006/main" showMasterSp="0" type="blank" preserve="1">
   <p:cSld name="Blank">
     <p:spTree>
       <p:nvGrpSpPr>
@@ -2751,7 +3496,83 @@
       </p:grpSpPr>
       <p:sp>
         <p:nvSpPr>
-          <p:cNvPr id="2" name="Date Placeholder 1"/>
+          <p:cNvPr id="5" name="Rectangle 4"/>
+          <p:cNvSpPr/>
+          <p:nvPr/>
+        </p:nvSpPr>
+        <p:spPr>
+          <a:xfrm>
+            <a:off x="3175" y="6400800"/>
+            <a:ext cx="12188825" cy="457200"/>
+          </a:xfrm>
+          <a:prstGeom prst="rect">
+            <a:avLst/>
+          </a:prstGeom>
+          <a:solidFill>
+            <a:schemeClr val="accent2"/>
+          </a:solidFill>
+          <a:ln>
+            <a:noFill/>
+          </a:ln>
+        </p:spPr>
+        <p:style>
+          <a:lnRef idx="2">
+            <a:schemeClr val="accent1">
+              <a:shade val="50000"/>
+            </a:schemeClr>
+          </a:lnRef>
+          <a:fillRef idx="1">
+            <a:schemeClr val="accent1"/>
+          </a:fillRef>
+          <a:effectRef idx="0">
+            <a:schemeClr val="accent1"/>
+          </a:effectRef>
+          <a:fontRef idx="minor">
+            <a:schemeClr val="lt1"/>
+          </a:fontRef>
+        </p:style>
+      </p:sp>
+      <p:sp>
+        <p:nvSpPr>
+          <p:cNvPr id="6" name="Rectangle 5"/>
+          <p:cNvSpPr/>
+          <p:nvPr/>
+        </p:nvSpPr>
+        <p:spPr>
+          <a:xfrm>
+            <a:off x="15" y="6334316"/>
+            <a:ext cx="12188825" cy="64008"/>
+          </a:xfrm>
+          <a:prstGeom prst="rect">
+            <a:avLst/>
+          </a:prstGeom>
+          <a:solidFill>
+            <a:schemeClr val="accent1"/>
+          </a:solidFill>
+          <a:ln>
+            <a:noFill/>
+          </a:ln>
+        </p:spPr>
+        <p:style>
+          <a:lnRef idx="2">
+            <a:schemeClr val="accent1">
+              <a:shade val="50000"/>
+            </a:schemeClr>
+          </a:lnRef>
+          <a:fillRef idx="1">
+            <a:schemeClr val="accent1"/>
+          </a:fillRef>
+          <a:effectRef idx="0">
+            <a:schemeClr val="accent1"/>
+          </a:effectRef>
+          <a:fontRef idx="minor">
+            <a:schemeClr val="lt1"/>
+          </a:fontRef>
+        </p:style>
+      </p:sp>
+      <p:sp>
+        <p:nvSpPr>
+          <p:cNvPr id="7" name="Date Placeholder 6"/>
           <p:cNvSpPr>
             <a:spLocks noGrp="1"/>
           </p:cNvSpPr>
@@ -2766,7 +3587,7 @@
           <a:p>
             <a:fld id="{70DD088D-CD95-400F-B449-841C3EF2C34D}" type="datetime1">
               <a:rPr lang="en-US" smtClean="0"/>
-              <a:t>9/12/2019</a:t>
+              <a:t>12/8/2019</a:t>
             </a:fld>
             <a:endParaRPr lang="en-US"/>
           </a:p>
@@ -2774,7 +3595,7 @@
       </p:sp>
       <p:sp>
         <p:nvSpPr>
-          <p:cNvPr id="3" name="Footer Placeholder 2"/>
+          <p:cNvPr id="8" name="Footer Placeholder 7"/>
           <p:cNvSpPr>
             <a:spLocks noGrp="1"/>
           </p:cNvSpPr>
@@ -2785,7 +3606,15 @@
         <p:spPr/>
         <p:txBody>
           <a:bodyPr/>
-          <a:lstStyle/>
+          <a:lstStyle>
+            <a:lvl1pPr>
+              <a:defRPr>
+                <a:solidFill>
+                  <a:srgbClr val="FFFFFF"/>
+                </a:solidFill>
+              </a:defRPr>
+            </a:lvl1pPr>
+          </a:lstStyle>
           <a:p>
             <a:r>
               <a:rPr lang="en-US"/>
@@ -2796,7 +3625,7 @@
       </p:sp>
       <p:sp>
         <p:nvSpPr>
-          <p:cNvPr id="4" name="Slide Number Placeholder 3"/>
+          <p:cNvPr id="9" name="Slide Number Placeholder 8"/>
           <p:cNvSpPr>
             <a:spLocks noGrp="1"/>
           </p:cNvSpPr>
@@ -2820,7 +3649,7 @@
     </p:spTree>
     <p:extLst>
       <p:ext uri="{BB962C8B-B14F-4D97-AF65-F5344CB8AC3E}">
-        <p14:creationId xmlns:p14="http://schemas.microsoft.com/office/powerpoint/2010/main" val="1897084847"/>
+        <p14:creationId xmlns:p14="http://schemas.microsoft.com/office/powerpoint/2010/main" val="847048991"/>
       </p:ext>
     </p:extLst>
   </p:cSld>
@@ -2831,7 +3660,7 @@
 </file>
 
 <file path=ppt/slideLayouts/slideLayout8.xml><?xml version="1.0" encoding="utf-8"?>
-<p:sldLayout xmlns:a="http://schemas.openxmlformats.org/drawingml/2006/main" xmlns:r="http://schemas.openxmlformats.org/officeDocument/2006/relationships" xmlns:p="http://schemas.openxmlformats.org/presentationml/2006/main" type="objTx" preserve="1">
+<p:sldLayout xmlns:a="http://schemas.openxmlformats.org/drawingml/2006/main" xmlns:r="http://schemas.openxmlformats.org/officeDocument/2006/relationships" xmlns:p="http://schemas.openxmlformats.org/presentationml/2006/main" showMasterSp="0" type="objTx" preserve="1">
   <p:cSld name="Content with Caption">
     <p:spTree>
       <p:nvGrpSpPr>
@@ -2849,25 +3678,107 @@
       </p:grpSpPr>
       <p:sp>
         <p:nvSpPr>
-          <p:cNvPr id="2" name="Title 1"/>
-          <p:cNvSpPr>
-            <a:spLocks noGrp="1"/>
-          </p:cNvSpPr>
-          <p:nvPr>
-            <p:ph type="title"/>
-          </p:nvPr>
+          <p:cNvPr id="8" name="Rectangle 7"/>
+          <p:cNvSpPr/>
+          <p:nvPr/>
         </p:nvSpPr>
         <p:spPr>
           <a:xfrm>
-            <a:off x="839788" y="457200"/>
-            <a:ext cx="3932237" cy="1600200"/>
+            <a:off x="16" y="0"/>
+            <a:ext cx="4050791" cy="6858000"/>
+          </a:xfrm>
+          <a:prstGeom prst="rect">
+            <a:avLst/>
+          </a:prstGeom>
+          <a:solidFill>
+            <a:schemeClr val="accent2"/>
+          </a:solidFill>
+          <a:ln>
+            <a:noFill/>
+          </a:ln>
+        </p:spPr>
+        <p:style>
+          <a:lnRef idx="2">
+            <a:schemeClr val="accent1">
+              <a:shade val="50000"/>
+            </a:schemeClr>
+          </a:lnRef>
+          <a:fillRef idx="1">
+            <a:schemeClr val="accent1"/>
+          </a:fillRef>
+          <a:effectRef idx="0">
+            <a:schemeClr val="accent1"/>
+          </a:effectRef>
+          <a:fontRef idx="minor">
+            <a:schemeClr val="lt1"/>
+          </a:fontRef>
+        </p:style>
+      </p:sp>
+      <p:sp>
+        <p:nvSpPr>
+          <p:cNvPr id="9" name="Rectangle 8"/>
+          <p:cNvSpPr/>
+          <p:nvPr/>
+        </p:nvSpPr>
+        <p:spPr>
+          <a:xfrm>
+            <a:off x="4040071" y="0"/>
+            <a:ext cx="64008" cy="6858000"/>
+          </a:xfrm>
+          <a:prstGeom prst="rect">
+            <a:avLst/>
+          </a:prstGeom>
+          <a:solidFill>
+            <a:schemeClr val="accent1"/>
+          </a:solidFill>
+          <a:ln>
+            <a:noFill/>
+          </a:ln>
+        </p:spPr>
+        <p:style>
+          <a:lnRef idx="2">
+            <a:schemeClr val="accent1">
+              <a:shade val="50000"/>
+            </a:schemeClr>
+          </a:lnRef>
+          <a:fillRef idx="1">
+            <a:schemeClr val="accent1"/>
+          </a:fillRef>
+          <a:effectRef idx="0">
+            <a:schemeClr val="accent1"/>
+          </a:effectRef>
+          <a:fontRef idx="minor">
+            <a:schemeClr val="lt1"/>
+          </a:fontRef>
+        </p:style>
+      </p:sp>
+      <p:sp>
+        <p:nvSpPr>
+          <p:cNvPr id="2" name="Title 1"/>
+          <p:cNvSpPr>
+            <a:spLocks noGrp="1"/>
+          </p:cNvSpPr>
+          <p:nvPr>
+            <p:ph type="title"/>
+          </p:nvPr>
+        </p:nvSpPr>
+        <p:spPr>
+          <a:xfrm>
+            <a:off x="457200" y="594359"/>
+            <a:ext cx="3200400" cy="2286000"/>
           </a:xfrm>
         </p:spPr>
         <p:txBody>
-          <a:bodyPr anchor="b"/>
+          <a:bodyPr anchor="b">
+            <a:normAutofit/>
+          </a:bodyPr>
           <a:lstStyle>
             <a:lvl1pPr>
-              <a:defRPr sz="3200"/>
+              <a:defRPr sz="3600" b="0">
+                <a:solidFill>
+                  <a:srgbClr val="FFFFFF"/>
+                </a:solidFill>
+              </a:defRPr>
             </a:lvl1pPr>
           </a:lstStyle>
           <a:p>
@@ -2875,6 +3786,7 @@
               <a:rPr lang="en-US"/>
               <a:t>Click to edit Master title style</a:t>
             </a:r>
+            <a:endParaRPr lang="en-US" dirty="0"/>
           </a:p>
         </p:txBody>
       </p:sp>
@@ -2890,41 +3802,13 @@
         </p:nvSpPr>
         <p:spPr>
           <a:xfrm>
-            <a:off x="5183188" y="987425"/>
-            <a:ext cx="6172200" cy="4873625"/>
+            <a:off x="4800600" y="731520"/>
+            <a:ext cx="6492240" cy="5257800"/>
           </a:xfrm>
         </p:spPr>
         <p:txBody>
           <a:bodyPr/>
-          <a:lstStyle>
-            <a:lvl1pPr>
-              <a:defRPr sz="3200"/>
-            </a:lvl1pPr>
-            <a:lvl2pPr>
-              <a:defRPr sz="2800"/>
-            </a:lvl2pPr>
-            <a:lvl3pPr>
-              <a:defRPr sz="2400"/>
-            </a:lvl3pPr>
-            <a:lvl4pPr>
-              <a:defRPr sz="2000"/>
-            </a:lvl4pPr>
-            <a:lvl5pPr>
-              <a:defRPr sz="2000"/>
-            </a:lvl5pPr>
-            <a:lvl6pPr>
-              <a:defRPr sz="2000"/>
-            </a:lvl6pPr>
-            <a:lvl7pPr>
-              <a:defRPr sz="2000"/>
-            </a:lvl7pPr>
-            <a:lvl8pPr>
-              <a:defRPr sz="2000"/>
-            </a:lvl8pPr>
-            <a:lvl9pPr>
-              <a:defRPr sz="2000"/>
-            </a:lvl9pPr>
-          </a:lstStyle>
+          <a:lstStyle/>
           <a:p>
             <a:pPr lvl="0"/>
             <a:r>
@@ -2959,6 +3843,7 @@
               <a:rPr lang="en-US"/>
               <a:t>Fifth level</a:t>
             </a:r>
+            <a:endParaRPr lang="en-US" dirty="0"/>
           </a:p>
         </p:txBody>
       </p:sp>
@@ -2974,48 +3859,54 @@
         </p:nvSpPr>
         <p:spPr>
           <a:xfrm>
-            <a:off x="839788" y="2057400"/>
-            <a:ext cx="3932237" cy="3811588"/>
+            <a:off x="457200" y="2926080"/>
+            <a:ext cx="3200400" cy="3379124"/>
           </a:xfrm>
         </p:spPr>
         <p:txBody>
-          <a:bodyPr/>
+          <a:bodyPr lIns="91440" rIns="91440">
+            <a:normAutofit/>
+          </a:bodyPr>
           <a:lstStyle>
             <a:lvl1pPr marL="0" indent="0">
               <a:buNone/>
-              <a:defRPr sz="1600"/>
+              <a:defRPr sz="1500">
+                <a:solidFill>
+                  <a:srgbClr val="FFFFFF"/>
+                </a:solidFill>
+              </a:defRPr>
             </a:lvl1pPr>
             <a:lvl2pPr marL="457200" indent="0">
               <a:buNone/>
-              <a:defRPr sz="1400"/>
+              <a:defRPr sz="1200"/>
             </a:lvl2pPr>
             <a:lvl3pPr marL="914400" indent="0">
               <a:buNone/>
-              <a:defRPr sz="1200"/>
+              <a:defRPr sz="1000"/>
             </a:lvl3pPr>
             <a:lvl4pPr marL="1371600" indent="0">
               <a:buNone/>
-              <a:defRPr sz="1000"/>
+              <a:defRPr sz="900"/>
             </a:lvl4pPr>
             <a:lvl5pPr marL="1828800" indent="0">
               <a:buNone/>
-              <a:defRPr sz="1000"/>
+              <a:defRPr sz="900"/>
             </a:lvl5pPr>
             <a:lvl6pPr marL="2286000" indent="0">
               <a:buNone/>
-              <a:defRPr sz="1000"/>
+              <a:defRPr sz="900"/>
             </a:lvl6pPr>
             <a:lvl7pPr marL="2743200" indent="0">
               <a:buNone/>
-              <a:defRPr sz="1000"/>
+              <a:defRPr sz="900"/>
             </a:lvl7pPr>
             <a:lvl8pPr marL="3200400" indent="0">
               <a:buNone/>
-              <a:defRPr sz="1000"/>
+              <a:defRPr sz="900"/>
             </a:lvl8pPr>
             <a:lvl9pPr marL="3657600" indent="0">
               <a:buNone/>
-              <a:defRPr sz="1000"/>
+              <a:defRPr sz="900"/>
             </a:lvl9pPr>
           </a:lstStyle>
           <a:p>
@@ -3037,14 +3928,23 @@
             <p:ph type="dt" sz="half" idx="10"/>
           </p:nvPr>
         </p:nvSpPr>
-        <p:spPr/>
-        <p:txBody>
-          <a:bodyPr/>
-          <a:lstStyle/>
+        <p:spPr>
+          <a:xfrm>
+            <a:off x="465512" y="6459785"/>
+            <a:ext cx="2618510" cy="365125"/>
+          </a:xfrm>
+        </p:spPr>
+        <p:txBody>
+          <a:bodyPr/>
+          <a:lstStyle>
+            <a:lvl1pPr algn="l">
+              <a:defRPr/>
+            </a:lvl1pPr>
+          </a:lstStyle>
           <a:p>
             <a:fld id="{8DADA382-CFF3-4E38-B3B0-A0A9802453AA}" type="datetime1">
               <a:rPr lang="en-US" smtClean="0"/>
-              <a:t>9/12/2019</a:t>
+              <a:t>12/8/2019</a:t>
             </a:fld>
             <a:endParaRPr lang="en-US"/>
           </a:p>
@@ -3060,10 +3960,23 @@
             <p:ph type="ftr" sz="quarter" idx="11"/>
           </p:nvPr>
         </p:nvSpPr>
-        <p:spPr/>
-        <p:txBody>
-          <a:bodyPr/>
-          <a:lstStyle/>
+        <p:spPr>
+          <a:xfrm>
+            <a:off x="4800600" y="6459785"/>
+            <a:ext cx="4648200" cy="365125"/>
+          </a:xfrm>
+        </p:spPr>
+        <p:txBody>
+          <a:bodyPr/>
+          <a:lstStyle>
+            <a:lvl1pPr algn="l">
+              <a:defRPr>
+                <a:solidFill>
+                  <a:schemeClr val="tx2"/>
+                </a:solidFill>
+              </a:defRPr>
+            </a:lvl1pPr>
+          </a:lstStyle>
           <a:p>
             <a:r>
               <a:rPr lang="en-US"/>
@@ -3085,7 +3998,15 @@
         <p:spPr/>
         <p:txBody>
           <a:bodyPr/>
-          <a:lstStyle/>
+          <a:lstStyle>
+            <a:lvl1pPr>
+              <a:defRPr>
+                <a:solidFill>
+                  <a:schemeClr val="tx2"/>
+                </a:solidFill>
+              </a:defRPr>
+            </a:lvl1pPr>
+          </a:lstStyle>
           <a:p>
             <a:fld id="{ADDE84BC-4FC7-4B69-BEAA-AA840A7919E3}" type="slidenum">
               <a:rPr lang="en-US" smtClean="0"/>
@@ -3098,7 +4019,7 @@
     </p:spTree>
     <p:extLst>
       <p:ext uri="{BB962C8B-B14F-4D97-AF65-F5344CB8AC3E}">
-        <p14:creationId xmlns:p14="http://schemas.microsoft.com/office/powerpoint/2010/main" val="1727574104"/>
+        <p14:creationId xmlns:p14="http://schemas.microsoft.com/office/powerpoint/2010/main" val="3418381362"/>
       </p:ext>
     </p:extLst>
   </p:cSld>
@@ -3109,7 +4030,7 @@
 </file>
 
 <file path=ppt/slideLayouts/slideLayout9.xml><?xml version="1.0" encoding="utf-8"?>
-<p:sldLayout xmlns:a="http://schemas.openxmlformats.org/drawingml/2006/main" xmlns:r="http://schemas.openxmlformats.org/officeDocument/2006/relationships" xmlns:p="http://schemas.openxmlformats.org/presentationml/2006/main" type="picTx" preserve="1">
+<p:sldLayout xmlns:a="http://schemas.openxmlformats.org/drawingml/2006/main" xmlns:r="http://schemas.openxmlformats.org/officeDocument/2006/relationships" xmlns:p="http://schemas.openxmlformats.org/presentationml/2006/main" showMasterSp="0" type="picTx" preserve="1">
   <p:cSld name="Picture with Caption">
     <p:spTree>
       <p:nvGrpSpPr>
@@ -3127,25 +4048,107 @@
       </p:grpSpPr>
       <p:sp>
         <p:nvSpPr>
-          <p:cNvPr id="2" name="Title 1"/>
-          <p:cNvSpPr>
-            <a:spLocks noGrp="1"/>
-          </p:cNvSpPr>
-          <p:nvPr>
-            <p:ph type="title"/>
-          </p:nvPr>
+          <p:cNvPr id="8" name="Rectangle 7"/>
+          <p:cNvSpPr/>
+          <p:nvPr/>
         </p:nvSpPr>
         <p:spPr>
           <a:xfrm>
-            <a:off x="839788" y="457200"/>
-            <a:ext cx="3932237" cy="1600200"/>
+            <a:off x="0" y="4953000"/>
+            <a:ext cx="12188825" cy="1905000"/>
+          </a:xfrm>
+          <a:prstGeom prst="rect">
+            <a:avLst/>
+          </a:prstGeom>
+          <a:solidFill>
+            <a:schemeClr val="accent2"/>
+          </a:solidFill>
+          <a:ln>
+            <a:noFill/>
+          </a:ln>
+        </p:spPr>
+        <p:style>
+          <a:lnRef idx="2">
+            <a:schemeClr val="accent1">
+              <a:shade val="50000"/>
+            </a:schemeClr>
+          </a:lnRef>
+          <a:fillRef idx="1">
+            <a:schemeClr val="accent1"/>
+          </a:fillRef>
+          <a:effectRef idx="0">
+            <a:schemeClr val="accent1"/>
+          </a:effectRef>
+          <a:fontRef idx="minor">
+            <a:schemeClr val="lt1"/>
+          </a:fontRef>
+        </p:style>
+      </p:sp>
+      <p:sp>
+        <p:nvSpPr>
+          <p:cNvPr id="9" name="Rectangle 8"/>
+          <p:cNvSpPr/>
+          <p:nvPr/>
+        </p:nvSpPr>
+        <p:spPr>
+          <a:xfrm>
+            <a:off x="15" y="4915076"/>
+            <a:ext cx="12188825" cy="64008"/>
+          </a:xfrm>
+          <a:prstGeom prst="rect">
+            <a:avLst/>
+          </a:prstGeom>
+          <a:solidFill>
+            <a:schemeClr val="accent1"/>
+          </a:solidFill>
+          <a:ln>
+            <a:noFill/>
+          </a:ln>
+        </p:spPr>
+        <p:style>
+          <a:lnRef idx="2">
+            <a:schemeClr val="accent1">
+              <a:shade val="50000"/>
+            </a:schemeClr>
+          </a:lnRef>
+          <a:fillRef idx="1">
+            <a:schemeClr val="accent1"/>
+          </a:fillRef>
+          <a:effectRef idx="0">
+            <a:schemeClr val="accent1"/>
+          </a:effectRef>
+          <a:fontRef idx="minor">
+            <a:schemeClr val="lt1"/>
+          </a:fontRef>
+        </p:style>
+      </p:sp>
+      <p:sp>
+        <p:nvSpPr>
+          <p:cNvPr id="2" name="Title 1"/>
+          <p:cNvSpPr>
+            <a:spLocks noGrp="1"/>
+          </p:cNvSpPr>
+          <p:nvPr>
+            <p:ph type="title"/>
+          </p:nvPr>
+        </p:nvSpPr>
+        <p:spPr>
+          <a:xfrm>
+            <a:off x="1097280" y="5074920"/>
+            <a:ext cx="10113264" cy="822960"/>
           </a:xfrm>
         </p:spPr>
         <p:txBody>
-          <a:bodyPr anchor="b"/>
+          <a:bodyPr lIns="91440" tIns="0" rIns="91440" bIns="0" anchor="b">
+            <a:noAutofit/>
+          </a:bodyPr>
           <a:lstStyle>
             <a:lvl1pPr>
-              <a:defRPr sz="3200"/>
+              <a:defRPr sz="3600" b="0">
+                <a:solidFill>
+                  <a:srgbClr val="FFFFFF"/>
+                </a:solidFill>
+              </a:defRPr>
             </a:lvl1pPr>
           </a:lstStyle>
           <a:p>
@@ -3153,6 +4156,7 @@
               <a:rPr lang="en-US"/>
               <a:t>Click to edit Master title style</a:t>
             </a:r>
+            <a:endParaRPr lang="en-US" dirty="0"/>
           </a:p>
         </p:txBody>
       </p:sp>
@@ -3160,7 +4164,7 @@
         <p:nvSpPr>
           <p:cNvPr id="3" name="Picture Placeholder 2"/>
           <p:cNvSpPr>
-            <a:spLocks noGrp="1"/>
+            <a:spLocks noGrp="1" noChangeAspect="1"/>
           </p:cNvSpPr>
           <p:nvPr>
             <p:ph type="pic" idx="1"/>
@@ -3168,16 +4172,26 @@
         </p:nvSpPr>
         <p:spPr>
           <a:xfrm>
-            <a:off x="5183188" y="987425"/>
-            <a:ext cx="6172200" cy="4873625"/>
+            <a:off x="15" y="0"/>
+            <a:ext cx="12191985" cy="4915076"/>
           </a:xfrm>
+          <a:blipFill>
+            <a:blip r:embed="rId2"/>
+            <a:stretch>
+              <a:fillRect/>
+            </a:stretch>
+          </a:blipFill>
         </p:spPr>
         <p:txBody>
-          <a:bodyPr/>
+          <a:bodyPr lIns="457200" tIns="457200" anchor="t"/>
           <a:lstStyle>
             <a:lvl1pPr marL="0" indent="0">
               <a:buNone/>
-              <a:defRPr sz="3200"/>
+              <a:defRPr sz="3200">
+                <a:solidFill>
+                  <a:schemeClr val="bg1"/>
+                </a:solidFill>
+              </a:defRPr>
             </a:lvl1pPr>
             <a:lvl2pPr marL="457200" indent="0">
               <a:buNone/>
@@ -3213,7 +4227,11 @@
             </a:lvl9pPr>
           </a:lstStyle>
           <a:p>
-            <a:endParaRPr lang="en-US"/>
+            <a:r>
+              <a:rPr lang="en-US"/>
+              <a:t>Click icon to add picture</a:t>
+            </a:r>
+            <a:endParaRPr lang="en-US" dirty="0"/>
           </a:p>
         </p:txBody>
       </p:sp>
@@ -3229,48 +4247,60 @@
         </p:nvSpPr>
         <p:spPr>
           <a:xfrm>
-            <a:off x="839788" y="2057400"/>
-            <a:ext cx="3932237" cy="3811588"/>
+            <a:off x="1097280" y="5907023"/>
+            <a:ext cx="10113264" cy="594360"/>
           </a:xfrm>
         </p:spPr>
         <p:txBody>
-          <a:bodyPr/>
+          <a:bodyPr lIns="91440" tIns="0" rIns="91440" bIns="0">
+            <a:normAutofit/>
+          </a:bodyPr>
           <a:lstStyle>
             <a:lvl1pPr marL="0" indent="0">
+              <a:spcBef>
+                <a:spcPts val="0"/>
+              </a:spcBef>
+              <a:spcAft>
+                <a:spcPts val="600"/>
+              </a:spcAft>
               <a:buNone/>
-              <a:defRPr sz="1600"/>
+              <a:defRPr sz="1500">
+                <a:solidFill>
+                  <a:srgbClr val="FFFFFF"/>
+                </a:solidFill>
+              </a:defRPr>
             </a:lvl1pPr>
             <a:lvl2pPr marL="457200" indent="0">
               <a:buNone/>
-              <a:defRPr sz="1400"/>
+              <a:defRPr sz="1200"/>
             </a:lvl2pPr>
             <a:lvl3pPr marL="914400" indent="0">
               <a:buNone/>
-              <a:defRPr sz="1200"/>
+              <a:defRPr sz="1000"/>
             </a:lvl3pPr>
             <a:lvl4pPr marL="1371600" indent="0">
               <a:buNone/>
-              <a:defRPr sz="1000"/>
+              <a:defRPr sz="900"/>
             </a:lvl4pPr>
             <a:lvl5pPr marL="1828800" indent="0">
               <a:buNone/>
-              <a:defRPr sz="1000"/>
+              <a:defRPr sz="900"/>
             </a:lvl5pPr>
             <a:lvl6pPr marL="2286000" indent="0">
               <a:buNone/>
-              <a:defRPr sz="1000"/>
+              <a:defRPr sz="900"/>
             </a:lvl6pPr>
             <a:lvl7pPr marL="2743200" indent="0">
               <a:buNone/>
-              <a:defRPr sz="1000"/>
+              <a:defRPr sz="900"/>
             </a:lvl7pPr>
             <a:lvl8pPr marL="3200400" indent="0">
               <a:buNone/>
-              <a:defRPr sz="1000"/>
+              <a:defRPr sz="900"/>
             </a:lvl8pPr>
             <a:lvl9pPr marL="3657600" indent="0">
               <a:buNone/>
-              <a:defRPr sz="1000"/>
+              <a:defRPr sz="900"/>
             </a:lvl9pPr>
           </a:lstStyle>
           <a:p>
@@ -3299,7 +4329,7 @@
           <a:p>
             <a:fld id="{494878A2-9AA6-4CED-BB30-45870680D252}" type="datetime1">
               <a:rPr lang="en-US" smtClean="0"/>
-              <a:t>9/12/2019</a:t>
+              <a:t>12/8/2019</a:t>
             </a:fld>
             <a:endParaRPr lang="en-US"/>
           </a:p>
@@ -3353,7 +4383,7 @@
     </p:spTree>
     <p:extLst>
       <p:ext uri="{BB962C8B-B14F-4D97-AF65-F5344CB8AC3E}">
-        <p14:creationId xmlns:p14="http://schemas.microsoft.com/office/powerpoint/2010/main" val="538878600"/>
+        <p14:creationId xmlns:p14="http://schemas.microsoft.com/office/powerpoint/2010/main" val="64462066"/>
       </p:ext>
     </p:extLst>
   </p:cSld>
@@ -3387,25 +4417,101 @@
       </p:grpSpPr>
       <p:sp>
         <p:nvSpPr>
-          <p:cNvPr id="2" name="Title Placeholder 1"/>
-          <p:cNvSpPr>
-            <a:spLocks noGrp="1"/>
-          </p:cNvSpPr>
-          <p:nvPr>
-            <p:ph type="title"/>
-          </p:nvPr>
+          <p:cNvPr id="7" name="Rectangle 6"/>
+          <p:cNvSpPr/>
+          <p:nvPr/>
         </p:nvSpPr>
         <p:spPr>
           <a:xfrm>
-            <a:off x="838200" y="365125"/>
-            <a:ext cx="10515600" cy="1325563"/>
+            <a:off x="1" y="6400800"/>
+            <a:ext cx="12192000" cy="457200"/>
+          </a:xfrm>
+          <a:prstGeom prst="rect">
+            <a:avLst/>
+          </a:prstGeom>
+          <a:solidFill>
+            <a:schemeClr val="accent2"/>
+          </a:solidFill>
+          <a:ln>
+            <a:noFill/>
+          </a:ln>
+        </p:spPr>
+        <p:style>
+          <a:lnRef idx="2">
+            <a:schemeClr val="accent1">
+              <a:shade val="50000"/>
+            </a:schemeClr>
+          </a:lnRef>
+          <a:fillRef idx="1">
+            <a:schemeClr val="accent1"/>
+          </a:fillRef>
+          <a:effectRef idx="0">
+            <a:schemeClr val="accent1"/>
+          </a:effectRef>
+          <a:fontRef idx="minor">
+            <a:schemeClr val="lt1"/>
+          </a:fontRef>
+        </p:style>
+      </p:sp>
+      <p:sp>
+        <p:nvSpPr>
+          <p:cNvPr id="9" name="Rectangle 8"/>
+          <p:cNvSpPr/>
+          <p:nvPr/>
+        </p:nvSpPr>
+        <p:spPr>
+          <a:xfrm>
+            <a:off x="0" y="6334316"/>
+            <a:ext cx="12192001" cy="65998"/>
+          </a:xfrm>
+          <a:prstGeom prst="rect">
+            <a:avLst/>
+          </a:prstGeom>
+          <a:solidFill>
+            <a:schemeClr val="accent1"/>
+          </a:solidFill>
+          <a:ln>
+            <a:noFill/>
+          </a:ln>
+        </p:spPr>
+        <p:style>
+          <a:lnRef idx="2">
+            <a:schemeClr val="accent1">
+              <a:shade val="50000"/>
+            </a:schemeClr>
+          </a:lnRef>
+          <a:fillRef idx="1">
+            <a:schemeClr val="accent1"/>
+          </a:fillRef>
+          <a:effectRef idx="0">
+            <a:schemeClr val="accent1"/>
+          </a:effectRef>
+          <a:fontRef idx="minor">
+            <a:schemeClr val="lt1"/>
+          </a:fontRef>
+        </p:style>
+      </p:sp>
+      <p:sp>
+        <p:nvSpPr>
+          <p:cNvPr id="2" name="Title Placeholder 1"/>
+          <p:cNvSpPr>
+            <a:spLocks noGrp="1"/>
+          </p:cNvSpPr>
+          <p:nvPr>
+            <p:ph type="title"/>
+          </p:nvPr>
+        </p:nvSpPr>
+        <p:spPr>
+          <a:xfrm>
+            <a:off x="1097280" y="286603"/>
+            <a:ext cx="10058400" cy="1450757"/>
           </a:xfrm>
           <a:prstGeom prst="rect">
             <a:avLst/>
           </a:prstGeom>
         </p:spPr>
         <p:txBody>
-          <a:bodyPr vert="horz" lIns="91440" tIns="45720" rIns="91440" bIns="45720" rtlCol="0" anchor="ctr">
+          <a:bodyPr vert="horz" lIns="91440" tIns="45720" rIns="91440" bIns="45720" rtlCol="0" anchor="b">
             <a:normAutofit/>
           </a:bodyPr>
           <a:lstStyle/>
@@ -3414,6 +4520,7 @@
               <a:rPr lang="en-US"/>
               <a:t>Click to edit Master title style</a:t>
             </a:r>
+            <a:endParaRPr lang="en-US" dirty="0"/>
           </a:p>
         </p:txBody>
       </p:sp>
@@ -3429,15 +4536,15 @@
         </p:nvSpPr>
         <p:spPr>
           <a:xfrm>
-            <a:off x="838200" y="1825625"/>
-            <a:ext cx="10515600" cy="4351338"/>
+            <a:off x="1097280" y="1845734"/>
+            <a:ext cx="10058400" cy="4023360"/>
           </a:xfrm>
           <a:prstGeom prst="rect">
             <a:avLst/>
           </a:prstGeom>
         </p:spPr>
         <p:txBody>
-          <a:bodyPr vert="horz" lIns="91440" tIns="45720" rIns="91440" bIns="45720" rtlCol="0">
+          <a:bodyPr vert="horz" lIns="0" tIns="45720" rIns="0" bIns="45720" rtlCol="0">
             <a:normAutofit/>
           </a:bodyPr>
           <a:lstStyle/>
@@ -3475,6 +4582,7 @@
               <a:rPr lang="en-US"/>
               <a:t>Fifth level</a:t>
             </a:r>
+            <a:endParaRPr lang="en-US" dirty="0"/>
           </a:p>
         </p:txBody>
       </p:sp>
@@ -3490,8 +4598,8 @@
         </p:nvSpPr>
         <p:spPr>
           <a:xfrm>
-            <a:off x="838200" y="6356350"/>
-            <a:ext cx="2743200" cy="365125"/>
+            <a:off x="1097280" y="6459785"/>
+            <a:ext cx="2472271" cy="365125"/>
           </a:xfrm>
           <a:prstGeom prst="rect">
             <a:avLst/>
@@ -3501,11 +4609,9 @@
           <a:bodyPr vert="horz" lIns="91440" tIns="45720" rIns="91440" bIns="45720" rtlCol="0" anchor="ctr"/>
           <a:lstStyle>
             <a:lvl1pPr algn="l">
-              <a:defRPr sz="1200">
+              <a:defRPr sz="900">
                 <a:solidFill>
-                  <a:schemeClr val="tx1">
-                    <a:tint val="75000"/>
-                  </a:schemeClr>
+                  <a:srgbClr val="FFFFFF"/>
                 </a:solidFill>
               </a:defRPr>
             </a:lvl1pPr>
@@ -3513,7 +4619,7 @@
           <a:p>
             <a:fld id="{D3EE4551-0335-48B6-85FF-7403C6145F24}" type="datetime1">
               <a:rPr lang="en-US" smtClean="0"/>
-              <a:t>9/12/2019</a:t>
+              <a:t>12/8/2019</a:t>
             </a:fld>
             <a:endParaRPr lang="en-US"/>
           </a:p>
@@ -3531,8 +4637,8 @@
         </p:nvSpPr>
         <p:spPr>
           <a:xfrm>
-            <a:off x="4038600" y="6356350"/>
-            <a:ext cx="4114800" cy="365125"/>
+            <a:off x="3686185" y="6459785"/>
+            <a:ext cx="4822804" cy="365125"/>
           </a:xfrm>
           <a:prstGeom prst="rect">
             <a:avLst/>
@@ -3542,11 +4648,9 @@
           <a:bodyPr vert="horz" lIns="91440" tIns="45720" rIns="91440" bIns="45720" rtlCol="0" anchor="ctr"/>
           <a:lstStyle>
             <a:lvl1pPr algn="ctr">
-              <a:defRPr sz="1200">
+              <a:defRPr sz="900" cap="all" baseline="0">
                 <a:solidFill>
-                  <a:schemeClr val="tx1">
-                    <a:tint val="75000"/>
-                  </a:schemeClr>
+                  <a:srgbClr val="FFFFFF"/>
                 </a:solidFill>
               </a:defRPr>
             </a:lvl1pPr>
@@ -3571,8 +4675,8 @@
         </p:nvSpPr>
         <p:spPr>
           <a:xfrm>
-            <a:off x="8610600" y="6356350"/>
-            <a:ext cx="2743200" cy="365125"/>
+            <a:off x="9900458" y="6459785"/>
+            <a:ext cx="1312025" cy="365125"/>
           </a:xfrm>
           <a:prstGeom prst="rect">
             <a:avLst/>
@@ -3582,11 +4686,9 @@
           <a:bodyPr vert="horz" lIns="91440" tIns="45720" rIns="91440" bIns="45720" rtlCol="0" anchor="ctr"/>
           <a:lstStyle>
             <a:lvl1pPr algn="r">
-              <a:defRPr sz="1200">
+              <a:defRPr sz="1050">
                 <a:solidFill>
-                  <a:schemeClr val="tx1">
-                    <a:tint val="75000"/>
-                  </a:schemeClr>
+                  <a:srgbClr val="FFFFFF"/>
                 </a:solidFill>
               </a:defRPr>
             </a:lvl1pPr>
@@ -3600,41 +4702,82 @@
           </a:p>
         </p:txBody>
       </p:sp>
+      <p:cxnSp>
+        <p:nvCxnSpPr>
+          <p:cNvPr id="10" name="Straight Connector 9"/>
+          <p:cNvCxnSpPr/>
+          <p:nvPr/>
+        </p:nvCxnSpPr>
+        <p:spPr>
+          <a:xfrm>
+            <a:off x="1193532" y="1737845"/>
+            <a:ext cx="9966960" cy="0"/>
+          </a:xfrm>
+          <a:prstGeom prst="line">
+            <a:avLst/>
+          </a:prstGeom>
+          <a:ln w="6350">
+            <a:solidFill>
+              <a:schemeClr val="tx1">
+                <a:lumMod val="50000"/>
+                <a:lumOff val="50000"/>
+              </a:schemeClr>
+            </a:solidFill>
+          </a:ln>
+        </p:spPr>
+        <p:style>
+          <a:lnRef idx="1">
+            <a:schemeClr val="accent1"/>
+          </a:lnRef>
+          <a:fillRef idx="0">
+            <a:schemeClr val="accent1"/>
+          </a:fillRef>
+          <a:effectRef idx="0">
+            <a:schemeClr val="accent1"/>
+          </a:effectRef>
+          <a:fontRef idx="minor">
+            <a:schemeClr val="tx1"/>
+          </a:fontRef>
+        </p:style>
+      </p:cxnSp>
     </p:spTree>
     <p:extLst>
       <p:ext uri="{BB962C8B-B14F-4D97-AF65-F5344CB8AC3E}">
-        <p14:creationId xmlns:p14="http://schemas.microsoft.com/office/powerpoint/2010/main" val="3071996466"/>
+        <p14:creationId xmlns:p14="http://schemas.microsoft.com/office/powerpoint/2010/main" val="3776481489"/>
       </p:ext>
     </p:extLst>
   </p:cSld>
   <p:clrMap bg1="lt1" tx1="dk1" bg2="lt2" tx2="dk2" accent1="accent1" accent2="accent2" accent3="accent3" accent4="accent4" accent5="accent5" accent6="accent6" hlink="hlink" folHlink="folHlink"/>
   <p:sldLayoutIdLst>
-    <p:sldLayoutId id="2147483649" r:id="rId1"/>
-    <p:sldLayoutId id="2147483650" r:id="rId2"/>
-    <p:sldLayoutId id="2147483651" r:id="rId3"/>
-    <p:sldLayoutId id="2147483652" r:id="rId4"/>
-    <p:sldLayoutId id="2147483653" r:id="rId5"/>
-    <p:sldLayoutId id="2147483654" r:id="rId6"/>
-    <p:sldLayoutId id="2147483655" r:id="rId7"/>
-    <p:sldLayoutId id="2147483656" r:id="rId8"/>
-    <p:sldLayoutId id="2147483657" r:id="rId9"/>
-    <p:sldLayoutId id="2147483658" r:id="rId10"/>
-    <p:sldLayoutId id="2147483659" r:id="rId11"/>
+    <p:sldLayoutId id="2147483661" r:id="rId1"/>
+    <p:sldLayoutId id="2147483662" r:id="rId2"/>
+    <p:sldLayoutId id="2147483663" r:id="rId3"/>
+    <p:sldLayoutId id="2147483664" r:id="rId4"/>
+    <p:sldLayoutId id="2147483665" r:id="rId5"/>
+    <p:sldLayoutId id="2147483666" r:id="rId6"/>
+    <p:sldLayoutId id="2147483667" r:id="rId7"/>
+    <p:sldLayoutId id="2147483668" r:id="rId8"/>
+    <p:sldLayoutId id="2147483669" r:id="rId9"/>
+    <p:sldLayoutId id="2147483670" r:id="rId10"/>
+    <p:sldLayoutId id="2147483671" r:id="rId11"/>
   </p:sldLayoutIdLst>
   <p:hf hdr="0" dt="0"/>
   <p:txStyles>
     <p:titleStyle>
       <a:lvl1pPr algn="l" defTabSz="914400" rtl="0" eaLnBrk="1" latinLnBrk="0" hangingPunct="1">
         <a:lnSpc>
-          <a:spcPct val="90000"/>
+          <a:spcPct val="85000"/>
         </a:lnSpc>
         <a:spcBef>
           <a:spcPct val="0"/>
         </a:spcBef>
         <a:buNone/>
-        <a:defRPr sz="4400" kern="1200">
+        <a:defRPr sz="4800" kern="1200" spc="-50" baseline="0">
           <a:solidFill>
-            <a:schemeClr val="tx1"/>
+            <a:schemeClr val="tx1">
+              <a:lumMod val="75000"/>
+              <a:lumOff val="25000"/>
+            </a:schemeClr>
           </a:solidFill>
           <a:latin typeface="+mj-lt"/>
           <a:ea typeface="+mj-ea"/>
@@ -3643,162 +4786,244 @@
       </a:lvl1pPr>
     </p:titleStyle>
     <p:bodyStyle>
-      <a:lvl1pPr marL="228600" indent="-228600" algn="l" defTabSz="914400" rtl="0" eaLnBrk="1" latinLnBrk="0" hangingPunct="1">
+      <a:lvl1pPr marL="91440" indent="-91440" algn="l" defTabSz="914400" rtl="0" eaLnBrk="1" latinLnBrk="0" hangingPunct="1">
         <a:lnSpc>
           <a:spcPct val="90000"/>
         </a:lnSpc>
         <a:spcBef>
-          <a:spcPts val="1000"/>
+          <a:spcPts val="1200"/>
         </a:spcBef>
-        <a:buFont typeface="Arial" panose="020B0604020202020204" pitchFamily="34" charset="0"/>
-        <a:buChar char="•"/>
-        <a:defRPr sz="2800" kern="1200">
+        <a:spcAft>
+          <a:spcPts val="200"/>
+        </a:spcAft>
+        <a:buClr>
+          <a:schemeClr val="accent1"/>
+        </a:buClr>
+        <a:buSzPct val="100000"/>
+        <a:buFont typeface="Calibri" panose="020F0502020204030204" pitchFamily="34" charset="0"/>
+        <a:buChar char=" "/>
+        <a:defRPr sz="2000" kern="1200">
           <a:solidFill>
-            <a:schemeClr val="tx1"/>
+            <a:schemeClr val="tx1">
+              <a:lumMod val="75000"/>
+              <a:lumOff val="25000"/>
+            </a:schemeClr>
           </a:solidFill>
           <a:latin typeface="+mn-lt"/>
           <a:ea typeface="+mn-ea"/>
           <a:cs typeface="+mn-cs"/>
         </a:defRPr>
       </a:lvl1pPr>
-      <a:lvl2pPr marL="685800" indent="-228600" algn="l" defTabSz="914400" rtl="0" eaLnBrk="1" latinLnBrk="0" hangingPunct="1">
+      <a:lvl2pPr marL="384048" indent="-182880" algn="l" defTabSz="914400" rtl="0" eaLnBrk="1" latinLnBrk="0" hangingPunct="1">
         <a:lnSpc>
           <a:spcPct val="90000"/>
         </a:lnSpc>
         <a:spcBef>
-          <a:spcPts val="500"/>
+          <a:spcPts val="200"/>
         </a:spcBef>
-        <a:buFont typeface="Arial" panose="020B0604020202020204" pitchFamily="34" charset="0"/>
-        <a:buChar char="•"/>
-        <a:defRPr sz="2400" kern="1200">
+        <a:spcAft>
+          <a:spcPts val="400"/>
+        </a:spcAft>
+        <a:buClr>
+          <a:schemeClr val="accent1"/>
+        </a:buClr>
+        <a:buFont typeface="Calibri" pitchFamily="34" charset="0"/>
+        <a:buChar char="◦"/>
+        <a:defRPr sz="1800" kern="1200">
           <a:solidFill>
-            <a:schemeClr val="tx1"/>
+            <a:schemeClr val="tx1">
+              <a:lumMod val="75000"/>
+              <a:lumOff val="25000"/>
+            </a:schemeClr>
           </a:solidFill>
           <a:latin typeface="+mn-lt"/>
           <a:ea typeface="+mn-ea"/>
           <a:cs typeface="+mn-cs"/>
         </a:defRPr>
       </a:lvl2pPr>
-      <a:lvl3pPr marL="1143000" indent="-228600" algn="l" defTabSz="914400" rtl="0" eaLnBrk="1" latinLnBrk="0" hangingPunct="1">
+      <a:lvl3pPr marL="566928" indent="-182880" algn="l" defTabSz="914400" rtl="0" eaLnBrk="1" latinLnBrk="0" hangingPunct="1">
         <a:lnSpc>
           <a:spcPct val="90000"/>
         </a:lnSpc>
         <a:spcBef>
-          <a:spcPts val="500"/>
+          <a:spcPts val="200"/>
         </a:spcBef>
-        <a:buFont typeface="Arial" panose="020B0604020202020204" pitchFamily="34" charset="0"/>
-        <a:buChar char="•"/>
-        <a:defRPr sz="2000" kern="1200">
+        <a:spcAft>
+          <a:spcPts val="400"/>
+        </a:spcAft>
+        <a:buClr>
+          <a:schemeClr val="accent1"/>
+        </a:buClr>
+        <a:buFont typeface="Calibri" pitchFamily="34" charset="0"/>
+        <a:buChar char="◦"/>
+        <a:defRPr sz="1400" kern="1200">
           <a:solidFill>
-            <a:schemeClr val="tx1"/>
+            <a:schemeClr val="tx1">
+              <a:lumMod val="75000"/>
+              <a:lumOff val="25000"/>
+            </a:schemeClr>
           </a:solidFill>
           <a:latin typeface="+mn-lt"/>
           <a:ea typeface="+mn-ea"/>
           <a:cs typeface="+mn-cs"/>
         </a:defRPr>
       </a:lvl3pPr>
-      <a:lvl4pPr marL="1600200" indent="-228600" algn="l" defTabSz="914400" rtl="0" eaLnBrk="1" latinLnBrk="0" hangingPunct="1">
+      <a:lvl4pPr marL="749808" indent="-182880" algn="l" defTabSz="914400" rtl="0" eaLnBrk="1" latinLnBrk="0" hangingPunct="1">
         <a:lnSpc>
           <a:spcPct val="90000"/>
         </a:lnSpc>
         <a:spcBef>
-          <a:spcPts val="500"/>
+          <a:spcPts val="200"/>
         </a:spcBef>
-        <a:buFont typeface="Arial" panose="020B0604020202020204" pitchFamily="34" charset="0"/>
-        <a:buChar char="•"/>
-        <a:defRPr sz="1800" kern="1200">
+        <a:spcAft>
+          <a:spcPts val="400"/>
+        </a:spcAft>
+        <a:buClr>
+          <a:schemeClr val="accent1"/>
+        </a:buClr>
+        <a:buFont typeface="Calibri" pitchFamily="34" charset="0"/>
+        <a:buChar char="◦"/>
+        <a:defRPr sz="1400" kern="1200">
           <a:solidFill>
-            <a:schemeClr val="tx1"/>
+            <a:schemeClr val="tx1">
+              <a:lumMod val="75000"/>
+              <a:lumOff val="25000"/>
+            </a:schemeClr>
           </a:solidFill>
           <a:latin typeface="+mn-lt"/>
           <a:ea typeface="+mn-ea"/>
           <a:cs typeface="+mn-cs"/>
         </a:defRPr>
       </a:lvl4pPr>
-      <a:lvl5pPr marL="2057400" indent="-228600" algn="l" defTabSz="914400" rtl="0" eaLnBrk="1" latinLnBrk="0" hangingPunct="1">
+      <a:lvl5pPr marL="932688" indent="-182880" algn="l" defTabSz="914400" rtl="0" eaLnBrk="1" latinLnBrk="0" hangingPunct="1">
         <a:lnSpc>
           <a:spcPct val="90000"/>
         </a:lnSpc>
         <a:spcBef>
-          <a:spcPts val="500"/>
+          <a:spcPts val="200"/>
         </a:spcBef>
-        <a:buFont typeface="Arial" panose="020B0604020202020204" pitchFamily="34" charset="0"/>
-        <a:buChar char="•"/>
-        <a:defRPr sz="1800" kern="1200">
+        <a:spcAft>
+          <a:spcPts val="400"/>
+        </a:spcAft>
+        <a:buClr>
+          <a:schemeClr val="accent1"/>
+        </a:buClr>
+        <a:buFont typeface="Calibri" pitchFamily="34" charset="0"/>
+        <a:buChar char="◦"/>
+        <a:defRPr sz="1400" kern="1200">
           <a:solidFill>
-            <a:schemeClr val="tx1"/>
+            <a:schemeClr val="tx1">
+              <a:lumMod val="75000"/>
+              <a:lumOff val="25000"/>
+            </a:schemeClr>
           </a:solidFill>
           <a:latin typeface="+mn-lt"/>
           <a:ea typeface="+mn-ea"/>
           <a:cs typeface="+mn-cs"/>
         </a:defRPr>
       </a:lvl5pPr>
-      <a:lvl6pPr marL="2514600" indent="-228600" algn="l" defTabSz="914400" rtl="0" eaLnBrk="1" latinLnBrk="0" hangingPunct="1">
+      <a:lvl6pPr marL="1100000" indent="-228600" algn="l" defTabSz="914400" rtl="0" eaLnBrk="1" latinLnBrk="0" hangingPunct="1">
         <a:lnSpc>
           <a:spcPct val="90000"/>
         </a:lnSpc>
         <a:spcBef>
-          <a:spcPts val="500"/>
+          <a:spcPts val="200"/>
         </a:spcBef>
-        <a:buFont typeface="Arial" panose="020B0604020202020204" pitchFamily="34" charset="0"/>
-        <a:buChar char="•"/>
-        <a:defRPr sz="1800" kern="1200">
+        <a:spcAft>
+          <a:spcPts val="400"/>
+        </a:spcAft>
+        <a:buClr>
+          <a:schemeClr val="accent1"/>
+        </a:buClr>
+        <a:buFont typeface="Calibri" pitchFamily="34" charset="0"/>
+        <a:buChar char="◦"/>
+        <a:defRPr sz="1400" kern="1200">
           <a:solidFill>
-            <a:schemeClr val="tx1"/>
+            <a:schemeClr val="tx1">
+              <a:lumMod val="75000"/>
+              <a:lumOff val="25000"/>
+            </a:schemeClr>
           </a:solidFill>
           <a:latin typeface="+mn-lt"/>
           <a:ea typeface="+mn-ea"/>
           <a:cs typeface="+mn-cs"/>
         </a:defRPr>
       </a:lvl6pPr>
-      <a:lvl7pPr marL="2971800" indent="-228600" algn="l" defTabSz="914400" rtl="0" eaLnBrk="1" latinLnBrk="0" hangingPunct="1">
+      <a:lvl7pPr marL="1300000" indent="-228600" algn="l" defTabSz="914400" rtl="0" eaLnBrk="1" latinLnBrk="0" hangingPunct="1">
         <a:lnSpc>
           <a:spcPct val="90000"/>
         </a:lnSpc>
         <a:spcBef>
-          <a:spcPts val="500"/>
+          <a:spcPts val="200"/>
         </a:spcBef>
-        <a:buFont typeface="Arial" panose="020B0604020202020204" pitchFamily="34" charset="0"/>
-        <a:buChar char="•"/>
-        <a:defRPr sz="1800" kern="1200">
+        <a:spcAft>
+          <a:spcPts val="400"/>
+        </a:spcAft>
+        <a:buClr>
+          <a:schemeClr val="accent1"/>
+        </a:buClr>
+        <a:buFont typeface="Calibri" pitchFamily="34" charset="0"/>
+        <a:buChar char="◦"/>
+        <a:defRPr sz="1400" kern="1200">
           <a:solidFill>
-            <a:schemeClr val="tx1"/>
+            <a:schemeClr val="tx1">
+              <a:lumMod val="75000"/>
+              <a:lumOff val="25000"/>
+            </a:schemeClr>
           </a:solidFill>
           <a:latin typeface="+mn-lt"/>
           <a:ea typeface="+mn-ea"/>
           <a:cs typeface="+mn-cs"/>
         </a:defRPr>
       </a:lvl7pPr>
-      <a:lvl8pPr marL="3429000" indent="-228600" algn="l" defTabSz="914400" rtl="0" eaLnBrk="1" latinLnBrk="0" hangingPunct="1">
+      <a:lvl8pPr marL="1500000" indent="-228600" algn="l" defTabSz="914400" rtl="0" eaLnBrk="1" latinLnBrk="0" hangingPunct="1">
         <a:lnSpc>
           <a:spcPct val="90000"/>
         </a:lnSpc>
         <a:spcBef>
-          <a:spcPts val="500"/>
+          <a:spcPts val="200"/>
         </a:spcBef>
-        <a:buFont typeface="Arial" panose="020B0604020202020204" pitchFamily="34" charset="0"/>
-        <a:buChar char="•"/>
-        <a:defRPr sz="1800" kern="1200">
+        <a:spcAft>
+          <a:spcPts val="400"/>
+        </a:spcAft>
+        <a:buClr>
+          <a:schemeClr val="accent1"/>
+        </a:buClr>
+        <a:buFont typeface="Calibri" pitchFamily="34" charset="0"/>
+        <a:buChar char="◦"/>
+        <a:defRPr sz="1400" kern="1200">
           <a:solidFill>
-            <a:schemeClr val="tx1"/>
+            <a:schemeClr val="tx1">
+              <a:lumMod val="75000"/>
+              <a:lumOff val="25000"/>
+            </a:schemeClr>
           </a:solidFill>
           <a:latin typeface="+mn-lt"/>
           <a:ea typeface="+mn-ea"/>
           <a:cs typeface="+mn-cs"/>
         </a:defRPr>
       </a:lvl8pPr>
-      <a:lvl9pPr marL="3886200" indent="-228600" algn="l" defTabSz="914400" rtl="0" eaLnBrk="1" latinLnBrk="0" hangingPunct="1">
+      <a:lvl9pPr marL="1700000" indent="-228600" algn="l" defTabSz="914400" rtl="0" eaLnBrk="1" latinLnBrk="0" hangingPunct="1">
         <a:lnSpc>
           <a:spcPct val="90000"/>
         </a:lnSpc>
         <a:spcBef>
-          <a:spcPts val="500"/>
+          <a:spcPts val="200"/>
         </a:spcBef>
-        <a:buFont typeface="Arial" panose="020B0604020202020204" pitchFamily="34" charset="0"/>
-        <a:buChar char="•"/>
-        <a:defRPr sz="1800" kern="1200">
+        <a:spcAft>
+          <a:spcPts val="400"/>
+        </a:spcAft>
+        <a:buClr>
+          <a:schemeClr val="accent1"/>
+        </a:buClr>
+        <a:buFont typeface="Calibri" pitchFamily="34" charset="0"/>
+        <a:buChar char="◦"/>
+        <a:defRPr sz="1400" kern="1200">
           <a:solidFill>
-            <a:schemeClr val="tx1"/>
+            <a:schemeClr val="tx1">
+              <a:lumMod val="75000"/>
+              <a:lumOff val="25000"/>
+            </a:schemeClr>
           </a:solidFill>
           <a:latin typeface="+mn-lt"/>
           <a:ea typeface="+mn-ea"/>
@@ -3972,7 +5197,7 @@
           <a:p>
             <a:r>
               <a:rPr lang="en-US" dirty="0"/>
-              <a:t>2019</a:t>
+              <a:t>2020</a:t>
             </a:r>
           </a:p>
         </p:txBody>
@@ -4007,188 +5232,46 @@
           <a:chExt cx="0" cy="0"/>
         </a:xfrm>
       </p:grpSpPr>
-      <p:sp>
-        <p:nvSpPr>
-          <p:cNvPr id="2" name="Title 1"/>
-          <p:cNvSpPr>
-            <a:spLocks noGrp="1"/>
-          </p:cNvSpPr>
-          <p:nvPr>
-            <p:ph type="title"/>
-          </p:nvPr>
-        </p:nvSpPr>
-        <p:spPr/>
-        <p:txBody>
-          <a:bodyPr/>
-          <a:lstStyle/>
-          <a:p>
-            <a:r>
-              <a:rPr lang="en-US" dirty="0"/>
-              <a:t>SPI</a:t>
-            </a:r>
-          </a:p>
-        </p:txBody>
-      </p:sp>
-      <p:sp>
-        <p:nvSpPr>
-          <p:cNvPr id="4" name="Content Placeholder 3"/>
-          <p:cNvSpPr>
-            <a:spLocks noGrp="1"/>
-          </p:cNvSpPr>
-          <p:nvPr>
-            <p:ph sz="half" idx="1"/>
-          </p:nvPr>
-        </p:nvSpPr>
-        <p:spPr/>
-        <p:txBody>
-          <a:bodyPr>
-            <a:normAutofit fontScale="92500" lnSpcReduction="10000"/>
-          </a:bodyPr>
-          <a:lstStyle/>
-          <a:p>
-            <a:r>
-              <a:rPr lang="en-US" dirty="0"/>
-              <a:t>The </a:t>
-            </a:r>
-            <a:r>
-              <a:rPr lang="en-US" b="1" dirty="0"/>
-              <a:t>Serial Peripheral Interface</a:t>
-            </a:r>
-            <a:r>
-              <a:rPr lang="en-US" dirty="0"/>
-              <a:t> (</a:t>
-            </a:r>
-            <a:r>
-              <a:rPr lang="en-US" b="1" dirty="0"/>
-              <a:t>SPI</a:t>
-            </a:r>
-            <a:r>
-              <a:rPr lang="en-US" dirty="0"/>
-              <a:t>) is a </a:t>
-            </a:r>
-            <a:r>
-              <a:rPr lang="en-US" dirty="0">
-                <a:hlinkClick r:id="rId2" tooltip="Synchronous circuit"/>
-              </a:rPr>
-              <a:t>synchronous</a:t>
-            </a:r>
-            <a:r>
-              <a:rPr lang="en-US" dirty="0"/>
-              <a:t> </a:t>
-            </a:r>
-            <a:r>
-              <a:rPr lang="en-US" dirty="0">
-                <a:hlinkClick r:id="rId3" tooltip="Serial communication"/>
-              </a:rPr>
-              <a:t>serial communication</a:t>
-            </a:r>
-            <a:r>
-              <a:rPr lang="en-US" dirty="0"/>
-              <a:t> interface specification used for short distance communication, primarily in </a:t>
-            </a:r>
-            <a:r>
-              <a:rPr lang="en-US" dirty="0">
-                <a:hlinkClick r:id="rId4" tooltip="Embedded systems"/>
-              </a:rPr>
-              <a:t>embedded systems</a:t>
-            </a:r>
-            <a:r>
-              <a:rPr lang="en-US" dirty="0"/>
-              <a:t>. The interface was developed by </a:t>
-            </a:r>
-            <a:r>
-              <a:rPr lang="en-US" dirty="0">
-                <a:hlinkClick r:id="rId5" tooltip="Motorola"/>
-              </a:rPr>
-              <a:t>Motorola</a:t>
-            </a:r>
-            <a:r>
-              <a:rPr lang="en-US" dirty="0"/>
-              <a:t> in the mid 1980s and has become a </a:t>
-            </a:r>
-            <a:r>
-              <a:rPr lang="en-US" i="1" dirty="0">
-                <a:hlinkClick r:id="rId6" tooltip="De facto standard"/>
-              </a:rPr>
-              <a:t>de facto</a:t>
-            </a:r>
-            <a:r>
-              <a:rPr lang="en-US" dirty="0">
-                <a:hlinkClick r:id="rId6" tooltip="De facto standard"/>
-              </a:rPr>
-              <a:t> standard</a:t>
-            </a:r>
-            <a:r>
-              <a:rPr lang="en-US" dirty="0"/>
-              <a:t>. Typical applications include </a:t>
-            </a:r>
-            <a:r>
-              <a:rPr lang="en-US" dirty="0">
-                <a:hlinkClick r:id="rId7" tooltip="Secure Digital"/>
-              </a:rPr>
-              <a:t>Secure Digital</a:t>
-            </a:r>
-            <a:r>
-              <a:rPr lang="en-US" dirty="0"/>
-              <a:t> cards and </a:t>
-            </a:r>
-            <a:r>
-              <a:rPr lang="en-US" dirty="0">
-                <a:hlinkClick r:id="rId8" tooltip="Liquid crystal display"/>
-              </a:rPr>
-              <a:t>liquid crystal displays</a:t>
-            </a:r>
-            <a:r>
-              <a:rPr lang="en-US" dirty="0"/>
-              <a:t>. </a:t>
-            </a:r>
-          </a:p>
-          <a:p>
-            <a:pPr marL="914400" lvl="2" indent="0">
-              <a:buNone/>
-            </a:pPr>
-            <a:r>
-              <a:rPr lang="en-US" dirty="0"/>
-              <a:t>		Wikipedia</a:t>
-            </a:r>
-          </a:p>
-        </p:txBody>
-      </p:sp>
       <p:pic>
         <p:nvPicPr>
-          <p:cNvPr id="6" name="Content Placeholder 5"/>
+          <p:cNvPr id="7" name="Content Placeholder 6"/>
           <p:cNvPicPr>
             <a:picLocks noGrp="1" noChangeAspect="1"/>
           </p:cNvPicPr>
           <p:nvPr>
-            <p:ph sz="half" idx="2"/>
+            <p:ph idx="4294967295"/>
           </p:nvPr>
         </p:nvPicPr>
-        <p:blipFill>
-          <a:blip r:embed="rId9">
+        <p:blipFill rotWithShape="1">
+          <a:blip r:embed="rId2" cstate="print">
             <a:extLst>
               <a:ext uri="{28A0092B-C50C-407E-A947-70E740481C1C}">
                 <a14:useLocalDpi xmlns:a14="http://schemas.microsoft.com/office/drawing/2010/main" val="0"/>
               </a:ext>
             </a:extLst>
           </a:blip>
-          <a:stretch>
-            <a:fillRect/>
-          </a:stretch>
+          <a:srcRect t="11434"/>
+          <a:stretch/>
         </p:blipFill>
         <p:spPr>
           <a:xfrm>
-            <a:off x="6172200" y="3191669"/>
-            <a:ext cx="5181600" cy="1619250"/>
+            <a:off x="3090046" y="286603"/>
+            <a:ext cx="6810412" cy="6024262"/>
           </a:xfrm>
+          <a:scene3d>
+            <a:camera prst="orthographicFront">
+              <a:rot lat="0" lon="0" rev="0"/>
+            </a:camera>
+            <a:lightRig rig="threePt" dir="t"/>
+          </a:scene3d>
         </p:spPr>
       </p:pic>
       <p:sp>
         <p:nvSpPr>
-          <p:cNvPr id="3" name="Footer Placeholder 2">
+          <p:cNvPr id="2" name="Footer Placeholder 1">
             <a:extLst>
               <a:ext uri="{FF2B5EF4-FFF2-40B4-BE49-F238E27FC236}">
-                <a16:creationId xmlns:a16="http://schemas.microsoft.com/office/drawing/2014/main" id="{48C4A1CF-FF80-4DE4-8EB5-86ED3EE2F475}"/>
+                <a16:creationId xmlns:a16="http://schemas.microsoft.com/office/drawing/2014/main" id="{4522D509-7CC3-45B7-949D-A0BC60BBAD3A}"/>
               </a:ext>
             </a:extLst>
           </p:cNvPr>
@@ -4205,18 +5288,26 @@
           <a:lstStyle/>
           <a:p>
             <a:r>
-              <a:rPr lang="en-US"/>
-              <a:t>Rochester MakerSpace 2019</a:t>
-            </a:r>
-          </a:p>
-        </p:txBody>
-      </p:sp>
-      <p:sp>
-        <p:nvSpPr>
-          <p:cNvPr id="5" name="Slide Number Placeholder 4">
+              <a:rPr lang="en-US" dirty="0"/>
+              <a:t>Rochester </a:t>
+            </a:r>
+            <a:r>
+              <a:rPr lang="en-US" dirty="0" err="1"/>
+              <a:t>MakerSpace</a:t>
+            </a:r>
+            <a:r>
+              <a:rPr lang="en-US" dirty="0"/>
+              <a:t> 2020</a:t>
+            </a:r>
+          </a:p>
+        </p:txBody>
+      </p:sp>
+      <p:sp>
+        <p:nvSpPr>
+          <p:cNvPr id="3" name="Slide Number Placeholder 2">
             <a:extLst>
               <a:ext uri="{FF2B5EF4-FFF2-40B4-BE49-F238E27FC236}">
-                <a16:creationId xmlns:a16="http://schemas.microsoft.com/office/drawing/2014/main" id="{3B9BC356-196E-435E-9C24-CF5477F3BB51}"/>
+                <a16:creationId xmlns:a16="http://schemas.microsoft.com/office/drawing/2014/main" id="{1C2A2651-CFFA-4492-9EDC-A351F1BBC887}"/>
               </a:ext>
             </a:extLst>
           </p:cNvPr>
@@ -4240,10 +5331,153 @@
           </a:p>
         </p:txBody>
       </p:sp>
+      <p:sp>
+        <p:nvSpPr>
+          <p:cNvPr id="4" name="Title 3">
+            <a:extLst>
+              <a:ext uri="{FF2B5EF4-FFF2-40B4-BE49-F238E27FC236}">
+                <a16:creationId xmlns:a16="http://schemas.microsoft.com/office/drawing/2014/main" id="{2EF3372A-B881-4447-9764-31412F0A772B}"/>
+              </a:ext>
+            </a:extLst>
+          </p:cNvPr>
+          <p:cNvSpPr>
+            <a:spLocks noGrp="1"/>
+          </p:cNvSpPr>
+          <p:nvPr>
+            <p:ph type="title"/>
+          </p:nvPr>
+        </p:nvSpPr>
+        <p:spPr>
+          <a:xfrm>
+            <a:off x="1097280" y="286603"/>
+            <a:ext cx="3709613" cy="1450757"/>
+          </a:xfrm>
+          <a:solidFill>
+            <a:schemeClr val="bg1"/>
+          </a:solidFill>
+          <a:ln>
+            <a:noFill/>
+          </a:ln>
+        </p:spPr>
+        <p:txBody>
+          <a:bodyPr/>
+          <a:lstStyle/>
+          <a:p>
+            <a:r>
+              <a:rPr lang="en-US" dirty="0"/>
+              <a:t>Uno R3 Pinout</a:t>
+            </a:r>
+          </a:p>
+        </p:txBody>
+      </p:sp>
+      <p:sp>
+        <p:nvSpPr>
+          <p:cNvPr id="6" name="Rectangle 5">
+            <a:extLst>
+              <a:ext uri="{FF2B5EF4-FFF2-40B4-BE49-F238E27FC236}">
+                <a16:creationId xmlns:a16="http://schemas.microsoft.com/office/drawing/2014/main" id="{19E116C7-23AB-4D67-B135-2DCFE7A54A46}"/>
+              </a:ext>
+            </a:extLst>
+          </p:cNvPr>
+          <p:cNvSpPr/>
+          <p:nvPr/>
+        </p:nvSpPr>
+        <p:spPr>
+          <a:xfrm>
+            <a:off x="1097280" y="1661020"/>
+            <a:ext cx="1992766" cy="260059"/>
+          </a:xfrm>
+          <a:prstGeom prst="rect">
+            <a:avLst/>
+          </a:prstGeom>
+          <a:solidFill>
+            <a:schemeClr val="bg1"/>
+          </a:solidFill>
+          <a:ln>
+            <a:noFill/>
+          </a:ln>
+        </p:spPr>
+        <p:style>
+          <a:lnRef idx="2">
+            <a:schemeClr val="accent1">
+              <a:shade val="50000"/>
+            </a:schemeClr>
+          </a:lnRef>
+          <a:fillRef idx="1">
+            <a:schemeClr val="accent1"/>
+          </a:fillRef>
+          <a:effectRef idx="0">
+            <a:schemeClr val="accent1"/>
+          </a:effectRef>
+          <a:fontRef idx="minor">
+            <a:schemeClr val="lt1"/>
+          </a:fontRef>
+        </p:style>
+        <p:txBody>
+          <a:bodyPr rtlCol="0" anchor="ctr"/>
+          <a:lstStyle/>
+          <a:p>
+            <a:pPr algn="ctr"/>
+            <a:endParaRPr lang="en-US"/>
+          </a:p>
+        </p:txBody>
+      </p:sp>
+      <p:sp>
+        <p:nvSpPr>
+          <p:cNvPr id="8" name="Rectangle 7">
+            <a:extLst>
+              <a:ext uri="{FF2B5EF4-FFF2-40B4-BE49-F238E27FC236}">
+                <a16:creationId xmlns:a16="http://schemas.microsoft.com/office/drawing/2014/main" id="{D3A675B1-3EB5-45C9-BC54-EE2AE513D3EF}"/>
+              </a:ext>
+            </a:extLst>
+          </p:cNvPr>
+          <p:cNvSpPr/>
+          <p:nvPr/>
+        </p:nvSpPr>
+        <p:spPr>
+          <a:xfrm>
+            <a:off x="9900458" y="1737360"/>
+            <a:ext cx="1847256" cy="260059"/>
+          </a:xfrm>
+          <a:prstGeom prst="rect">
+            <a:avLst/>
+          </a:prstGeom>
+          <a:solidFill>
+            <a:schemeClr val="bg1"/>
+          </a:solidFill>
+          <a:ln>
+            <a:noFill/>
+          </a:ln>
+        </p:spPr>
+        <p:style>
+          <a:lnRef idx="2">
+            <a:schemeClr val="accent1">
+              <a:shade val="50000"/>
+            </a:schemeClr>
+          </a:lnRef>
+          <a:fillRef idx="1">
+            <a:schemeClr val="accent1"/>
+          </a:fillRef>
+          <a:effectRef idx="0">
+            <a:schemeClr val="accent1"/>
+          </a:effectRef>
+          <a:fontRef idx="minor">
+            <a:schemeClr val="lt1"/>
+          </a:fontRef>
+        </p:style>
+        <p:txBody>
+          <a:bodyPr rtlCol="0" anchor="ctr"/>
+          <a:lstStyle/>
+          <a:p>
+            <a:pPr algn="ctr"/>
+            <a:endParaRPr lang="en-US"/>
+          </a:p>
+        </p:txBody>
+      </p:sp>
     </p:spTree>
     <p:extLst>
       <p:ext uri="{BB962C8B-B14F-4D97-AF65-F5344CB8AC3E}">
-        <p14:creationId xmlns:p14="http://schemas.microsoft.com/office/powerpoint/2010/main" val="887560721"/>
+        <p14:creationId xmlns:p14="http://schemas.microsoft.com/office/powerpoint/2010/main" val="1036825955"/>
       </p:ext>
     </p:extLst>
   </p:cSld>
@@ -4270,47 +5504,143 @@
           <a:chExt cx="0" cy="0"/>
         </a:xfrm>
       </p:grpSpPr>
+      <p:sp>
+        <p:nvSpPr>
+          <p:cNvPr id="2" name="Title 1"/>
+          <p:cNvSpPr>
+            <a:spLocks noGrp="1"/>
+          </p:cNvSpPr>
+          <p:nvPr>
+            <p:ph type="title"/>
+          </p:nvPr>
+        </p:nvSpPr>
+        <p:spPr>
+          <a:xfrm>
+            <a:off x="620486" y="457200"/>
+            <a:ext cx="3397841" cy="1600200"/>
+          </a:xfrm>
+        </p:spPr>
+        <p:txBody>
+          <a:bodyPr>
+            <a:normAutofit fontScale="90000"/>
+          </a:bodyPr>
+          <a:lstStyle/>
+          <a:p>
+            <a:r>
+              <a:rPr lang="en-US" sz="3600" dirty="0"/>
+              <a:t>Arduino</a:t>
+            </a:r>
+            <a:br>
+              <a:rPr lang="en-US" sz="3600" dirty="0"/>
+            </a:br>
+            <a:r>
+              <a:rPr lang="en-US" sz="3600" dirty="0"/>
+              <a:t>Integrated </a:t>
+            </a:r>
+            <a:br>
+              <a:rPr lang="en-US" sz="3600" dirty="0"/>
+            </a:br>
+            <a:r>
+              <a:rPr lang="en-US" sz="3600" dirty="0"/>
+              <a:t>Development Environment</a:t>
+            </a:r>
+          </a:p>
+        </p:txBody>
+      </p:sp>
       <p:pic>
         <p:nvPicPr>
-          <p:cNvPr id="7" name="Content Placeholder 6"/>
+          <p:cNvPr id="5" name="Content Placeholder 4"/>
           <p:cNvPicPr>
             <a:picLocks noGrp="1" noChangeAspect="1"/>
           </p:cNvPicPr>
           <p:nvPr>
-            <p:ph idx="4294967295"/>
+            <p:ph idx="1"/>
           </p:nvPr>
         </p:nvPicPr>
         <p:blipFill>
-          <a:blip r:embed="rId2" cstate="print">
-            <a:extLst>
-              <a:ext uri="{28A0092B-C50C-407E-A947-70E740481C1C}">
-                <a14:useLocalDpi xmlns:a14="http://schemas.microsoft.com/office/drawing/2010/main" val="0"/>
-              </a:ext>
-            </a:extLst>
-          </a:blip>
+          <a:blip r:embed="rId3"/>
           <a:stretch>
             <a:fillRect/>
           </a:stretch>
         </p:blipFill>
         <p:spPr>
           <a:xfrm>
-            <a:off x="2667000" y="0"/>
-            <a:ext cx="6858000" cy="6858000"/>
+            <a:off x="5377343" y="455462"/>
+            <a:ext cx="4915949" cy="5998268"/>
           </a:xfrm>
-          <a:scene3d>
-            <a:camera prst="orthographicFront">
-              <a:rot lat="0" lon="0" rev="0"/>
-            </a:camera>
-            <a:lightRig rig="threePt" dir="t"/>
-          </a:scene3d>
+          <a:prstGeom prst="rect">
+            <a:avLst/>
+          </a:prstGeom>
         </p:spPr>
       </p:pic>
       <p:sp>
         <p:nvSpPr>
-          <p:cNvPr id="2" name="Footer Placeholder 1">
+          <p:cNvPr id="4" name="Text Placeholder 3"/>
+          <p:cNvSpPr>
+            <a:spLocks noGrp="1"/>
+          </p:cNvSpPr>
+          <p:nvPr>
+            <p:ph type="body" sz="half" idx="2"/>
+          </p:nvPr>
+        </p:nvSpPr>
+        <p:spPr>
+          <a:xfrm>
+            <a:off x="620486" y="2057400"/>
+            <a:ext cx="3397841" cy="3811588"/>
+          </a:xfrm>
+        </p:spPr>
+        <p:txBody>
+          <a:bodyPr>
+            <a:normAutofit/>
+          </a:bodyPr>
+          <a:lstStyle/>
+          <a:p>
+            <a:endParaRPr lang="en-US" sz="2000" dirty="0"/>
+          </a:p>
+          <a:p>
+            <a:r>
+              <a:rPr lang="en-US" sz="2000" dirty="0"/>
+              <a:t>Free download from </a:t>
+            </a:r>
+            <a:r>
+              <a:rPr lang="en-US" sz="1400" dirty="0">
+                <a:hlinkClick r:id="rId4"/>
+              </a:rPr>
+              <a:t>https://www.arduino.cc/en/Main/Software</a:t>
+            </a:r>
+            <a:endParaRPr lang="en-US" sz="1400" dirty="0"/>
+          </a:p>
+          <a:p>
+            <a:endParaRPr lang="en-US" sz="2000" dirty="0"/>
+          </a:p>
+          <a:p>
+            <a:r>
+              <a:rPr lang="en-US" sz="2000" dirty="0"/>
+              <a:t>Simple, fixed program structure</a:t>
+            </a:r>
+          </a:p>
+          <a:p>
+            <a:endParaRPr lang="en-US" sz="2000" dirty="0"/>
+          </a:p>
+          <a:p>
+            <a:r>
+              <a:rPr lang="en-US" sz="2000" dirty="0"/>
+              <a:t>Uses a programming language that is a simplified variant of </a:t>
+            </a:r>
+            <a:r>
+              <a:rPr lang="en-US" sz="2000" dirty="0" err="1"/>
+              <a:t>c++</a:t>
+            </a:r>
+            <a:endParaRPr lang="en-US" sz="2000" dirty="0"/>
+          </a:p>
+        </p:txBody>
+      </p:sp>
+      <p:sp>
+        <p:nvSpPr>
+          <p:cNvPr id="3" name="Footer Placeholder 2">
             <a:extLst>
               <a:ext uri="{FF2B5EF4-FFF2-40B4-BE49-F238E27FC236}">
-                <a16:creationId xmlns:a16="http://schemas.microsoft.com/office/drawing/2014/main" id="{4522D509-7CC3-45B7-949D-A0BC60BBAD3A}"/>
+                <a16:creationId xmlns:a16="http://schemas.microsoft.com/office/drawing/2014/main" id="{95F1DFC8-6304-4C78-908A-2A63585769F2}"/>
               </a:ext>
             </a:extLst>
           </p:cNvPr>
@@ -4321,24 +5651,37 @@
             <p:ph type="ftr" sz="quarter" idx="11"/>
           </p:nvPr>
         </p:nvSpPr>
-        <p:spPr/>
-        <p:txBody>
-          <a:bodyPr/>
-          <a:lstStyle/>
-          <a:p>
-            <a:r>
-              <a:rPr lang="en-US"/>
-              <a:t>Rochester MakerSpace 2019</a:t>
-            </a:r>
-          </a:p>
-        </p:txBody>
-      </p:sp>
-      <p:sp>
-        <p:nvSpPr>
-          <p:cNvPr id="3" name="Slide Number Placeholder 2">
+        <p:spPr>
+          <a:xfrm>
+            <a:off x="5334000" y="6492875"/>
+            <a:ext cx="4648200" cy="365125"/>
+          </a:xfrm>
+        </p:spPr>
+        <p:txBody>
+          <a:bodyPr/>
+          <a:lstStyle/>
+          <a:p>
+            <a:r>
+              <a:rPr lang="en-US" dirty="0"/>
+              <a:t>Rochester </a:t>
+            </a:r>
+            <a:r>
+              <a:rPr lang="en-US" dirty="0" err="1"/>
+              <a:t>MakerSpace</a:t>
+            </a:r>
+            <a:r>
+              <a:rPr lang="en-US" dirty="0"/>
+              <a:t> 2020</a:t>
+            </a:r>
+          </a:p>
+        </p:txBody>
+      </p:sp>
+      <p:sp>
+        <p:nvSpPr>
+          <p:cNvPr id="6" name="Slide Number Placeholder 5">
             <a:extLst>
               <a:ext uri="{FF2B5EF4-FFF2-40B4-BE49-F238E27FC236}">
-                <a16:creationId xmlns:a16="http://schemas.microsoft.com/office/drawing/2014/main" id="{1C2A2651-CFFA-4492-9EDC-A351F1BBC887}"/>
+                <a16:creationId xmlns:a16="http://schemas.microsoft.com/office/drawing/2014/main" id="{B1A9E0C2-2740-45D4-BF11-BC4381CD561A}"/>
               </a:ext>
             </a:extLst>
           </p:cNvPr>
@@ -4365,7 +5708,7 @@
     </p:spTree>
     <p:extLst>
       <p:ext uri="{BB962C8B-B14F-4D97-AF65-F5344CB8AC3E}">
-        <p14:creationId xmlns:p14="http://schemas.microsoft.com/office/powerpoint/2010/main" val="1036825955"/>
+        <p14:creationId xmlns:p14="http://schemas.microsoft.com/office/powerpoint/2010/main" val="1105792951"/>
       </p:ext>
     </p:extLst>
   </p:cSld>
@@ -4427,7 +5770,7 @@
         <p:spPr/>
         <p:txBody>
           <a:bodyPr>
-            <a:normAutofit fontScale="85000" lnSpcReduction="20000"/>
+            <a:normAutofit fontScale="70000" lnSpcReduction="20000"/>
           </a:bodyPr>
           <a:lstStyle/>
           <a:p>
@@ -4611,8 +5954,16 @@
           <a:lstStyle/>
           <a:p>
             <a:r>
-              <a:rPr lang="en-US"/>
-              <a:t>Rochester MakerSpace 2019</a:t>
+              <a:rPr lang="en-US" dirty="0"/>
+              <a:t>Rochester </a:t>
+            </a:r>
+            <a:r>
+              <a:rPr lang="en-US" dirty="0" err="1"/>
+              <a:t>MakerSpace</a:t>
+            </a:r>
+            <a:r>
+              <a:rPr lang="en-US" dirty="0"/>
+              <a:t> 2020</a:t>
             </a:r>
           </a:p>
         </p:txBody>
@@ -4710,29 +6061,26 @@
         </p:nvSpPr>
         <p:spPr/>
         <p:txBody>
-          <a:bodyPr/>
-          <a:lstStyle/>
-          <a:p>
-            <a:r>
-              <a:rPr lang="en-US" dirty="0"/>
+          <a:bodyPr>
+            <a:normAutofit/>
+          </a:bodyPr>
+          <a:lstStyle/>
+          <a:p>
+            <a:r>
+              <a:rPr lang="en-US" sz="2400" dirty="0"/>
               <a:t>Night Light – a simple circuit to switch on an LED when it gets dark</a:t>
             </a:r>
           </a:p>
           <a:p>
             <a:pPr lvl="1"/>
             <a:r>
-              <a:rPr lang="en-US" dirty="0"/>
-              <a:t>Demonstrates use of analog input and </a:t>
-            </a:r>
-            <a:r>
-              <a:rPr lang="en-US"/>
-              <a:t>digital output</a:t>
-            </a:r>
-            <a:endParaRPr lang="en-US" dirty="0"/>
-          </a:p>
-          <a:p>
-            <a:r>
-              <a:rPr lang="en-US" dirty="0"/>
+              <a:rPr lang="en-US" sz="2000" dirty="0"/>
+              <a:t>Demonstrates use of analog input and digital output</a:t>
+            </a:r>
+          </a:p>
+          <a:p>
+            <a:r>
+              <a:rPr lang="en-US" sz="2400" dirty="0"/>
               <a:t>PWM (https://www.youtube.com/watch?v=Y1QraI5i_XM)</a:t>
             </a:r>
           </a:p>
@@ -4760,8 +6108,16 @@
           <a:lstStyle/>
           <a:p>
             <a:r>
-              <a:rPr lang="en-US"/>
-              <a:t>Rochester MakerSpace 2019</a:t>
+              <a:rPr lang="en-US" dirty="0"/>
+              <a:t>Rochester </a:t>
+            </a:r>
+            <a:r>
+              <a:rPr lang="en-US" dirty="0" err="1"/>
+              <a:t>MakerSpace</a:t>
+            </a:r>
+            <a:r>
+              <a:rPr lang="en-US" dirty="0"/>
+              <a:t> 2020</a:t>
             </a:r>
           </a:p>
         </p:txBody>
@@ -4955,8 +6311,16 @@
           <a:lstStyle/>
           <a:p>
             <a:r>
-              <a:rPr lang="en-US"/>
-              <a:t>Rochester MakerSpace 2019</a:t>
+              <a:rPr lang="en-US" dirty="0"/>
+              <a:t>Rochester </a:t>
+            </a:r>
+            <a:r>
+              <a:rPr lang="en-US" dirty="0" err="1"/>
+              <a:t>MakerSpace</a:t>
+            </a:r>
+            <a:r>
+              <a:rPr lang="en-US" dirty="0"/>
+              <a:t> 2020</a:t>
             </a:r>
           </a:p>
         </p:txBody>
@@ -5055,7 +6419,7 @@
         <p:spPr/>
         <p:txBody>
           <a:bodyPr>
-            <a:normAutofit lnSpcReduction="10000"/>
+            <a:normAutofit/>
           </a:bodyPr>
           <a:lstStyle/>
           <a:p>
@@ -5138,8 +6502,16 @@
           <a:lstStyle/>
           <a:p>
             <a:r>
-              <a:rPr lang="en-US"/>
-              <a:t>Rochester MakerSpace 2019</a:t>
+              <a:rPr lang="en-US" dirty="0"/>
+              <a:t>Rochester </a:t>
+            </a:r>
+            <a:r>
+              <a:rPr lang="en-US" dirty="0" err="1"/>
+              <a:t>MakerSpace</a:t>
+            </a:r>
+            <a:r>
+              <a:rPr lang="en-US" dirty="0"/>
+              <a:t> 2020</a:t>
             </a:r>
           </a:p>
         </p:txBody>
@@ -5272,6 +6644,71 @@
           </a:xfrm>
         </p:spPr>
       </p:pic>
+      <p:sp>
+        <p:nvSpPr>
+          <p:cNvPr id="3" name="Footer Placeholder 2">
+            <a:extLst>
+              <a:ext uri="{FF2B5EF4-FFF2-40B4-BE49-F238E27FC236}">
+                <a16:creationId xmlns:a16="http://schemas.microsoft.com/office/drawing/2014/main" id="{A66128E9-CD50-455C-8090-AAEE7D7CB497}"/>
+              </a:ext>
+            </a:extLst>
+          </p:cNvPr>
+          <p:cNvSpPr>
+            <a:spLocks noGrp="1"/>
+          </p:cNvSpPr>
+          <p:nvPr>
+            <p:ph type="ftr" sz="quarter" idx="11"/>
+          </p:nvPr>
+        </p:nvSpPr>
+        <p:spPr/>
+        <p:txBody>
+          <a:bodyPr/>
+          <a:lstStyle/>
+          <a:p>
+            <a:r>
+              <a:rPr lang="en-US" dirty="0"/>
+              <a:t>Rochester </a:t>
+            </a:r>
+            <a:r>
+              <a:rPr lang="en-US" dirty="0" err="1"/>
+              <a:t>MakerSpace</a:t>
+            </a:r>
+            <a:r>
+              <a:rPr lang="en-US" dirty="0"/>
+              <a:t> 2020</a:t>
+            </a:r>
+          </a:p>
+        </p:txBody>
+      </p:sp>
+      <p:sp>
+        <p:nvSpPr>
+          <p:cNvPr id="4" name="Slide Number Placeholder 3">
+            <a:extLst>
+              <a:ext uri="{FF2B5EF4-FFF2-40B4-BE49-F238E27FC236}">
+                <a16:creationId xmlns:a16="http://schemas.microsoft.com/office/drawing/2014/main" id="{4B6A810F-5C1A-43DB-A377-2F5A94015F21}"/>
+              </a:ext>
+            </a:extLst>
+          </p:cNvPr>
+          <p:cNvSpPr>
+            <a:spLocks noGrp="1"/>
+          </p:cNvSpPr>
+          <p:nvPr>
+            <p:ph type="sldNum" sz="quarter" idx="12"/>
+          </p:nvPr>
+        </p:nvSpPr>
+        <p:spPr/>
+        <p:txBody>
+          <a:bodyPr/>
+          <a:lstStyle/>
+          <a:p>
+            <a:fld id="{ADDE84BC-4FC7-4B69-BEAA-AA840A7919E3}" type="slidenum">
+              <a:rPr lang="en-US" smtClean="0"/>
+              <a:t>4</a:t>
+            </a:fld>
+            <a:endParaRPr lang="en-US"/>
+          </a:p>
+        </p:txBody>
+      </p:sp>
       <p:pic>
         <p:nvPicPr>
           <p:cNvPr id="10" name="Content Placeholder 8">
@@ -5300,7 +6737,7 @@
         </p:blipFill>
         <p:spPr>
           <a:xfrm>
-            <a:off x="6456679" y="1771968"/>
+            <a:off x="6039459" y="1922903"/>
             <a:ext cx="5116221" cy="4351338"/>
           </a:xfrm>
           <a:prstGeom prst="rect">
@@ -5357,7 +6794,7 @@
         </p:nvSpPr>
         <p:spPr>
           <a:xfrm>
-            <a:off x="995680" y="2548231"/>
+            <a:off x="952304" y="2645337"/>
             <a:ext cx="3541151" cy="2788700"/>
           </a:xfrm>
           <a:prstGeom prst="rect">
@@ -5447,63 +6884,6 @@
           </a:p>
         </p:txBody>
       </p:sp>
-      <p:sp>
-        <p:nvSpPr>
-          <p:cNvPr id="3" name="Footer Placeholder 2">
-            <a:extLst>
-              <a:ext uri="{FF2B5EF4-FFF2-40B4-BE49-F238E27FC236}">
-                <a16:creationId xmlns:a16="http://schemas.microsoft.com/office/drawing/2014/main" id="{A66128E9-CD50-455C-8090-AAEE7D7CB497}"/>
-              </a:ext>
-            </a:extLst>
-          </p:cNvPr>
-          <p:cNvSpPr>
-            <a:spLocks noGrp="1"/>
-          </p:cNvSpPr>
-          <p:nvPr>
-            <p:ph type="ftr" sz="quarter" idx="11"/>
-          </p:nvPr>
-        </p:nvSpPr>
-        <p:spPr/>
-        <p:txBody>
-          <a:bodyPr/>
-          <a:lstStyle/>
-          <a:p>
-            <a:r>
-              <a:rPr lang="en-US"/>
-              <a:t>Rochester MakerSpace 2019</a:t>
-            </a:r>
-          </a:p>
-        </p:txBody>
-      </p:sp>
-      <p:sp>
-        <p:nvSpPr>
-          <p:cNvPr id="4" name="Slide Number Placeholder 3">
-            <a:extLst>
-              <a:ext uri="{FF2B5EF4-FFF2-40B4-BE49-F238E27FC236}">
-                <a16:creationId xmlns:a16="http://schemas.microsoft.com/office/drawing/2014/main" id="{4B6A810F-5C1A-43DB-A377-2F5A94015F21}"/>
-              </a:ext>
-            </a:extLst>
-          </p:cNvPr>
-          <p:cNvSpPr>
-            <a:spLocks noGrp="1"/>
-          </p:cNvSpPr>
-          <p:nvPr>
-            <p:ph type="sldNum" sz="quarter" idx="12"/>
-          </p:nvPr>
-        </p:nvSpPr>
-        <p:spPr/>
-        <p:txBody>
-          <a:bodyPr/>
-          <a:lstStyle/>
-          <a:p>
-            <a:fld id="{ADDE84BC-4FC7-4B69-BEAA-AA840A7919E3}" type="slidenum">
-              <a:rPr lang="en-US" smtClean="0"/>
-              <a:t>4</a:t>
-            </a:fld>
-            <a:endParaRPr lang="en-US"/>
-          </a:p>
-        </p:txBody>
-      </p:sp>
     </p:spTree>
     <p:extLst>
       <p:ext uri="{BB962C8B-B14F-4D97-AF65-F5344CB8AC3E}">
@@ -5557,7 +6937,7 @@
           <a:lstStyle/>
           <a:p>
             <a:r>
-              <a:rPr lang="en-US" sz="4400" dirty="0"/>
+              <a:rPr lang="en-US" dirty="0"/>
               <a:t>Arduino Uno R3</a:t>
             </a:r>
           </a:p>
@@ -5587,8 +6967,8 @@
         </p:blipFill>
         <p:spPr>
           <a:xfrm>
-            <a:off x="6096000" y="1343705"/>
-            <a:ext cx="5560788" cy="4170590"/>
+            <a:off x="5665787" y="1574800"/>
+            <a:ext cx="4762500" cy="3571875"/>
           </a:xfrm>
         </p:spPr>
       </p:pic>
@@ -5605,7 +6985,7 @@
         <p:spPr>
           <a:xfrm>
             <a:off x="839788" y="2057400"/>
-            <a:ext cx="5256212" cy="3811588"/>
+            <a:ext cx="3206918" cy="3811588"/>
           </a:xfrm>
         </p:spPr>
         <p:txBody>
@@ -5615,20 +6995,20 @@
           <a:lstStyle/>
           <a:p>
             <a:r>
-              <a:rPr lang="en-US" sz="2000" dirty="0"/>
+              <a:rPr lang="en-US" sz="1600" dirty="0"/>
               <a:t>The canonical Arduino design</a:t>
             </a:r>
           </a:p>
           <a:p>
             <a:r>
-              <a:rPr lang="en-US" sz="2000" dirty="0"/>
+              <a:rPr lang="en-US" sz="1600" dirty="0"/>
               <a:t>Focus is on experimentation and learning</a:t>
             </a:r>
           </a:p>
           <a:p>
             <a:r>
-              <a:rPr lang="en-US" sz="2000" dirty="0"/>
-              <a:t>Simple, low-cost, small computer</a:t>
+              <a:rPr lang="en-US" sz="1600" dirty="0"/>
+              <a:t>A simple, low-cost, small computer</a:t>
             </a:r>
           </a:p>
           <a:p>
@@ -5637,7 +7017,7 @@
               <a:buChar char="•"/>
             </a:pPr>
             <a:r>
-              <a:rPr lang="en-US" sz="2000" dirty="0"/>
+              <a:rPr lang="en-US" sz="1400" dirty="0"/>
               <a:t>Modest processing power</a:t>
             </a:r>
           </a:p>
@@ -5647,7 +7027,7 @@
               <a:buChar char="•"/>
             </a:pPr>
             <a:r>
-              <a:rPr lang="en-US" sz="2000" dirty="0"/>
+              <a:rPr lang="en-US" sz="1400" dirty="0"/>
               <a:t>Small space for code</a:t>
             </a:r>
           </a:p>
@@ -5657,7 +7037,7 @@
               <a:buChar char="•"/>
             </a:pPr>
             <a:r>
-              <a:rPr lang="en-US" sz="2000" dirty="0"/>
+              <a:rPr lang="en-US" sz="1400" dirty="0"/>
               <a:t>Small space for data</a:t>
             </a:r>
           </a:p>
@@ -5667,7 +7047,7 @@
               <a:buChar char="•"/>
             </a:pPr>
             <a:r>
-              <a:rPr lang="en-US" sz="2000" dirty="0"/>
+              <a:rPr lang="en-US" sz="1400" dirty="0"/>
               <a:t>Wide range of GPIO connectivity options for devices or circuits</a:t>
             </a:r>
           </a:p>
@@ -5677,42 +7057,14 @@
               <a:buChar char="•"/>
             </a:pPr>
             <a:r>
-              <a:rPr lang="en-US" sz="2000" dirty="0"/>
+              <a:rPr lang="en-US" sz="1400" dirty="0"/>
               <a:t>Easy USB connection and good, free software development environment</a:t>
             </a:r>
           </a:p>
           <a:p>
             <a:r>
-              <a:rPr lang="en-US" sz="2000" dirty="0"/>
+              <a:rPr lang="en-US" sz="1600" dirty="0"/>
               <a:t>Huge community of ‘makers’ providing videos, tutorials, examples, projects, devices, advice</a:t>
-            </a:r>
-          </a:p>
-        </p:txBody>
-      </p:sp>
-      <p:sp>
-        <p:nvSpPr>
-          <p:cNvPr id="3" name="Footer Placeholder 2">
-            <a:extLst>
-              <a:ext uri="{FF2B5EF4-FFF2-40B4-BE49-F238E27FC236}">
-                <a16:creationId xmlns:a16="http://schemas.microsoft.com/office/drawing/2014/main" id="{659DE921-EAE2-4A61-BF51-C18199804D2F}"/>
-              </a:ext>
-            </a:extLst>
-          </p:cNvPr>
-          <p:cNvSpPr>
-            <a:spLocks noGrp="1"/>
-          </p:cNvSpPr>
-          <p:nvPr>
-            <p:ph type="ftr" sz="quarter" idx="11"/>
-          </p:nvPr>
-        </p:nvSpPr>
-        <p:spPr/>
-        <p:txBody>
-          <a:bodyPr/>
-          <a:lstStyle/>
-          <a:p>
-            <a:r>
-              <a:rPr lang="en-US"/>
-              <a:t>Rochester MakerSpace 2019</a:t>
             </a:r>
           </a:p>
         </p:txBody>
@@ -5743,6 +7095,47 @@
               <a:t>5</a:t>
             </a:fld>
             <a:endParaRPr lang="en-US"/>
+          </a:p>
+        </p:txBody>
+      </p:sp>
+      <p:sp>
+        <p:nvSpPr>
+          <p:cNvPr id="9" name="Footer Placeholder 2">
+            <a:extLst>
+              <a:ext uri="{FF2B5EF4-FFF2-40B4-BE49-F238E27FC236}">
+                <a16:creationId xmlns:a16="http://schemas.microsoft.com/office/drawing/2014/main" id="{19DE2255-227A-465B-BD11-A9B273904678}"/>
+              </a:ext>
+            </a:extLst>
+          </p:cNvPr>
+          <p:cNvSpPr>
+            <a:spLocks noGrp="1"/>
+          </p:cNvSpPr>
+          <p:nvPr>
+            <p:ph type="ftr" sz="quarter" idx="11"/>
+          </p:nvPr>
+        </p:nvSpPr>
+        <p:spPr>
+          <a:xfrm>
+            <a:off x="5334000" y="6492875"/>
+            <a:ext cx="4648200" cy="365125"/>
+          </a:xfrm>
+        </p:spPr>
+        <p:txBody>
+          <a:bodyPr/>
+          <a:lstStyle/>
+          <a:p>
+            <a:r>
+              <a:rPr lang="en-US" dirty="0"/>
+              <a:t>Rochester </a:t>
+            </a:r>
+            <a:r>
+              <a:rPr lang="en-US" dirty="0" err="1"/>
+              <a:t>MakerSpace</a:t>
+            </a:r>
+            <a:r>
+              <a:rPr lang="en-US" dirty="0"/>
+              <a:t> 2020</a:t>
+            </a:r>
           </a:p>
         </p:txBody>
       </p:sp>
@@ -5778,7 +7171,7 @@
       </p:grpSpPr>
       <p:sp>
         <p:nvSpPr>
-          <p:cNvPr id="2" name="Title 1"/>
+          <p:cNvPr id="5" name="Title 4"/>
           <p:cNvSpPr>
             <a:spLocks noGrp="1"/>
           </p:cNvSpPr>
@@ -5786,42 +7179,28 @@
             <p:ph type="title"/>
           </p:nvPr>
         </p:nvSpPr>
-        <p:spPr>
-          <a:xfrm>
-            <a:off x="620486" y="457200"/>
-            <a:ext cx="4816928" cy="1600200"/>
-          </a:xfrm>
-        </p:spPr>
-        <p:txBody>
-          <a:bodyPr>
-            <a:normAutofit fontScale="90000"/>
-          </a:bodyPr>
-          <a:lstStyle/>
-          <a:p>
-            <a:r>
-              <a:rPr lang="en-US" sz="3600" dirty="0"/>
-              <a:t>Arduino</a:t>
+        <p:spPr/>
+        <p:txBody>
+          <a:bodyPr/>
+          <a:lstStyle/>
+          <a:p>
+            <a:r>
+              <a:rPr lang="en-US" dirty="0"/>
+              <a:t>Many Arduino </a:t>
             </a:r>
             <a:br>
-              <a:rPr lang="en-US" sz="3600" dirty="0"/>
+              <a:rPr lang="en-US" dirty="0"/>
             </a:br>
             <a:r>
-              <a:rPr lang="en-US" sz="3600" dirty="0"/>
-              <a:t>Integrated </a:t>
-            </a:r>
-            <a:br>
-              <a:rPr lang="en-US" sz="3600" dirty="0"/>
-            </a:br>
-            <a:r>
-              <a:rPr lang="en-US" sz="3600" dirty="0"/>
-              <a:t>Development Environment</a:t>
+              <a:rPr lang="en-US" dirty="0"/>
+              <a:t>variants</a:t>
             </a:r>
           </a:p>
         </p:txBody>
       </p:sp>
       <p:pic>
         <p:nvPicPr>
-          <p:cNvPr id="5" name="Content Placeholder 4"/>
+          <p:cNvPr id="9" name="Content Placeholder 8"/>
           <p:cNvPicPr>
             <a:picLocks noGrp="1" noChangeAspect="1"/>
           </p:cNvPicPr>
@@ -5830,24 +7209,27 @@
           </p:nvPr>
         </p:nvPicPr>
         <p:blipFill>
-          <a:blip r:embed="rId3"/>
+          <a:blip r:embed="rId2" cstate="print">
+            <a:extLst>
+              <a:ext uri="{28A0092B-C50C-407E-A947-70E740481C1C}">
+                <a14:useLocalDpi xmlns:a14="http://schemas.microsoft.com/office/drawing/2010/main" val="0"/>
+              </a:ext>
+            </a:extLst>
+          </a:blip>
           <a:stretch>
             <a:fillRect/>
           </a:stretch>
         </p:blipFill>
         <p:spPr>
           <a:xfrm>
-            <a:off x="5856576" y="284896"/>
-            <a:ext cx="5181538" cy="6322330"/>
+            <a:off x="3167520" y="457200"/>
+            <a:ext cx="9013370" cy="5633357"/>
           </a:xfrm>
-          <a:prstGeom prst="rect">
-            <a:avLst/>
-          </a:prstGeom>
         </p:spPr>
       </p:pic>
       <p:sp>
         <p:nvSpPr>
-          <p:cNvPr id="4" name="Text Placeholder 3"/>
+          <p:cNvPr id="7" name="Text Placeholder 6"/>
           <p:cNvSpPr>
             <a:spLocks noGrp="1"/>
           </p:cNvSpPr>
@@ -5855,92 +7237,59 @@
             <p:ph type="body" sz="half" idx="2"/>
           </p:nvPr>
         </p:nvSpPr>
-        <p:spPr>
-          <a:xfrm>
-            <a:off x="620486" y="2057400"/>
-            <a:ext cx="4816928" cy="3811588"/>
-          </a:xfrm>
-        </p:spPr>
+        <p:spPr/>
         <p:txBody>
           <a:bodyPr>
             <a:normAutofit/>
           </a:bodyPr>
           <a:lstStyle/>
           <a:p>
+            <a:r>
+              <a:rPr lang="en-US" sz="2000" dirty="0"/>
+              <a:t>Faster processor</a:t>
+            </a:r>
+          </a:p>
+          <a:p>
+            <a:r>
+              <a:rPr lang="en-US" sz="2000" dirty="0"/>
+              <a:t>Bigger programs</a:t>
+            </a:r>
+          </a:p>
+          <a:p>
+            <a:r>
+              <a:rPr lang="en-US" sz="2000" dirty="0"/>
+              <a:t>More data</a:t>
+            </a:r>
+          </a:p>
+          <a:p>
+            <a:r>
+              <a:rPr lang="en-US" sz="2000" dirty="0"/>
+              <a:t>More pins to connect devices</a:t>
+            </a:r>
+          </a:p>
+          <a:p>
+            <a:r>
+              <a:rPr lang="en-US" sz="2000" dirty="0"/>
+              <a:t>More portable</a:t>
+            </a:r>
+          </a:p>
+          <a:p>
+            <a:r>
+              <a:rPr lang="en-US" sz="2000" dirty="0"/>
+              <a:t>Different form factor</a:t>
+            </a:r>
+          </a:p>
+          <a:p>
             <a:endParaRPr lang="en-US" sz="2000" dirty="0"/>
           </a:p>
-          <a:p>
-            <a:r>
-              <a:rPr lang="en-US" sz="2000" dirty="0"/>
-              <a:t>Free download from </a:t>
-            </a:r>
-            <a:r>
-              <a:rPr lang="en-US" sz="2000" dirty="0">
-                <a:hlinkClick r:id="rId4"/>
-              </a:rPr>
-              <a:t>https://www.arduino.cc/en/Main/Software</a:t>
-            </a:r>
-            <a:endParaRPr lang="en-US" sz="2000" dirty="0"/>
-          </a:p>
-          <a:p>
-            <a:endParaRPr lang="en-US" sz="2000" dirty="0"/>
-          </a:p>
-          <a:p>
-            <a:r>
-              <a:rPr lang="en-US" sz="2000" dirty="0"/>
-              <a:t>Simple, fixed program structure</a:t>
-            </a:r>
-          </a:p>
-          <a:p>
-            <a:endParaRPr lang="en-US" sz="2000" dirty="0"/>
-          </a:p>
-          <a:p>
-            <a:r>
-              <a:rPr lang="en-US" sz="2000" dirty="0"/>
-              <a:t>Uses a programming language that is a simplified variant of </a:t>
-            </a:r>
-            <a:r>
-              <a:rPr lang="en-US" sz="2000" dirty="0" err="1"/>
-              <a:t>c++</a:t>
-            </a:r>
-            <a:endParaRPr lang="en-US" sz="2000" dirty="0"/>
-          </a:p>
-        </p:txBody>
-      </p:sp>
-      <p:sp>
-        <p:nvSpPr>
-          <p:cNvPr id="3" name="Footer Placeholder 2">
+        </p:txBody>
+      </p:sp>
+      <p:sp>
+        <p:nvSpPr>
+          <p:cNvPr id="3" name="Slide Number Placeholder 2">
             <a:extLst>
               <a:ext uri="{FF2B5EF4-FFF2-40B4-BE49-F238E27FC236}">
-                <a16:creationId xmlns:a16="http://schemas.microsoft.com/office/drawing/2014/main" id="{95F1DFC8-6304-4C78-908A-2A63585769F2}"/>
-              </a:ext>
-            </a:extLst>
-          </p:cNvPr>
-          <p:cNvSpPr>
-            <a:spLocks noGrp="1"/>
-          </p:cNvSpPr>
-          <p:nvPr>
-            <p:ph type="ftr" sz="quarter" idx="11"/>
-          </p:nvPr>
-        </p:nvSpPr>
-        <p:spPr/>
-        <p:txBody>
-          <a:bodyPr/>
-          <a:lstStyle/>
-          <a:p>
-            <a:r>
-              <a:rPr lang="en-US"/>
-              <a:t>Rochester MakerSpace 2019</a:t>
-            </a:r>
-          </a:p>
-        </p:txBody>
-      </p:sp>
-      <p:sp>
-        <p:nvSpPr>
-          <p:cNvPr id="6" name="Slide Number Placeholder 5">
-            <a:extLst>
-              <a:ext uri="{FF2B5EF4-FFF2-40B4-BE49-F238E27FC236}">
-                <a16:creationId xmlns:a16="http://schemas.microsoft.com/office/drawing/2014/main" id="{B1A9E0C2-2740-45D4-BF11-BC4381CD561A}"/>
+                <a16:creationId xmlns:a16="http://schemas.microsoft.com/office/drawing/2014/main" id="{EAFBAAD7-5C00-4A81-9238-4C33C87A33F0}"/>
               </a:ext>
             </a:extLst>
           </p:cNvPr>
@@ -5964,10 +7313,51 @@
           </a:p>
         </p:txBody>
       </p:sp>
+      <p:sp>
+        <p:nvSpPr>
+          <p:cNvPr id="8" name="Footer Placeholder 2">
+            <a:extLst>
+              <a:ext uri="{FF2B5EF4-FFF2-40B4-BE49-F238E27FC236}">
+                <a16:creationId xmlns:a16="http://schemas.microsoft.com/office/drawing/2014/main" id="{2D8858FB-F3E6-4368-A3E2-20B6B1C387B3}"/>
+              </a:ext>
+            </a:extLst>
+          </p:cNvPr>
+          <p:cNvSpPr>
+            <a:spLocks noGrp="1"/>
+          </p:cNvSpPr>
+          <p:nvPr>
+            <p:ph type="ftr" sz="quarter" idx="11"/>
+          </p:nvPr>
+        </p:nvSpPr>
+        <p:spPr>
+          <a:xfrm>
+            <a:off x="5334000" y="6492875"/>
+            <a:ext cx="4648200" cy="365125"/>
+          </a:xfrm>
+        </p:spPr>
+        <p:txBody>
+          <a:bodyPr/>
+          <a:lstStyle/>
+          <a:p>
+            <a:r>
+              <a:rPr lang="en-US" dirty="0"/>
+              <a:t>Rochester </a:t>
+            </a:r>
+            <a:r>
+              <a:rPr lang="en-US" dirty="0" err="1"/>
+              <a:t>MakerSpace</a:t>
+            </a:r>
+            <a:r>
+              <a:rPr lang="en-US" dirty="0"/>
+              <a:t> 2020</a:t>
+            </a:r>
+          </a:p>
+        </p:txBody>
+      </p:sp>
     </p:spTree>
     <p:extLst>
       <p:ext uri="{BB962C8B-B14F-4D97-AF65-F5344CB8AC3E}">
-        <p14:creationId xmlns:p14="http://schemas.microsoft.com/office/powerpoint/2010/main" val="1105792951"/>
+        <p14:creationId xmlns:p14="http://schemas.microsoft.com/office/powerpoint/2010/main" val="3454580765"/>
       </p:ext>
     </p:extLst>
   </p:cSld>
@@ -5996,7 +7386,7 @@
       </p:grpSpPr>
       <p:sp>
         <p:nvSpPr>
-          <p:cNvPr id="5" name="Title 4"/>
+          <p:cNvPr id="2" name="Title 1"/>
           <p:cNvSpPr>
             <a:spLocks noGrp="1"/>
           </p:cNvSpPr>
@@ -6011,78 +7401,14 @@
           <a:p>
             <a:r>
               <a:rPr lang="en-US" dirty="0"/>
-              <a:t>Many Arduino </a:t>
-            </a:r>
-            <a:br>
-              <a:rPr lang="en-US" dirty="0"/>
-            </a:br>
-            <a:r>
-              <a:rPr lang="en-US" dirty="0"/>
-              <a:t>variants</a:t>
-            </a:r>
-          </a:p>
-        </p:txBody>
-      </p:sp>
-      <p:sp>
-        <p:nvSpPr>
-          <p:cNvPr id="7" name="Text Placeholder 6"/>
-          <p:cNvSpPr>
-            <a:spLocks noGrp="1"/>
-          </p:cNvSpPr>
-          <p:nvPr>
-            <p:ph type="body" sz="half" idx="2"/>
-          </p:nvPr>
-        </p:nvSpPr>
-        <p:spPr/>
-        <p:txBody>
-          <a:bodyPr>
-            <a:normAutofit/>
-          </a:bodyPr>
-          <a:lstStyle/>
-          <a:p>
-            <a:r>
-              <a:rPr lang="en-US" sz="2000" dirty="0"/>
-              <a:t>Faster processor</a:t>
-            </a:r>
-          </a:p>
-          <a:p>
-            <a:r>
-              <a:rPr lang="en-US" sz="2000" dirty="0"/>
-              <a:t>Bigger programs</a:t>
-            </a:r>
-          </a:p>
-          <a:p>
-            <a:r>
-              <a:rPr lang="en-US" sz="2000" dirty="0"/>
-              <a:t>More data</a:t>
-            </a:r>
-          </a:p>
-          <a:p>
-            <a:r>
-              <a:rPr lang="en-US" sz="2000" dirty="0"/>
-              <a:t>More pins to connect devices</a:t>
-            </a:r>
-          </a:p>
-          <a:p>
-            <a:r>
-              <a:rPr lang="en-US" sz="2000" dirty="0"/>
-              <a:t>More portable</a:t>
-            </a:r>
-          </a:p>
-          <a:p>
-            <a:r>
-              <a:rPr lang="en-US" sz="2000" dirty="0"/>
-              <a:t>Different form factor</a:t>
-            </a:r>
-          </a:p>
-          <a:p>
-            <a:endParaRPr lang="en-US" sz="2000" dirty="0"/>
+              <a:t>Arduino GPIO</a:t>
+            </a:r>
           </a:p>
         </p:txBody>
       </p:sp>
       <p:pic>
         <p:nvPicPr>
-          <p:cNvPr id="9" name="Content Placeholder 8"/>
+          <p:cNvPr id="5" name="Content Placeholder 4"/>
           <p:cNvPicPr>
             <a:picLocks noGrp="1" noChangeAspect="1"/>
           </p:cNvPicPr>
@@ -6091,7 +7417,7 @@
           </p:nvPr>
         </p:nvPicPr>
         <p:blipFill>
-          <a:blip r:embed="rId2" cstate="print">
+          <a:blip r:embed="rId2">
             <a:extLst>
               <a:ext uri="{28A0092B-C50C-407E-A947-70E740481C1C}">
                 <a14:useLocalDpi xmlns:a14="http://schemas.microsoft.com/office/drawing/2010/main" val="0"/>
@@ -6104,45 +7430,86 @@
         </p:blipFill>
         <p:spPr>
           <a:xfrm>
-            <a:off x="3167520" y="457200"/>
-            <a:ext cx="9013370" cy="5633357"/>
+            <a:off x="4302217" y="751114"/>
+            <a:ext cx="7595222" cy="5117873"/>
           </a:xfrm>
         </p:spPr>
       </p:pic>
       <p:sp>
         <p:nvSpPr>
-          <p:cNvPr id="2" name="Footer Placeholder 1">
+          <p:cNvPr id="4" name="Text Placeholder 3"/>
+          <p:cNvSpPr>
+            <a:spLocks noGrp="1"/>
+          </p:cNvSpPr>
+          <p:nvPr>
+            <p:ph type="body" sz="half" idx="2"/>
+          </p:nvPr>
+        </p:nvSpPr>
+        <p:spPr/>
+        <p:txBody>
+          <a:bodyPr>
+            <a:normAutofit fontScale="85000" lnSpcReduction="20000"/>
+          </a:bodyPr>
+          <a:lstStyle/>
+          <a:p>
+            <a:r>
+              <a:rPr lang="en-US" sz="2000" dirty="0"/>
+              <a:t>Simple direct connection for digital input and output</a:t>
+            </a:r>
+          </a:p>
+          <a:p>
+            <a:r>
+              <a:rPr lang="en-US" sz="2000" dirty="0"/>
+              <a:t>Simple direct connection for analog input</a:t>
+            </a:r>
+          </a:p>
+          <a:p>
+            <a:r>
+              <a:rPr lang="en-US" sz="2000" dirty="0"/>
+              <a:t>Onboard pulse width modulation (PWM)</a:t>
+            </a:r>
+          </a:p>
+          <a:p>
+            <a:r>
+              <a:rPr lang="en-US" sz="2000" dirty="0"/>
+              <a:t>4 ways to connect to other chips:</a:t>
+            </a:r>
+          </a:p>
+          <a:p>
+            <a:r>
+              <a:rPr lang="en-US" sz="2000" dirty="0"/>
+              <a:t>GPIO – Digital I/O or Analog Input</a:t>
+            </a:r>
+          </a:p>
+          <a:p>
+            <a:r>
+              <a:rPr lang="en-US" sz="2000" dirty="0"/>
+              <a:t>I2C – Inter-Integrated-Circuit</a:t>
+            </a:r>
+          </a:p>
+          <a:p>
+            <a:r>
+              <a:rPr lang="en-US" sz="2000" dirty="0"/>
+              <a:t>SPI – Serial Peripheral Interface</a:t>
+            </a:r>
+          </a:p>
+          <a:p>
+            <a:r>
+              <a:rPr lang="en-US" sz="2000" dirty="0"/>
+              <a:t>Serial – asynchronous serial</a:t>
+            </a:r>
+          </a:p>
+          <a:p>
+            <a:endParaRPr lang="en-US" sz="2000" dirty="0"/>
+          </a:p>
+        </p:txBody>
+      </p:sp>
+      <p:sp>
+        <p:nvSpPr>
+          <p:cNvPr id="6" name="Slide Number Placeholder 5">
             <a:extLst>
               <a:ext uri="{FF2B5EF4-FFF2-40B4-BE49-F238E27FC236}">
-                <a16:creationId xmlns:a16="http://schemas.microsoft.com/office/drawing/2014/main" id="{AE770DFF-7C45-4454-96F0-5FFAF97B53CA}"/>
-              </a:ext>
-            </a:extLst>
-          </p:cNvPr>
-          <p:cNvSpPr>
-            <a:spLocks noGrp="1"/>
-          </p:cNvSpPr>
-          <p:nvPr>
-            <p:ph type="ftr" sz="quarter" idx="11"/>
-          </p:nvPr>
-        </p:nvSpPr>
-        <p:spPr/>
-        <p:txBody>
-          <a:bodyPr/>
-          <a:lstStyle/>
-          <a:p>
-            <a:r>
-              <a:rPr lang="en-US"/>
-              <a:t>Rochester MakerSpace 2019</a:t>
-            </a:r>
-          </a:p>
-        </p:txBody>
-      </p:sp>
-      <p:sp>
-        <p:nvSpPr>
-          <p:cNvPr id="3" name="Slide Number Placeholder 2">
-            <a:extLst>
-              <a:ext uri="{FF2B5EF4-FFF2-40B4-BE49-F238E27FC236}">
-                <a16:creationId xmlns:a16="http://schemas.microsoft.com/office/drawing/2014/main" id="{EAFBAAD7-5C00-4A81-9238-4C33C87A33F0}"/>
+                <a16:creationId xmlns:a16="http://schemas.microsoft.com/office/drawing/2014/main" id="{7030B9E2-7975-43BC-BCE7-5F3D33D9074F}"/>
               </a:ext>
             </a:extLst>
           </p:cNvPr>
@@ -6166,10 +7533,51 @@
           </a:p>
         </p:txBody>
       </p:sp>
+      <p:sp>
+        <p:nvSpPr>
+          <p:cNvPr id="7" name="Footer Placeholder 2">
+            <a:extLst>
+              <a:ext uri="{FF2B5EF4-FFF2-40B4-BE49-F238E27FC236}">
+                <a16:creationId xmlns:a16="http://schemas.microsoft.com/office/drawing/2014/main" id="{9DD7AE80-FC64-4E6B-90D8-B501BAF76339}"/>
+              </a:ext>
+            </a:extLst>
+          </p:cNvPr>
+          <p:cNvSpPr>
+            <a:spLocks noGrp="1"/>
+          </p:cNvSpPr>
+          <p:nvPr>
+            <p:ph type="ftr" sz="quarter" idx="11"/>
+          </p:nvPr>
+        </p:nvSpPr>
+        <p:spPr>
+          <a:xfrm>
+            <a:off x="5334000" y="6492875"/>
+            <a:ext cx="4648200" cy="365125"/>
+          </a:xfrm>
+        </p:spPr>
+        <p:txBody>
+          <a:bodyPr/>
+          <a:lstStyle/>
+          <a:p>
+            <a:r>
+              <a:rPr lang="en-US" dirty="0"/>
+              <a:t>Rochester </a:t>
+            </a:r>
+            <a:r>
+              <a:rPr lang="en-US" dirty="0" err="1"/>
+              <a:t>MakerSpace</a:t>
+            </a:r>
+            <a:r>
+              <a:rPr lang="en-US" dirty="0"/>
+              <a:t> 2020</a:t>
+            </a:r>
+          </a:p>
+        </p:txBody>
+      </p:sp>
     </p:spTree>
     <p:extLst>
       <p:ext uri="{BB962C8B-B14F-4D97-AF65-F5344CB8AC3E}">
-        <p14:creationId xmlns:p14="http://schemas.microsoft.com/office/powerpoint/2010/main" val="3454580765"/>
+        <p14:creationId xmlns:p14="http://schemas.microsoft.com/office/powerpoint/2010/main" val="2971879341"/>
       </p:ext>
     </p:extLst>
   </p:cSld>
@@ -6198,7 +7606,7 @@
       </p:grpSpPr>
       <p:sp>
         <p:nvSpPr>
-          <p:cNvPr id="2" name="Title 1"/>
+          <p:cNvPr id="5" name="Title 4"/>
           <p:cNvSpPr>
             <a:spLocks noGrp="1"/>
           </p:cNvSpPr>
@@ -6213,109 +7621,48 @@
           <a:p>
             <a:r>
               <a:rPr lang="en-US" dirty="0"/>
-              <a:t>Arduino GPIO</a:t>
-            </a:r>
-          </a:p>
-        </p:txBody>
-      </p:sp>
-      <p:pic>
-        <p:nvPicPr>
-          <p:cNvPr id="5" name="Content Placeholder 4"/>
-          <p:cNvPicPr>
-            <a:picLocks noGrp="1" noChangeAspect="1"/>
-          </p:cNvPicPr>
+              <a:t>I2C</a:t>
+            </a:r>
+          </a:p>
+        </p:txBody>
+      </p:sp>
+      <p:sp>
+        <p:nvSpPr>
+          <p:cNvPr id="6" name="Content Placeholder 5"/>
+          <p:cNvSpPr>
+            <a:spLocks noGrp="1"/>
+          </p:cNvSpPr>
           <p:nvPr>
             <p:ph idx="1"/>
           </p:nvPr>
-        </p:nvPicPr>
-        <p:blipFill>
-          <a:blip r:embed="rId2">
-            <a:extLst>
-              <a:ext uri="{28A0092B-C50C-407E-A947-70E740481C1C}">
-                <a14:useLocalDpi xmlns:a14="http://schemas.microsoft.com/office/drawing/2010/main" val="0"/>
-              </a:ext>
-            </a:extLst>
-          </a:blip>
-          <a:stretch>
-            <a:fillRect/>
-          </a:stretch>
-        </p:blipFill>
-        <p:spPr>
-          <a:xfrm>
-            <a:off x="4302217" y="751114"/>
-            <a:ext cx="7595222" cy="5117873"/>
-          </a:xfrm>
-        </p:spPr>
-      </p:pic>
-      <p:sp>
-        <p:nvSpPr>
-          <p:cNvPr id="4" name="Text Placeholder 3"/>
-          <p:cNvSpPr>
-            <a:spLocks noGrp="1"/>
-          </p:cNvSpPr>
-          <p:nvPr>
-            <p:ph type="body" sz="half" idx="2"/>
-          </p:nvPr>
-        </p:nvSpPr>
-        <p:spPr/>
-        <p:txBody>
-          <a:bodyPr>
-            <a:normAutofit/>
-          </a:bodyPr>
-          <a:lstStyle/>
-          <a:p>
-            <a:r>
-              <a:rPr lang="en-US" sz="2000" dirty="0"/>
-              <a:t>Simple direct connection for digital input and output</a:t>
-            </a:r>
-          </a:p>
-          <a:p>
-            <a:r>
-              <a:rPr lang="en-US" sz="2000" dirty="0"/>
-              <a:t>Simple direct connection for analog input</a:t>
-            </a:r>
-          </a:p>
-          <a:p>
-            <a:r>
-              <a:rPr lang="en-US" sz="2000" dirty="0"/>
-              <a:t>Onboard pulse width modulation (PWM)</a:t>
-            </a:r>
-          </a:p>
-          <a:p>
-            <a:r>
-              <a:rPr lang="en-US" sz="2000" dirty="0"/>
-              <a:t>3 ways to connect to other chips:</a:t>
-            </a:r>
-          </a:p>
-          <a:p>
-            <a:r>
-              <a:rPr lang="en-US" sz="2000" dirty="0"/>
-              <a:t>I2C – Inter-Integrated-Circuit</a:t>
-            </a:r>
-          </a:p>
-          <a:p>
-            <a:r>
-              <a:rPr lang="en-US" sz="2000" dirty="0"/>
-              <a:t>SPI – Serial Peripheral Interface</a:t>
-            </a:r>
-          </a:p>
-          <a:p>
-            <a:r>
-              <a:rPr lang="en-US" sz="2000" dirty="0"/>
-              <a:t>Serial – asynchronous serial</a:t>
-            </a:r>
-          </a:p>
-          <a:p>
-            <a:endParaRPr lang="en-US" sz="2000" dirty="0"/>
-          </a:p>
-        </p:txBody>
-      </p:sp>
-      <p:sp>
-        <p:nvSpPr>
-          <p:cNvPr id="3" name="Footer Placeholder 2">
+        </p:nvSpPr>
+        <p:spPr/>
+        <p:txBody>
+          <a:bodyPr/>
+          <a:lstStyle/>
+          <a:p>
+            <a:r>
+              <a:rPr lang="en-US" dirty="0"/>
+              <a:t>I²C ( Inter-Integrated Circuit ), pronounced I-squared-C , is a synchronous , multi-master, multi-slave , packet switched , single-ended , serial computer bus invented in 1982 by Philips Semiconductor (now NXP Semiconductors ). It is widely used for attaching lower-speed peripheral ICs to processors and microcontrollers in short-distance, intra-board communication. Alternatively I²C is spelled I2C (pronounced I-two-C) or IIC (pronounced I-I-C).</a:t>
+            </a:r>
+          </a:p>
+          <a:p>
+            <a:pPr marL="0" indent="0">
+              <a:buNone/>
+            </a:pPr>
+            <a:r>
+              <a:rPr lang="en-US" dirty="0"/>
+              <a:t>								Wikipedia</a:t>
+            </a:r>
+          </a:p>
+        </p:txBody>
+      </p:sp>
+      <p:sp>
+        <p:nvSpPr>
+          <p:cNvPr id="2" name="Footer Placeholder 1">
             <a:extLst>
               <a:ext uri="{FF2B5EF4-FFF2-40B4-BE49-F238E27FC236}">
-                <a16:creationId xmlns:a16="http://schemas.microsoft.com/office/drawing/2014/main" id="{D83B17AF-692E-40D9-8F5A-915641F09076}"/>
+                <a16:creationId xmlns:a16="http://schemas.microsoft.com/office/drawing/2014/main" id="{D4B7E5A5-76BD-4285-96A4-A5DB195F83D6}"/>
               </a:ext>
             </a:extLst>
           </p:cNvPr>
@@ -6332,18 +7679,26 @@
           <a:lstStyle/>
           <a:p>
             <a:r>
-              <a:rPr lang="en-US"/>
-              <a:t>Rochester MakerSpace 2019</a:t>
-            </a:r>
-          </a:p>
-        </p:txBody>
-      </p:sp>
-      <p:sp>
-        <p:nvSpPr>
-          <p:cNvPr id="6" name="Slide Number Placeholder 5">
+              <a:rPr lang="en-US" dirty="0"/>
+              <a:t>Rochester </a:t>
+            </a:r>
+            <a:r>
+              <a:rPr lang="en-US" dirty="0" err="1"/>
+              <a:t>MakerSpace</a:t>
+            </a:r>
+            <a:r>
+              <a:rPr lang="en-US" dirty="0"/>
+              <a:t> 2020</a:t>
+            </a:r>
+          </a:p>
+        </p:txBody>
+      </p:sp>
+      <p:sp>
+        <p:nvSpPr>
+          <p:cNvPr id="3" name="Slide Number Placeholder 2">
             <a:extLst>
               <a:ext uri="{FF2B5EF4-FFF2-40B4-BE49-F238E27FC236}">
-                <a16:creationId xmlns:a16="http://schemas.microsoft.com/office/drawing/2014/main" id="{7030B9E2-7975-43BC-BCE7-5F3D33D9074F}"/>
+                <a16:creationId xmlns:a16="http://schemas.microsoft.com/office/drawing/2014/main" id="{F8F509E3-8B64-4169-96B6-2028505F61DB}"/>
               </a:ext>
             </a:extLst>
           </p:cNvPr>
@@ -6370,7 +7725,7 @@
     </p:spTree>
     <p:extLst>
       <p:ext uri="{BB962C8B-B14F-4D97-AF65-F5344CB8AC3E}">
-        <p14:creationId xmlns:p14="http://schemas.microsoft.com/office/powerpoint/2010/main" val="2971879341"/>
+        <p14:creationId xmlns:p14="http://schemas.microsoft.com/office/powerpoint/2010/main" val="2826264457"/>
       </p:ext>
     </p:extLst>
   </p:cSld>
@@ -6399,7 +7754,7 @@
       </p:grpSpPr>
       <p:sp>
         <p:nvSpPr>
-          <p:cNvPr id="5" name="Title 4"/>
+          <p:cNvPr id="2" name="Title 1"/>
           <p:cNvSpPr>
             <a:spLocks noGrp="1"/>
           </p:cNvSpPr>
@@ -6414,48 +7769,171 @@
           <a:p>
             <a:r>
               <a:rPr lang="en-US" dirty="0"/>
-              <a:t>I2C</a:t>
-            </a:r>
-          </a:p>
-        </p:txBody>
-      </p:sp>
-      <p:sp>
-        <p:nvSpPr>
-          <p:cNvPr id="6" name="Content Placeholder 5"/>
-          <p:cNvSpPr>
-            <a:spLocks noGrp="1"/>
-          </p:cNvSpPr>
-          <p:nvPr>
-            <p:ph idx="1"/>
-          </p:nvPr>
-        </p:nvSpPr>
-        <p:spPr/>
-        <p:txBody>
-          <a:bodyPr/>
+              <a:t>SPI</a:t>
+            </a:r>
+          </a:p>
+        </p:txBody>
+      </p:sp>
+      <p:sp>
+        <p:nvSpPr>
+          <p:cNvPr id="4" name="Content Placeholder 3"/>
+          <p:cNvSpPr>
+            <a:spLocks noGrp="1"/>
+          </p:cNvSpPr>
+          <p:nvPr>
+            <p:ph sz="half" idx="1"/>
+          </p:nvPr>
+        </p:nvSpPr>
+        <p:spPr/>
+        <p:txBody>
+          <a:bodyPr>
+            <a:normAutofit/>
+          </a:bodyPr>
           <a:lstStyle/>
           <a:p>
             <a:r>
               <a:rPr lang="en-US" dirty="0"/>
-              <a:t>I²C ( Inter-Integrated Circuit ), pronounced I-squared-C , is a synchronous , multi-master, multi-slave , packet switched , single-ended , serial computer bus invented in 1982 by Philips Semiconductor (now NXP Semiconductors ). It is widely used for attaching lower-speed peripheral ICs to processors and microcontrollers in short-distance, intra-board communication. Alternatively I²C is spelled I2C (pronounced I-two-C) or IIC (pronounced I-I-C).</a:t>
-            </a:r>
-          </a:p>
-          <a:p>
-            <a:pPr marL="0" indent="0">
+              <a:t>The </a:t>
+            </a:r>
+            <a:r>
+              <a:rPr lang="en-US" b="1" dirty="0"/>
+              <a:t>Serial Peripheral Interface</a:t>
+            </a:r>
+            <a:r>
+              <a:rPr lang="en-US" dirty="0"/>
+              <a:t> (</a:t>
+            </a:r>
+            <a:r>
+              <a:rPr lang="en-US" b="1" dirty="0"/>
+              <a:t>SPI</a:t>
+            </a:r>
+            <a:r>
+              <a:rPr lang="en-US" dirty="0"/>
+              <a:t>) is a </a:t>
+            </a:r>
+            <a:r>
+              <a:rPr lang="en-US" dirty="0">
+                <a:hlinkClick r:id="rId2" tooltip="Synchronous circuit"/>
+              </a:rPr>
+              <a:t>synchronous</a:t>
+            </a:r>
+            <a:r>
+              <a:rPr lang="en-US" dirty="0"/>
+              <a:t> </a:t>
+            </a:r>
+            <a:r>
+              <a:rPr lang="en-US" dirty="0">
+                <a:hlinkClick r:id="rId3" tooltip="Serial communication"/>
+              </a:rPr>
+              <a:t>serial communication</a:t>
+            </a:r>
+            <a:r>
+              <a:rPr lang="en-US" dirty="0"/>
+              <a:t> interface specification used for short distance communication, primarily in </a:t>
+            </a:r>
+            <a:r>
+              <a:rPr lang="en-US" dirty="0">
+                <a:hlinkClick r:id="rId4" tooltip="Embedded systems"/>
+              </a:rPr>
+              <a:t>embedded systems</a:t>
+            </a:r>
+            <a:r>
+              <a:rPr lang="en-US" dirty="0"/>
+              <a:t>. The interface was developed by </a:t>
+            </a:r>
+            <a:r>
+              <a:rPr lang="en-US" dirty="0">
+                <a:hlinkClick r:id="rId5" tooltip="Motorola"/>
+              </a:rPr>
+              <a:t>Motorola</a:t>
+            </a:r>
+            <a:r>
+              <a:rPr lang="en-US" dirty="0"/>
+              <a:t> in the mid 1980s and has become a </a:t>
+            </a:r>
+            <a:r>
+              <a:rPr lang="en-US" i="1" dirty="0">
+                <a:hlinkClick r:id="rId6" tooltip="De facto standard"/>
+              </a:rPr>
+              <a:t>de facto</a:t>
+            </a:r>
+            <a:r>
+              <a:rPr lang="en-US" dirty="0">
+                <a:hlinkClick r:id="rId6" tooltip="De facto standard"/>
+              </a:rPr>
+              <a:t> standard</a:t>
+            </a:r>
+            <a:r>
+              <a:rPr lang="en-US" dirty="0"/>
+              <a:t>. Typical applications include </a:t>
+            </a:r>
+            <a:r>
+              <a:rPr lang="en-US" dirty="0">
+                <a:hlinkClick r:id="rId7" tooltip="Secure Digital"/>
+              </a:rPr>
+              <a:t>Secure Digital</a:t>
+            </a:r>
+            <a:r>
+              <a:rPr lang="en-US" dirty="0"/>
+              <a:t> cards and </a:t>
+            </a:r>
+            <a:r>
+              <a:rPr lang="en-US" dirty="0">
+                <a:hlinkClick r:id="rId8" tooltip="Liquid crystal display"/>
+              </a:rPr>
+              <a:t>liquid crystal displays</a:t>
+            </a:r>
+            <a:r>
+              <a:rPr lang="en-US" dirty="0"/>
+              <a:t>. </a:t>
+            </a:r>
+          </a:p>
+          <a:p>
+            <a:pPr marL="914400" lvl="2" indent="0">
               <a:buNone/>
             </a:pPr>
             <a:r>
               <a:rPr lang="en-US" dirty="0"/>
-              <a:t>								Wikipedia</a:t>
-            </a:r>
-          </a:p>
-        </p:txBody>
-      </p:sp>
-      <p:sp>
-        <p:nvSpPr>
-          <p:cNvPr id="2" name="Footer Placeholder 1">
+              <a:t>		Wikipedia</a:t>
+            </a:r>
+          </a:p>
+        </p:txBody>
+      </p:sp>
+      <p:pic>
+        <p:nvPicPr>
+          <p:cNvPr id="6" name="Content Placeholder 5"/>
+          <p:cNvPicPr>
+            <a:picLocks noGrp="1" noChangeAspect="1"/>
+          </p:cNvPicPr>
+          <p:nvPr>
+            <p:ph sz="half" idx="2"/>
+          </p:nvPr>
+        </p:nvPicPr>
+        <p:blipFill>
+          <a:blip r:embed="rId9">
+            <a:extLst>
+              <a:ext uri="{28A0092B-C50C-407E-A947-70E740481C1C}">
+                <a14:useLocalDpi xmlns:a14="http://schemas.microsoft.com/office/drawing/2010/main" val="0"/>
+              </a:ext>
+            </a:extLst>
+          </a:blip>
+          <a:stretch>
+            <a:fillRect/>
+          </a:stretch>
+        </p:blipFill>
+        <p:spPr>
+          <a:xfrm>
+            <a:off x="6218238" y="3086200"/>
+            <a:ext cx="4937125" cy="1542851"/>
+          </a:xfrm>
+        </p:spPr>
+      </p:pic>
+      <p:sp>
+        <p:nvSpPr>
+          <p:cNvPr id="3" name="Footer Placeholder 2">
             <a:extLst>
               <a:ext uri="{FF2B5EF4-FFF2-40B4-BE49-F238E27FC236}">
-                <a16:creationId xmlns:a16="http://schemas.microsoft.com/office/drawing/2014/main" id="{D4B7E5A5-76BD-4285-96A4-A5DB195F83D6}"/>
+                <a16:creationId xmlns:a16="http://schemas.microsoft.com/office/drawing/2014/main" id="{48C4A1CF-FF80-4DE4-8EB5-86ED3EE2F475}"/>
               </a:ext>
             </a:extLst>
           </p:cNvPr>
@@ -6472,18 +7950,26 @@
           <a:lstStyle/>
           <a:p>
             <a:r>
-              <a:rPr lang="en-US"/>
-              <a:t>Rochester MakerSpace 2019</a:t>
-            </a:r>
-          </a:p>
-        </p:txBody>
-      </p:sp>
-      <p:sp>
-        <p:nvSpPr>
-          <p:cNvPr id="3" name="Slide Number Placeholder 2">
+              <a:rPr lang="en-US" dirty="0"/>
+              <a:t>Rochester </a:t>
+            </a:r>
+            <a:r>
+              <a:rPr lang="en-US" dirty="0" err="1"/>
+              <a:t>MakerSpace</a:t>
+            </a:r>
+            <a:r>
+              <a:rPr lang="en-US" dirty="0"/>
+              <a:t> 2020</a:t>
+            </a:r>
+          </a:p>
+        </p:txBody>
+      </p:sp>
+      <p:sp>
+        <p:nvSpPr>
+          <p:cNvPr id="5" name="Slide Number Placeholder 4">
             <a:extLst>
               <a:ext uri="{FF2B5EF4-FFF2-40B4-BE49-F238E27FC236}">
-                <a16:creationId xmlns:a16="http://schemas.microsoft.com/office/drawing/2014/main" id="{F8F509E3-8B64-4169-96B6-2028505F61DB}"/>
+                <a16:creationId xmlns:a16="http://schemas.microsoft.com/office/drawing/2014/main" id="{3B9BC356-196E-435E-9C24-CF5477F3BB51}"/>
               </a:ext>
             </a:extLst>
           </p:cNvPr>
@@ -6510,7 +7996,7 @@
     </p:spTree>
     <p:extLst>
       <p:ext uri="{BB962C8B-B14F-4D97-AF65-F5344CB8AC3E}">
-        <p14:creationId xmlns:p14="http://schemas.microsoft.com/office/powerpoint/2010/main" val="2826264457"/>
+        <p14:creationId xmlns:p14="http://schemas.microsoft.com/office/powerpoint/2010/main" val="887560721"/>
       </p:ext>
     </p:extLst>
   </p:cSld>
@@ -6521,47 +8007,47 @@
 </file>
 
 <file path=ppt/theme/theme1.xml><?xml version="1.0" encoding="utf-8"?>
-<a:theme xmlns:a="http://schemas.openxmlformats.org/drawingml/2006/main" name="Office Theme">
+<a:theme xmlns:a="http://schemas.openxmlformats.org/drawingml/2006/main" name="Retrospect">
   <a:themeElements>
-    <a:clrScheme name="Office">
+    <a:clrScheme name="Retrospect">
       <a:dk1>
-        <a:sysClr val="windowText" lastClr="000000"/>
+        <a:srgbClr val="000000"/>
       </a:dk1>
       <a:lt1>
         <a:sysClr val="window" lastClr="FFFFFF"/>
       </a:lt1>
       <a:dk2>
-        <a:srgbClr val="44546A"/>
+        <a:srgbClr val="637052"/>
       </a:dk2>
       <a:lt2>
-        <a:srgbClr val="E7E6E6"/>
+        <a:srgbClr val="CCDDEA"/>
       </a:lt2>
       <a:accent1>
-        <a:srgbClr val="5B9BD5"/>
+        <a:srgbClr val="E48312"/>
       </a:accent1>
       <a:accent2>
-        <a:srgbClr val="ED7D31"/>
+        <a:srgbClr val="BD582C"/>
       </a:accent2>
       <a:accent3>
-        <a:srgbClr val="A5A5A5"/>
+        <a:srgbClr val="865640"/>
       </a:accent3>
       <a:accent4>
-        <a:srgbClr val="FFC000"/>
+        <a:srgbClr val="9B8357"/>
       </a:accent4>
       <a:accent5>
-        <a:srgbClr val="4472C4"/>
+        <a:srgbClr val="C2BC80"/>
       </a:accent5>
       <a:accent6>
-        <a:srgbClr val="70AD47"/>
+        <a:srgbClr val="94A088"/>
       </a:accent6>
       <a:hlink>
-        <a:srgbClr val="0563C1"/>
+        <a:srgbClr val="2998E3"/>
       </a:hlink>
       <a:folHlink>
-        <a:srgbClr val="954F72"/>
+        <a:srgbClr val="8C8C8C"/>
       </a:folHlink>
     </a:clrScheme>
-    <a:fontScheme name="Office">
+    <a:fontScheme name="Retrospect">
       <a:majorFont>
         <a:latin typeface="Calibri Light" panose="020F0302020204030204"/>
         <a:ea typeface=""/>
@@ -6633,7 +8119,7 @@
         <a:font script="Geor" typeface="Sylfaen"/>
       </a:minorFont>
     </a:fontScheme>
-    <a:fmtScheme name="Office">
+    <a:fmtScheme name="Retrospect">
       <a:fillStyleLst>
         <a:solidFill>
           <a:schemeClr val="phClr"/>
@@ -6642,76 +8128,81 @@
           <a:gsLst>
             <a:gs pos="0">
               <a:schemeClr val="phClr">
-                <a:lumMod val="110000"/>
-                <a:satMod val="105000"/>
-                <a:tint val="67000"/>
+                <a:tint val="65000"/>
+                <a:shade val="92000"/>
+                <a:satMod val="130000"/>
               </a:schemeClr>
             </a:gs>
-            <a:gs pos="50000">
+            <a:gs pos="45000">
               <a:schemeClr val="phClr">
-                <a:lumMod val="105000"/>
-                <a:satMod val="103000"/>
-                <a:tint val="73000"/>
+                <a:tint val="60000"/>
+                <a:shade val="99000"/>
+                <a:satMod val="120000"/>
               </a:schemeClr>
             </a:gs>
             <a:gs pos="100000">
               <a:schemeClr val="phClr">
-                <a:lumMod val="105000"/>
-                <a:satMod val="109000"/>
-                <a:tint val="81000"/>
+                <a:tint val="55000"/>
+                <a:satMod val="140000"/>
               </a:schemeClr>
             </a:gs>
           </a:gsLst>
-          <a:lin ang="5400000" scaled="0"/>
+          <a:path path="circle">
+            <a:fillToRect l="100000" t="100000" r="100000" b="100000"/>
+          </a:path>
         </a:gradFill>
         <a:gradFill rotWithShape="1">
           <a:gsLst>
             <a:gs pos="0">
               <a:schemeClr val="phClr">
-                <a:satMod val="103000"/>
-                <a:lumMod val="102000"/>
-                <a:tint val="94000"/>
+                <a:shade val="85000"/>
+                <a:satMod val="130000"/>
               </a:schemeClr>
             </a:gs>
-            <a:gs pos="50000">
+            <a:gs pos="34000">
               <a:schemeClr val="phClr">
-                <a:satMod val="110000"/>
-                <a:lumMod val="100000"/>
-                <a:shade val="100000"/>
+                <a:shade val="87000"/>
+                <a:satMod val="125000"/>
+              </a:schemeClr>
+            </a:gs>
+            <a:gs pos="70000">
+              <a:schemeClr val="phClr">
+                <a:tint val="100000"/>
+                <a:shade val="90000"/>
+                <a:satMod val="130000"/>
               </a:schemeClr>
             </a:gs>
             <a:gs pos="100000">
               <a:schemeClr val="phClr">
-                <a:lumMod val="99000"/>
-                <a:satMod val="120000"/>
-                <a:shade val="78000"/>
+                <a:tint val="100000"/>
+                <a:shade val="100000"/>
+                <a:satMod val="110000"/>
               </a:schemeClr>
             </a:gs>
           </a:gsLst>
-          <a:lin ang="5400000" scaled="0"/>
+          <a:path path="circle">
+            <a:fillToRect l="100000" t="100000" r="100000" b="100000"/>
+          </a:path>
         </a:gradFill>
       </a:fillStyleLst>
       <a:lnStyleLst>
-        <a:ln w="6350" cap="flat" cmpd="sng" algn="ctr">
-          <a:solidFill>
-            <a:schemeClr val="phClr"/>
-          </a:solidFill>
-          <a:prstDash val="solid"/>
-          <a:miter lim="800000"/>
-        </a:ln>
         <a:ln w="12700" cap="flat" cmpd="sng" algn="ctr">
           <a:solidFill>
             <a:schemeClr val="phClr"/>
           </a:solidFill>
           <a:prstDash val="solid"/>
-          <a:miter lim="800000"/>
         </a:ln>
-        <a:ln w="19050" cap="flat" cmpd="sng" algn="ctr">
+        <a:ln w="15875" cap="flat" cmpd="sng" algn="ctr">
           <a:solidFill>
             <a:schemeClr val="phClr"/>
           </a:solidFill>
           <a:prstDash val="solid"/>
-          <a:miter lim="800000"/>
+        </a:ln>
+        <a:ln w="25400" cap="flat" cmpd="sng" algn="ctr">
+          <a:solidFill>
+            <a:schemeClr val="phClr"/>
+          </a:solidFill>
+          <a:prstDash val="solid"/>
         </a:ln>
       </a:lnStyleLst>
       <a:effectStyleLst>
@@ -6719,16 +8210,33 @@
           <a:effectLst/>
         </a:effectStyle>
         <a:effectStyle>
-          <a:effectLst/>
+          <a:effectLst>
+            <a:outerShdw blurRad="38100" dist="25400" dir="2700000" algn="br" rotWithShape="0">
+              <a:srgbClr val="000000">
+                <a:alpha val="60000"/>
+              </a:srgbClr>
+            </a:outerShdw>
+          </a:effectLst>
         </a:effectStyle>
         <a:effectStyle>
           <a:effectLst>
-            <a:outerShdw blurRad="57150" dist="19050" dir="5400000" algn="ctr" rotWithShape="0">
+            <a:outerShdw blurRad="44450" dist="25400" dir="2700000" algn="br" rotWithShape="0">
               <a:srgbClr val="000000">
-                <a:alpha val="63000"/>
+                <a:alpha val="60000"/>
               </a:srgbClr>
             </a:outerShdw>
           </a:effectLst>
+          <a:scene3d>
+            <a:camera prst="orthographicFront">
+              <a:rot lat="0" lon="0" rev="0"/>
+            </a:camera>
+            <a:lightRig rig="threePt" dir="t">
+              <a:rot lat="0" lon="0" rev="19800000"/>
+            </a:lightRig>
+          </a:scene3d>
+          <a:sp3d prstMaterial="flat">
+            <a:bevelT w="25400" h="31750"/>
+          </a:sp3d>
         </a:effectStyle>
       </a:effectStyleLst>
       <a:bgFillStyleLst>
@@ -6737,36 +8245,36 @@
         </a:solidFill>
         <a:solidFill>
           <a:schemeClr val="phClr">
-            <a:tint val="95000"/>
-            <a:satMod val="170000"/>
+            <a:tint val="90000"/>
+            <a:shade val="97000"/>
+            <a:satMod val="130000"/>
           </a:schemeClr>
         </a:solidFill>
         <a:gradFill rotWithShape="1">
           <a:gsLst>
             <a:gs pos="0">
               <a:schemeClr val="phClr">
-                <a:tint val="93000"/>
-                <a:satMod val="150000"/>
-                <a:shade val="98000"/>
-                <a:lumMod val="102000"/>
+                <a:tint val="96000"/>
+                <a:shade val="99000"/>
+                <a:satMod val="140000"/>
               </a:schemeClr>
             </a:gs>
-            <a:gs pos="50000">
+            <a:gs pos="65000">
               <a:schemeClr val="phClr">
-                <a:tint val="98000"/>
+                <a:tint val="100000"/>
+                <a:shade val="80000"/>
                 <a:satMod val="130000"/>
-                <a:shade val="90000"/>
-                <a:lumMod val="103000"/>
               </a:schemeClr>
             </a:gs>
             <a:gs pos="100000">
               <a:schemeClr val="phClr">
-                <a:shade val="63000"/>
+                <a:tint val="100000"/>
+                <a:shade val="48000"/>
                 <a:satMod val="120000"/>
               </a:schemeClr>
             </a:gs>
           </a:gsLst>
-          <a:lin ang="5400000" scaled="0"/>
+          <a:lin ang="16200000" scaled="0"/>
         </a:gradFill>
       </a:bgFillStyleLst>
     </a:fmtScheme>
@@ -6775,7 +8283,7 @@
   <a:extraClrSchemeLst/>
   <a:extLst>
     <a:ext uri="{05A4C25C-085E-4340-85A3-A5531E510DB2}">
-      <thm15:themeFamily xmlns:thm15="http://schemas.microsoft.com/office/thememl/2012/main" name="Office Theme" id="{62F939B6-93AF-4DB8-9C6B-D6C7DFDC589F}" vid="{4A3C46E8-61CC-4603-A589-7422A47A8E4A}"/>
+      <thm15:themeFamily xmlns:thm15="http://schemas.microsoft.com/office/thememl/2012/main" name="Retrospect" id="{5F128B03-DCCA-4EEB-AB3B-CF2899314A46}" vid="{3F1AAB62-24C6-49D2-8E01-B56FAC9A3DCD}"/>
     </a:ext>
   </a:extLst>
 </a:theme>
